--- a/graduation_thesis/figures/c3/pictures.pptx
+++ b/graduation_thesis/figures/c3/pictures.pptx
@@ -6,7 +6,7 @@
     <p:sldMasterId id="2147483660" r:id="rId2"/>
   </p:sldMasterIdLst>
   <p:notesMasterIdLst>
-    <p:notesMasterId r:id="rId12"/>
+    <p:notesMasterId r:id="rId13"/>
   </p:notesMasterIdLst>
   <p:sldIdLst>
     <p:sldId id="258" r:id="rId3"/>
@@ -18,6 +18,7 @@
     <p:sldId id="265" r:id="rId9"/>
     <p:sldId id="266" r:id="rId10"/>
     <p:sldId id="267" r:id="rId11"/>
+    <p:sldId id="268" r:id="rId12"/>
   </p:sldIdLst>
   <p:sldSz cx="12192000" cy="6858000"/>
   <p:notesSz cx="6858000" cy="9144000"/>
@@ -206,7 +207,7 @@
           <a:p>
             <a:fld id="{DFBD2350-0FC1-4CC8-9189-4554209681B9}" type="datetimeFigureOut">
               <a:rPr lang="zh-CN" altLang="en-US" smtClean="0"/>
-              <a:t>2020/4/24</a:t>
+              <a:t>2020/5/11</a:t>
             </a:fld>
             <a:endParaRPr lang="zh-CN" altLang="en-US"/>
           </a:p>
@@ -679,7 +680,7 @@
           <a:p>
             <a:fld id="{259E3DFB-078C-4AE7-9CA8-4F08B7C23DED}" type="datetimeFigureOut">
               <a:rPr lang="zh-CN" altLang="en-US" smtClean="0"/>
-              <a:t>2020/4/24</a:t>
+              <a:t>2020/5/11</a:t>
             </a:fld>
             <a:endParaRPr lang="zh-CN" altLang="en-US"/>
           </a:p>
@@ -842,7 +843,7 @@
           <a:p>
             <a:fld id="{259E3DFB-078C-4AE7-9CA8-4F08B7C23DED}" type="datetimeFigureOut">
               <a:rPr lang="zh-CN" altLang="en-US" smtClean="0"/>
-              <a:t>2020/4/24</a:t>
+              <a:t>2020/5/11</a:t>
             </a:fld>
             <a:endParaRPr lang="zh-CN" altLang="en-US"/>
           </a:p>
@@ -1015,7 +1016,7 @@
           <a:p>
             <a:fld id="{259E3DFB-078C-4AE7-9CA8-4F08B7C23DED}" type="datetimeFigureOut">
               <a:rPr lang="zh-CN" altLang="en-US" smtClean="0"/>
-              <a:t>2020/4/24</a:t>
+              <a:t>2020/5/11</a:t>
             </a:fld>
             <a:endParaRPr lang="zh-CN" altLang="en-US"/>
           </a:p>
@@ -1200,7 +1201,7 @@
           <a:p>
             <a:fld id="{259E3DFB-078C-4AE7-9CA8-4F08B7C23DED}" type="datetimeFigureOut">
               <a:rPr lang="zh-CN" altLang="en-US" smtClean="0"/>
-              <a:t>2020/4/24</a:t>
+              <a:t>2020/5/11</a:t>
             </a:fld>
             <a:endParaRPr lang="zh-CN" altLang="en-US"/>
           </a:p>
@@ -1363,7 +1364,7 @@
           <a:p>
             <a:fld id="{259E3DFB-078C-4AE7-9CA8-4F08B7C23DED}" type="datetimeFigureOut">
               <a:rPr lang="zh-CN" altLang="en-US" smtClean="0"/>
-              <a:t>2020/4/24</a:t>
+              <a:t>2020/5/11</a:t>
             </a:fld>
             <a:endParaRPr lang="zh-CN" altLang="en-US"/>
           </a:p>
@@ -1603,7 +1604,7 @@
           <a:p>
             <a:fld id="{259E3DFB-078C-4AE7-9CA8-4F08B7C23DED}" type="datetimeFigureOut">
               <a:rPr lang="zh-CN" altLang="en-US" smtClean="0"/>
-              <a:t>2020/4/24</a:t>
+              <a:t>2020/5/11</a:t>
             </a:fld>
             <a:endParaRPr lang="zh-CN" altLang="en-US"/>
           </a:p>
@@ -1827,7 +1828,7 @@
           <a:p>
             <a:fld id="{259E3DFB-078C-4AE7-9CA8-4F08B7C23DED}" type="datetimeFigureOut">
               <a:rPr lang="zh-CN" altLang="en-US" smtClean="0"/>
-              <a:t>2020/4/24</a:t>
+              <a:t>2020/5/11</a:t>
             </a:fld>
             <a:endParaRPr lang="zh-CN" altLang="en-US"/>
           </a:p>
@@ -2186,7 +2187,7 @@
           <a:p>
             <a:fld id="{259E3DFB-078C-4AE7-9CA8-4F08B7C23DED}" type="datetimeFigureOut">
               <a:rPr lang="zh-CN" altLang="en-US" smtClean="0"/>
-              <a:t>2020/4/24</a:t>
+              <a:t>2020/5/11</a:t>
             </a:fld>
             <a:endParaRPr lang="zh-CN" altLang="en-US"/>
           </a:p>
@@ -2298,7 +2299,7 @@
           <a:p>
             <a:fld id="{259E3DFB-078C-4AE7-9CA8-4F08B7C23DED}" type="datetimeFigureOut">
               <a:rPr lang="zh-CN" altLang="en-US" smtClean="0"/>
-              <a:t>2020/4/24</a:t>
+              <a:t>2020/5/11</a:t>
             </a:fld>
             <a:endParaRPr lang="zh-CN" altLang="en-US"/>
           </a:p>
@@ -2388,7 +2389,7 @@
           <a:p>
             <a:fld id="{259E3DFB-078C-4AE7-9CA8-4F08B7C23DED}" type="datetimeFigureOut">
               <a:rPr lang="zh-CN" altLang="en-US" smtClean="0"/>
-              <a:t>2020/4/24</a:t>
+              <a:t>2020/5/11</a:t>
             </a:fld>
             <a:endParaRPr lang="zh-CN" altLang="en-US"/>
           </a:p>
@@ -2658,7 +2659,7 @@
           <a:p>
             <a:fld id="{259E3DFB-078C-4AE7-9CA8-4F08B7C23DED}" type="datetimeFigureOut">
               <a:rPr lang="zh-CN" altLang="en-US" smtClean="0"/>
-              <a:t>2020/4/24</a:t>
+              <a:t>2020/5/11</a:t>
             </a:fld>
             <a:endParaRPr lang="zh-CN" altLang="en-US"/>
           </a:p>
@@ -2821,7 +2822,7 @@
           <a:p>
             <a:fld id="{259E3DFB-078C-4AE7-9CA8-4F08B7C23DED}" type="datetimeFigureOut">
               <a:rPr lang="zh-CN" altLang="en-US" smtClean="0"/>
-              <a:t>2020/4/24</a:t>
+              <a:t>2020/5/11</a:t>
             </a:fld>
             <a:endParaRPr lang="zh-CN" altLang="en-US"/>
           </a:p>
@@ -3068,7 +3069,7 @@
           <a:p>
             <a:fld id="{259E3DFB-078C-4AE7-9CA8-4F08B7C23DED}" type="datetimeFigureOut">
               <a:rPr lang="zh-CN" altLang="en-US" smtClean="0"/>
-              <a:t>2020/4/24</a:t>
+              <a:t>2020/5/11</a:t>
             </a:fld>
             <a:endParaRPr lang="zh-CN" altLang="en-US"/>
           </a:p>
@@ -3231,7 +3232,7 @@
           <a:p>
             <a:fld id="{259E3DFB-078C-4AE7-9CA8-4F08B7C23DED}" type="datetimeFigureOut">
               <a:rPr lang="zh-CN" altLang="en-US" smtClean="0"/>
-              <a:t>2020/4/24</a:t>
+              <a:t>2020/5/11</a:t>
             </a:fld>
             <a:endParaRPr lang="zh-CN" altLang="en-US"/>
           </a:p>
@@ -3404,7 +3405,7 @@
           <a:p>
             <a:fld id="{259E3DFB-078C-4AE7-9CA8-4F08B7C23DED}" type="datetimeFigureOut">
               <a:rPr lang="zh-CN" altLang="en-US" smtClean="0"/>
-              <a:t>2020/4/24</a:t>
+              <a:t>2020/5/11</a:t>
             </a:fld>
             <a:endParaRPr lang="zh-CN" altLang="en-US"/>
           </a:p>
@@ -3644,7 +3645,7 @@
           <a:p>
             <a:fld id="{259E3DFB-078C-4AE7-9CA8-4F08B7C23DED}" type="datetimeFigureOut">
               <a:rPr lang="zh-CN" altLang="en-US" smtClean="0"/>
-              <a:t>2020/4/24</a:t>
+              <a:t>2020/5/11</a:t>
             </a:fld>
             <a:endParaRPr lang="zh-CN" altLang="en-US"/>
           </a:p>
@@ -3868,7 +3869,7 @@
           <a:p>
             <a:fld id="{259E3DFB-078C-4AE7-9CA8-4F08B7C23DED}" type="datetimeFigureOut">
               <a:rPr lang="zh-CN" altLang="en-US" smtClean="0"/>
-              <a:t>2020/4/24</a:t>
+              <a:t>2020/5/11</a:t>
             </a:fld>
             <a:endParaRPr lang="zh-CN" altLang="en-US"/>
           </a:p>
@@ -4227,7 +4228,7 @@
           <a:p>
             <a:fld id="{259E3DFB-078C-4AE7-9CA8-4F08B7C23DED}" type="datetimeFigureOut">
               <a:rPr lang="zh-CN" altLang="en-US" smtClean="0"/>
-              <a:t>2020/4/24</a:t>
+              <a:t>2020/5/11</a:t>
             </a:fld>
             <a:endParaRPr lang="zh-CN" altLang="en-US"/>
           </a:p>
@@ -4339,7 +4340,7 @@
           <a:p>
             <a:fld id="{259E3DFB-078C-4AE7-9CA8-4F08B7C23DED}" type="datetimeFigureOut">
               <a:rPr lang="zh-CN" altLang="en-US" smtClean="0"/>
-              <a:t>2020/4/24</a:t>
+              <a:t>2020/5/11</a:t>
             </a:fld>
             <a:endParaRPr lang="zh-CN" altLang="en-US"/>
           </a:p>
@@ -4429,7 +4430,7 @@
           <a:p>
             <a:fld id="{259E3DFB-078C-4AE7-9CA8-4F08B7C23DED}" type="datetimeFigureOut">
               <a:rPr lang="zh-CN" altLang="en-US" smtClean="0"/>
-              <a:t>2020/4/24</a:t>
+              <a:t>2020/5/11</a:t>
             </a:fld>
             <a:endParaRPr lang="zh-CN" altLang="en-US"/>
           </a:p>
@@ -4699,7 +4700,7 @@
           <a:p>
             <a:fld id="{259E3DFB-078C-4AE7-9CA8-4F08B7C23DED}" type="datetimeFigureOut">
               <a:rPr lang="zh-CN" altLang="en-US" smtClean="0"/>
-              <a:t>2020/4/24</a:t>
+              <a:t>2020/5/11</a:t>
             </a:fld>
             <a:endParaRPr lang="zh-CN" altLang="en-US"/>
           </a:p>
@@ -4946,7 +4947,7 @@
           <a:p>
             <a:fld id="{259E3DFB-078C-4AE7-9CA8-4F08B7C23DED}" type="datetimeFigureOut">
               <a:rPr lang="zh-CN" altLang="en-US" smtClean="0"/>
-              <a:t>2020/4/24</a:t>
+              <a:t>2020/5/11</a:t>
             </a:fld>
             <a:endParaRPr lang="zh-CN" altLang="en-US"/>
           </a:p>
@@ -5152,7 +5153,7 @@
           <a:p>
             <a:fld id="{259E3DFB-078C-4AE7-9CA8-4F08B7C23DED}" type="datetimeFigureOut">
               <a:rPr lang="zh-CN" altLang="en-US" smtClean="0"/>
-              <a:t>2020/4/24</a:t>
+              <a:t>2020/5/11</a:t>
             </a:fld>
             <a:endParaRPr lang="zh-CN" altLang="en-US"/>
           </a:p>
@@ -5685,7 +5686,7 @@
           <a:p>
             <a:fld id="{259E3DFB-078C-4AE7-9CA8-4F08B7C23DED}" type="datetimeFigureOut">
               <a:rPr lang="zh-CN" altLang="en-US" smtClean="0"/>
-              <a:t>2020/4/24</a:t>
+              <a:t>2020/5/11</a:t>
             </a:fld>
             <a:endParaRPr lang="zh-CN" altLang="en-US"/>
           </a:p>
@@ -6606,7 +6607,7 @@
           <a:graphicData uri="http://schemas.openxmlformats.org/presentationml/2006/ole">
             <mc:AlternateContent xmlns:mc="http://schemas.openxmlformats.org/markup-compatibility/2006">
               <mc:Choice xmlns:v="urn:schemas-microsoft-com:vml" Requires="v">
-                <p:oleObj spid="_x0000_s6303" name="Equation" r:id="rId3" imgW="6400800" imgH="4572000" progId="Equation.DSMT4">
+                <p:oleObj spid="_x0000_s6359" name="Equation" r:id="rId3" imgW="6400800" imgH="4572000" progId="Equation.DSMT4">
                   <p:embed/>
                 </p:oleObj>
               </mc:Choice>
@@ -6657,7 +6658,7 @@
           <a:graphicData uri="http://schemas.openxmlformats.org/presentationml/2006/ole">
             <mc:AlternateContent xmlns:mc="http://schemas.openxmlformats.org/markup-compatibility/2006">
               <mc:Choice xmlns:v="urn:schemas-microsoft-com:vml" Requires="v">
-                <p:oleObj spid="_x0000_s6304" name="Equation" r:id="rId5" imgW="23774400" imgH="6705600" progId="Equation.DSMT4">
+                <p:oleObj spid="_x0000_s6360" name="Equation" r:id="rId5" imgW="23774400" imgH="6705600" progId="Equation.DSMT4">
                   <p:embed/>
                 </p:oleObj>
               </mc:Choice>
@@ -6818,7 +6819,7 @@
           <a:graphicData uri="http://schemas.openxmlformats.org/presentationml/2006/ole">
             <mc:AlternateContent xmlns:mc="http://schemas.openxmlformats.org/markup-compatibility/2006">
               <mc:Choice xmlns:v="urn:schemas-microsoft-com:vml" Requires="v">
-                <p:oleObj spid="_x0000_s6305" name="Equation" r:id="rId7" imgW="16459200" imgH="6705600" progId="Equation.DSMT4">
+                <p:oleObj spid="_x0000_s6361" name="Equation" r:id="rId7" imgW="16459200" imgH="6705600" progId="Equation.DSMT4">
                   <p:embed/>
                 </p:oleObj>
               </mc:Choice>
@@ -6869,7 +6870,7 @@
           <a:graphicData uri="http://schemas.openxmlformats.org/presentationml/2006/ole">
             <mc:AlternateContent xmlns:mc="http://schemas.openxmlformats.org/markup-compatibility/2006">
               <mc:Choice xmlns:v="urn:schemas-microsoft-com:vml" Requires="v">
-                <p:oleObj spid="_x0000_s6306" name="Equation" r:id="rId9" imgW="4876800" imgH="4876800" progId="Equation.DSMT4">
+                <p:oleObj spid="_x0000_s6362" name="Equation" r:id="rId9" imgW="4876800" imgH="4876800" progId="Equation.DSMT4">
                   <p:embed/>
                 </p:oleObj>
               </mc:Choice>
@@ -6920,7 +6921,7 @@
           <a:graphicData uri="http://schemas.openxmlformats.org/presentationml/2006/ole">
             <mc:AlternateContent xmlns:mc="http://schemas.openxmlformats.org/markup-compatibility/2006">
               <mc:Choice xmlns:v="urn:schemas-microsoft-com:vml" Requires="v">
-                <p:oleObj spid="_x0000_s6307" name="Equation" r:id="rId11" imgW="3962400" imgH="4876800" progId="Equation.DSMT4">
+                <p:oleObj spid="_x0000_s6363" name="Equation" r:id="rId11" imgW="3962400" imgH="4876800" progId="Equation.DSMT4">
                   <p:embed/>
                 </p:oleObj>
               </mc:Choice>
@@ -6971,7 +6972,7 @@
           <a:graphicData uri="http://schemas.openxmlformats.org/presentationml/2006/ole">
             <mc:AlternateContent xmlns:mc="http://schemas.openxmlformats.org/markup-compatibility/2006">
               <mc:Choice xmlns:v="urn:schemas-microsoft-com:vml" Requires="v">
-                <p:oleObj spid="_x0000_s6308" name="Equation" r:id="rId13" imgW="14020800" imgH="6096000" progId="Equation.DSMT4">
+                <p:oleObj spid="_x0000_s6364" name="Equation" r:id="rId13" imgW="14020800" imgH="6096000" progId="Equation.DSMT4">
                   <p:embed/>
                 </p:oleObj>
               </mc:Choice>
@@ -7022,7 +7023,7 @@
           <a:graphicData uri="http://schemas.openxmlformats.org/presentationml/2006/ole">
             <mc:AlternateContent xmlns:mc="http://schemas.openxmlformats.org/markup-compatibility/2006">
               <mc:Choice xmlns:v="urn:schemas-microsoft-com:vml" Requires="v">
-                <p:oleObj spid="_x0000_s6309" name="Equation" r:id="rId15" imgW="38100000" imgH="4876800" progId="Equation.DSMT4">
+                <p:oleObj spid="_x0000_s6365" name="Equation" r:id="rId15" imgW="38100000" imgH="4876800" progId="Equation.DSMT4">
                   <p:embed/>
                 </p:oleObj>
               </mc:Choice>
@@ -7113,6 +7114,3681 @@
 </p:sld>
 </file>
 
+<file path=ppt/slides/slide10.xml><?xml version="1.0" encoding="utf-8"?>
+<p:sld xmlns:a="http://schemas.openxmlformats.org/drawingml/2006/main" xmlns:r="http://schemas.openxmlformats.org/officeDocument/2006/relationships" xmlns:p="http://schemas.openxmlformats.org/presentationml/2006/main">
+  <p:cSld>
+    <p:spTree>
+      <p:nvGrpSpPr>
+        <p:cNvPr id="1" name=""/>
+        <p:cNvGrpSpPr/>
+        <p:nvPr/>
+      </p:nvGrpSpPr>
+      <p:grpSpPr>
+        <a:xfrm>
+          <a:off x="0" y="0"/>
+          <a:ext cx="0" cy="0"/>
+          <a:chOff x="0" y="0"/>
+          <a:chExt cx="0" cy="0"/>
+        </a:xfrm>
+      </p:grpSpPr>
+      <p:sp>
+        <p:nvSpPr>
+          <p:cNvPr id="6" name="矩形 5"/>
+          <p:cNvSpPr/>
+          <p:nvPr/>
+        </p:nvSpPr>
+        <p:spPr>
+          <a:xfrm>
+            <a:off x="2875280" y="1037360"/>
+            <a:ext cx="720496" cy="561968"/>
+          </a:xfrm>
+          <a:prstGeom prst="rect">
+            <a:avLst/>
+          </a:prstGeom>
+          <a:solidFill>
+            <a:schemeClr val="bg1"/>
+          </a:solidFill>
+        </p:spPr>
+        <p:style>
+          <a:lnRef idx="2">
+            <a:schemeClr val="accent1">
+              <a:shade val="50000"/>
+            </a:schemeClr>
+          </a:lnRef>
+          <a:fillRef idx="1">
+            <a:schemeClr val="accent1"/>
+          </a:fillRef>
+          <a:effectRef idx="0">
+            <a:schemeClr val="accent1"/>
+          </a:effectRef>
+          <a:fontRef idx="minor">
+            <a:schemeClr val="lt1"/>
+          </a:fontRef>
+        </p:style>
+        <p:txBody>
+          <a:bodyPr rtlCol="0" anchor="ctr"/>
+          <a:lstStyle/>
+          <a:p>
+            <a:pPr algn="ctr"/>
+            <a:r>
+              <a:rPr lang="zh-CN" altLang="en-US" sz="1050" b="1" dirty="0">
+                <a:solidFill>
+                  <a:schemeClr val="tx1"/>
+                </a:solidFill>
+                <a:latin typeface="Times New Roman" panose="02020603050405020304" pitchFamily="18" charset="0"/>
+                <a:ea typeface="宋体" panose="02010600030101010101" pitchFamily="2" charset="-122"/>
+                <a:cs typeface="Times New Roman" panose="02020603050405020304" pitchFamily="18" charset="0"/>
+              </a:rPr>
+              <a:t>比例环节</a:t>
+            </a:r>
+          </a:p>
+        </p:txBody>
+      </p:sp>
+      <p:graphicFrame>
+        <p:nvGraphicFramePr>
+          <p:cNvPr id="4" name="对象 3">
+            <a:extLst>
+              <a:ext uri="{FF2B5EF4-FFF2-40B4-BE49-F238E27FC236}">
+                <a16:creationId xmlns:a16="http://schemas.microsoft.com/office/drawing/2014/main" id="{725E4131-1714-43F8-9D40-1B3EB5039B1F}"/>
+              </a:ext>
+            </a:extLst>
+          </p:cNvPr>
+          <p:cNvGraphicFramePr>
+            <a:graphicFrameLocks noChangeAspect="1"/>
+          </p:cNvGraphicFramePr>
+          <p:nvPr>
+            <p:extLst>
+              <p:ext uri="{D42A27DB-BD31-4B8C-83A1-F6EECF244321}">
+                <p14:modId xmlns:p14="http://schemas.microsoft.com/office/powerpoint/2010/main" val="1610166353"/>
+              </p:ext>
+            </p:extLst>
+          </p:nvPr>
+        </p:nvGraphicFramePr>
+        <p:xfrm>
+          <a:off x="1535245" y="984147"/>
+          <a:ext cx="189374" cy="227250"/>
+        </p:xfrm>
+        <a:graphic>
+          <a:graphicData uri="http://schemas.openxmlformats.org/presentationml/2006/ole">
+            <mc:AlternateContent xmlns:mc="http://schemas.openxmlformats.org/markup-compatibility/2006">
+              <mc:Choice xmlns:v="urn:schemas-microsoft-com:vml" Requires="v">
+                <p:oleObj spid="_x0000_s12526" name="Equation" r:id="rId3" imgW="203040" imgH="241200" progId="Equation.DSMT4">
+                  <p:embed/>
+                </p:oleObj>
+              </mc:Choice>
+              <mc:Fallback>
+                <p:oleObj name="Equation" r:id="rId3" imgW="203040" imgH="241200" progId="Equation.DSMT4">
+                  <p:embed/>
+                  <p:pic>
+                    <p:nvPicPr>
+                      <p:cNvPr id="4" name="对象 3">
+                        <a:extLst>
+                          <a:ext uri="{FF2B5EF4-FFF2-40B4-BE49-F238E27FC236}">
+                            <a16:creationId xmlns:a16="http://schemas.microsoft.com/office/drawing/2014/main" id="{725E4131-1714-43F8-9D40-1B3EB5039B1F}"/>
+                          </a:ext>
+                        </a:extLst>
+                      </p:cNvPr>
+                      <p:cNvPicPr/>
+                      <p:nvPr/>
+                    </p:nvPicPr>
+                    <p:blipFill>
+                      <a:blip r:embed="rId4"/>
+                      <a:stretch>
+                        <a:fillRect/>
+                      </a:stretch>
+                    </p:blipFill>
+                    <p:spPr>
+                      <a:xfrm>
+                        <a:off x="1535245" y="984147"/>
+                        <a:ext cx="189374" cy="227250"/>
+                      </a:xfrm>
+                      <a:prstGeom prst="rect">
+                        <a:avLst/>
+                      </a:prstGeom>
+                    </p:spPr>
+                  </p:pic>
+                </p:oleObj>
+              </mc:Fallback>
+            </mc:AlternateContent>
+          </a:graphicData>
+        </a:graphic>
+      </p:graphicFrame>
+      <p:cxnSp>
+        <p:nvCxnSpPr>
+          <p:cNvPr id="97" name="连接符: 肘形 96">
+            <a:extLst>
+              <a:ext uri="{FF2B5EF4-FFF2-40B4-BE49-F238E27FC236}">
+                <a16:creationId xmlns:a16="http://schemas.microsoft.com/office/drawing/2014/main" id="{EAC39DA1-5882-4D6C-83C3-5E8739078A83}"/>
+              </a:ext>
+            </a:extLst>
+          </p:cNvPr>
+          <p:cNvCxnSpPr>
+            <a:cxnSpLocks/>
+            <a:stCxn id="125" idx="3"/>
+          </p:cNvCxnSpPr>
+          <p:nvPr/>
+        </p:nvCxnSpPr>
+        <p:spPr>
+          <a:xfrm flipV="1">
+            <a:off x="2549950" y="1324514"/>
+            <a:ext cx="1853736" cy="828717"/>
+          </a:xfrm>
+          <a:prstGeom prst="bentConnector3">
+            <a:avLst>
+              <a:gd name="adj1" fmla="val 78261"/>
+            </a:avLst>
+          </a:prstGeom>
+          <a:ln>
+            <a:tailEnd type="triangle"/>
+          </a:ln>
+        </p:spPr>
+        <p:style>
+          <a:lnRef idx="3">
+            <a:schemeClr val="dk1"/>
+          </a:lnRef>
+          <a:fillRef idx="0">
+            <a:schemeClr val="dk1"/>
+          </a:fillRef>
+          <a:effectRef idx="2">
+            <a:schemeClr val="dk1"/>
+          </a:effectRef>
+          <a:fontRef idx="minor">
+            <a:schemeClr val="tx1"/>
+          </a:fontRef>
+        </p:style>
+      </p:cxnSp>
+      <p:graphicFrame>
+        <p:nvGraphicFramePr>
+          <p:cNvPr id="119" name="对象 118">
+            <a:extLst>
+              <a:ext uri="{FF2B5EF4-FFF2-40B4-BE49-F238E27FC236}">
+                <a16:creationId xmlns:a16="http://schemas.microsoft.com/office/drawing/2014/main" id="{26A69256-78FA-433F-A418-32CE721EFF06}"/>
+              </a:ext>
+            </a:extLst>
+          </p:cNvPr>
+          <p:cNvGraphicFramePr>
+            <a:graphicFrameLocks noChangeAspect="1"/>
+          </p:cNvGraphicFramePr>
+          <p:nvPr>
+            <p:extLst>
+              <p:ext uri="{D42A27DB-BD31-4B8C-83A1-F6EECF244321}">
+                <p14:modId xmlns:p14="http://schemas.microsoft.com/office/powerpoint/2010/main" val="126156081"/>
+              </p:ext>
+            </p:extLst>
+          </p:nvPr>
+        </p:nvGraphicFramePr>
+        <p:xfrm>
+          <a:off x="2247581" y="848198"/>
+          <a:ext cx="127000" cy="101600"/>
+        </p:xfrm>
+        <a:graphic>
+          <a:graphicData uri="http://schemas.openxmlformats.org/presentationml/2006/ole">
+            <mc:AlternateContent xmlns:mc="http://schemas.openxmlformats.org/markup-compatibility/2006">
+              <mc:Choice xmlns:v="urn:schemas-microsoft-com:vml" Requires="v">
+                <p:oleObj spid="_x0000_s12527" name="Equation" r:id="rId5" imgW="126720" imgH="101520" progId="Equation.DSMT4">
+                  <p:embed/>
+                </p:oleObj>
+              </mc:Choice>
+              <mc:Fallback>
+                <p:oleObj name="Equation" r:id="rId5" imgW="126720" imgH="101520" progId="Equation.DSMT4">
+                  <p:embed/>
+                  <p:pic>
+                    <p:nvPicPr>
+                      <p:cNvPr id="119" name="对象 118">
+                        <a:extLst>
+                          <a:ext uri="{FF2B5EF4-FFF2-40B4-BE49-F238E27FC236}">
+                            <a16:creationId xmlns:a16="http://schemas.microsoft.com/office/drawing/2014/main" id="{26A69256-78FA-433F-A418-32CE721EFF06}"/>
+                          </a:ext>
+                        </a:extLst>
+                      </p:cNvPr>
+                      <p:cNvPicPr/>
+                      <p:nvPr/>
+                    </p:nvPicPr>
+                    <p:blipFill>
+                      <a:blip r:embed="rId6"/>
+                      <a:stretch>
+                        <a:fillRect/>
+                      </a:stretch>
+                    </p:blipFill>
+                    <p:spPr>
+                      <a:xfrm>
+                        <a:off x="2247581" y="848198"/>
+                        <a:ext cx="127000" cy="101600"/>
+                      </a:xfrm>
+                      <a:prstGeom prst="rect">
+                        <a:avLst/>
+                      </a:prstGeom>
+                    </p:spPr>
+                  </p:pic>
+                </p:oleObj>
+              </mc:Fallback>
+            </mc:AlternateContent>
+          </a:graphicData>
+        </a:graphic>
+      </p:graphicFrame>
+      <p:graphicFrame>
+        <p:nvGraphicFramePr>
+          <p:cNvPr id="120" name="对象 119">
+            <a:extLst>
+              <a:ext uri="{FF2B5EF4-FFF2-40B4-BE49-F238E27FC236}">
+                <a16:creationId xmlns:a16="http://schemas.microsoft.com/office/drawing/2014/main" id="{0FDC142E-A6FC-4E75-A8CA-359C4F891A49}"/>
+              </a:ext>
+            </a:extLst>
+          </p:cNvPr>
+          <p:cNvGraphicFramePr>
+            <a:graphicFrameLocks noChangeAspect="1"/>
+          </p:cNvGraphicFramePr>
+          <p:nvPr>
+            <p:extLst>
+              <p:ext uri="{D42A27DB-BD31-4B8C-83A1-F6EECF244321}">
+                <p14:modId xmlns:p14="http://schemas.microsoft.com/office/powerpoint/2010/main" val="2420205611"/>
+              </p:ext>
+            </p:extLst>
+          </p:nvPr>
+        </p:nvGraphicFramePr>
+        <p:xfrm>
+          <a:off x="2614720" y="1254084"/>
+          <a:ext cx="114300" cy="100013"/>
+        </p:xfrm>
+        <a:graphic>
+          <a:graphicData uri="http://schemas.openxmlformats.org/presentationml/2006/ole">
+            <mc:AlternateContent xmlns:mc="http://schemas.openxmlformats.org/markup-compatibility/2006">
+              <mc:Choice xmlns:v="urn:schemas-microsoft-com:vml" Requires="v">
+                <p:oleObj spid="_x0000_s12528" name="Equation" r:id="rId7" imgW="114406" imgH="99264" progId="Equation.DSMT4">
+                  <p:embed/>
+                </p:oleObj>
+              </mc:Choice>
+              <mc:Fallback>
+                <p:oleObj name="Equation" r:id="rId7" imgW="114406" imgH="99264" progId="Equation.DSMT4">
+                  <p:embed/>
+                  <p:pic>
+                    <p:nvPicPr>
+                      <p:cNvPr id="120" name="对象 119">
+                        <a:extLst>
+                          <a:ext uri="{FF2B5EF4-FFF2-40B4-BE49-F238E27FC236}">
+                            <a16:creationId xmlns:a16="http://schemas.microsoft.com/office/drawing/2014/main" id="{0FDC142E-A6FC-4E75-A8CA-359C4F891A49}"/>
+                          </a:ext>
+                        </a:extLst>
+                      </p:cNvPr>
+                      <p:cNvPicPr/>
+                      <p:nvPr/>
+                    </p:nvPicPr>
+                    <p:blipFill>
+                      <a:blip r:embed="rId8"/>
+                      <a:stretch>
+                        <a:fillRect/>
+                      </a:stretch>
+                    </p:blipFill>
+                    <p:spPr>
+                      <a:xfrm>
+                        <a:off x="2614720" y="1254084"/>
+                        <a:ext cx="114300" cy="100013"/>
+                      </a:xfrm>
+                      <a:prstGeom prst="rect">
+                        <a:avLst/>
+                      </a:prstGeom>
+                    </p:spPr>
+                  </p:pic>
+                </p:oleObj>
+              </mc:Fallback>
+            </mc:AlternateContent>
+          </a:graphicData>
+        </a:graphic>
+      </p:graphicFrame>
+      <p:pic>
+        <p:nvPicPr>
+          <p:cNvPr id="11" name="图片 10" descr="手机屏幕截图&#10;&#10;描述已自动生成">
+            <a:extLst>
+              <a:ext uri="{FF2B5EF4-FFF2-40B4-BE49-F238E27FC236}">
+                <a16:creationId xmlns:a16="http://schemas.microsoft.com/office/drawing/2014/main" id="{5873DC7C-3871-410B-B7B3-B88E2C774EE8}"/>
+              </a:ext>
+            </a:extLst>
+          </p:cNvPr>
+          <p:cNvPicPr>
+            <a:picLocks noChangeAspect="1"/>
+          </p:cNvPicPr>
+          <p:nvPr/>
+        </p:nvPicPr>
+        <p:blipFill>
+          <a:blip r:embed="rId9">
+            <a:extLst>
+              <a:ext uri="{28A0092B-C50C-407E-A947-70E740481C1C}">
+                <a14:useLocalDpi xmlns:a14="http://schemas.microsoft.com/office/drawing/2010/main" val="0"/>
+              </a:ext>
+            </a:extLst>
+          </a:blip>
+          <a:stretch>
+            <a:fillRect/>
+          </a:stretch>
+        </p:blipFill>
+        <p:spPr>
+          <a:xfrm>
+            <a:off x="1900898" y="2699757"/>
+            <a:ext cx="8181975" cy="4010025"/>
+          </a:xfrm>
+          <a:prstGeom prst="rect">
+            <a:avLst/>
+          </a:prstGeom>
+        </p:spPr>
+      </p:pic>
+      <p:graphicFrame>
+        <p:nvGraphicFramePr>
+          <p:cNvPr id="16" name="对象 15">
+            <a:extLst>
+              <a:ext uri="{FF2B5EF4-FFF2-40B4-BE49-F238E27FC236}">
+                <a16:creationId xmlns:a16="http://schemas.microsoft.com/office/drawing/2014/main" id="{98AAEE82-27BE-4153-89A8-B7B773E536A4}"/>
+              </a:ext>
+            </a:extLst>
+          </p:cNvPr>
+          <p:cNvGraphicFramePr>
+            <a:graphicFrameLocks noChangeAspect="1"/>
+          </p:cNvGraphicFramePr>
+          <p:nvPr>
+            <p:extLst>
+              <p:ext uri="{D42A27DB-BD31-4B8C-83A1-F6EECF244321}">
+                <p14:modId xmlns:p14="http://schemas.microsoft.com/office/powerpoint/2010/main" val="2700390800"/>
+              </p:ext>
+            </p:extLst>
+          </p:nvPr>
+        </p:nvGraphicFramePr>
+        <p:xfrm>
+          <a:off x="1500125" y="1405758"/>
+          <a:ext cx="203200" cy="241300"/>
+        </p:xfrm>
+        <a:graphic>
+          <a:graphicData uri="http://schemas.openxmlformats.org/presentationml/2006/ole">
+            <mc:AlternateContent xmlns:mc="http://schemas.openxmlformats.org/markup-compatibility/2006">
+              <mc:Choice xmlns:v="urn:schemas-microsoft-com:vml" Requires="v">
+                <p:oleObj spid="_x0000_s12529" name="Equation" r:id="rId10" imgW="203040" imgH="241200" progId="Equation.DSMT4">
+                  <p:embed/>
+                </p:oleObj>
+              </mc:Choice>
+              <mc:Fallback>
+                <p:oleObj name="Equation" r:id="rId10" imgW="203040" imgH="241200" progId="Equation.DSMT4">
+                  <p:embed/>
+                  <p:pic>
+                    <p:nvPicPr>
+                      <p:cNvPr id="0" name=""/>
+                      <p:cNvPicPr/>
+                      <p:nvPr/>
+                    </p:nvPicPr>
+                    <p:blipFill>
+                      <a:blip r:embed="rId11"/>
+                      <a:stretch>
+                        <a:fillRect/>
+                      </a:stretch>
+                    </p:blipFill>
+                    <p:spPr>
+                      <a:xfrm>
+                        <a:off x="1500125" y="1405758"/>
+                        <a:ext cx="203200" cy="241300"/>
+                      </a:xfrm>
+                      <a:prstGeom prst="rect">
+                        <a:avLst/>
+                      </a:prstGeom>
+                    </p:spPr>
+                  </p:pic>
+                </p:oleObj>
+              </mc:Fallback>
+            </mc:AlternateContent>
+          </a:graphicData>
+        </a:graphic>
+      </p:graphicFrame>
+      <p:sp>
+        <p:nvSpPr>
+          <p:cNvPr id="82" name="流程图: 接点 81">
+            <a:extLst>
+              <a:ext uri="{FF2B5EF4-FFF2-40B4-BE49-F238E27FC236}">
+                <a16:creationId xmlns:a16="http://schemas.microsoft.com/office/drawing/2014/main" id="{3D0A183A-0014-462A-ACF5-2604B813518B}"/>
+              </a:ext>
+            </a:extLst>
+          </p:cNvPr>
+          <p:cNvSpPr/>
+          <p:nvPr/>
+        </p:nvSpPr>
+        <p:spPr>
+          <a:xfrm>
+            <a:off x="2077938" y="970331"/>
+            <a:ext cx="280416" cy="280416"/>
+          </a:xfrm>
+          <a:prstGeom prst="flowChartConnector">
+            <a:avLst/>
+          </a:prstGeom>
+          <a:noFill/>
+          <a:ln>
+            <a:solidFill>
+              <a:schemeClr val="tx1"/>
+            </a:solidFill>
+          </a:ln>
+        </p:spPr>
+        <p:style>
+          <a:lnRef idx="2">
+            <a:schemeClr val="accent1">
+              <a:shade val="50000"/>
+            </a:schemeClr>
+          </a:lnRef>
+          <a:fillRef idx="1">
+            <a:schemeClr val="accent1"/>
+          </a:fillRef>
+          <a:effectRef idx="0">
+            <a:schemeClr val="accent1"/>
+          </a:effectRef>
+          <a:fontRef idx="minor">
+            <a:schemeClr val="lt1"/>
+          </a:fontRef>
+        </p:style>
+        <p:txBody>
+          <a:bodyPr rtlCol="0" anchor="ctr"/>
+          <a:lstStyle/>
+          <a:p>
+            <a:pPr algn="ctr"/>
+            <a:endParaRPr lang="zh-CN" altLang="en-US">
+              <a:latin typeface="Times New Roman" panose="02020603050405020304" pitchFamily="18" charset="0"/>
+              <a:cs typeface="Times New Roman" panose="02020603050405020304" pitchFamily="18" charset="0"/>
+            </a:endParaRPr>
+          </a:p>
+        </p:txBody>
+      </p:sp>
+      <p:cxnSp>
+        <p:nvCxnSpPr>
+          <p:cNvPr id="83" name="直接连接符 82">
+            <a:extLst>
+              <a:ext uri="{FF2B5EF4-FFF2-40B4-BE49-F238E27FC236}">
+                <a16:creationId xmlns:a16="http://schemas.microsoft.com/office/drawing/2014/main" id="{12D257DC-2F6A-49EC-812F-1A963EE48602}"/>
+              </a:ext>
+            </a:extLst>
+          </p:cNvPr>
+          <p:cNvCxnSpPr>
+            <a:cxnSpLocks/>
+            <a:stCxn id="82" idx="1"/>
+            <a:endCxn id="82" idx="5"/>
+          </p:cNvCxnSpPr>
+          <p:nvPr/>
+        </p:nvCxnSpPr>
+        <p:spPr>
+          <a:xfrm>
+            <a:off x="2119004" y="1011397"/>
+            <a:ext cx="198284" cy="198284"/>
+          </a:xfrm>
+          <a:prstGeom prst="line">
+            <a:avLst/>
+          </a:prstGeom>
+          <a:ln>
+            <a:solidFill>
+              <a:schemeClr val="tx1"/>
+            </a:solidFill>
+          </a:ln>
+        </p:spPr>
+        <p:style>
+          <a:lnRef idx="1">
+            <a:schemeClr val="accent1"/>
+          </a:lnRef>
+          <a:fillRef idx="0">
+            <a:schemeClr val="accent1"/>
+          </a:fillRef>
+          <a:effectRef idx="0">
+            <a:schemeClr val="accent1"/>
+          </a:effectRef>
+          <a:fontRef idx="minor">
+            <a:schemeClr val="tx1"/>
+          </a:fontRef>
+        </p:style>
+      </p:cxnSp>
+      <p:cxnSp>
+        <p:nvCxnSpPr>
+          <p:cNvPr id="84" name="直接连接符 83">
+            <a:extLst>
+              <a:ext uri="{FF2B5EF4-FFF2-40B4-BE49-F238E27FC236}">
+                <a16:creationId xmlns:a16="http://schemas.microsoft.com/office/drawing/2014/main" id="{0AF25D68-F4C2-416D-8553-FE51079AFA34}"/>
+              </a:ext>
+            </a:extLst>
+          </p:cNvPr>
+          <p:cNvCxnSpPr>
+            <a:cxnSpLocks/>
+            <a:stCxn id="82" idx="7"/>
+            <a:endCxn id="82" idx="3"/>
+          </p:cNvCxnSpPr>
+          <p:nvPr/>
+        </p:nvCxnSpPr>
+        <p:spPr>
+          <a:xfrm flipH="1">
+            <a:off x="2119004" y="1011397"/>
+            <a:ext cx="198284" cy="198284"/>
+          </a:xfrm>
+          <a:prstGeom prst="line">
+            <a:avLst/>
+          </a:prstGeom>
+          <a:ln>
+            <a:solidFill>
+              <a:schemeClr val="tx1"/>
+            </a:solidFill>
+          </a:ln>
+        </p:spPr>
+        <p:style>
+          <a:lnRef idx="1">
+            <a:schemeClr val="accent1"/>
+          </a:lnRef>
+          <a:fillRef idx="0">
+            <a:schemeClr val="accent1"/>
+          </a:fillRef>
+          <a:effectRef idx="0">
+            <a:schemeClr val="accent1"/>
+          </a:effectRef>
+          <a:fontRef idx="minor">
+            <a:schemeClr val="tx1"/>
+          </a:fontRef>
+        </p:style>
+      </p:cxnSp>
+      <p:cxnSp>
+        <p:nvCxnSpPr>
+          <p:cNvPr id="88" name="直接箭头连接符 87">
+            <a:extLst>
+              <a:ext uri="{FF2B5EF4-FFF2-40B4-BE49-F238E27FC236}">
+                <a16:creationId xmlns:a16="http://schemas.microsoft.com/office/drawing/2014/main" id="{67163B7E-CAB6-43B6-9880-B056AD7862DD}"/>
+              </a:ext>
+            </a:extLst>
+          </p:cNvPr>
+          <p:cNvCxnSpPr>
+            <a:cxnSpLocks/>
+            <a:endCxn id="82" idx="2"/>
+          </p:cNvCxnSpPr>
+          <p:nvPr/>
+        </p:nvCxnSpPr>
+        <p:spPr>
+          <a:xfrm flipV="1">
+            <a:off x="1723858" y="1110539"/>
+            <a:ext cx="354080" cy="1300"/>
+          </a:xfrm>
+          <a:prstGeom prst="straightConnector1">
+            <a:avLst/>
+          </a:prstGeom>
+          <a:ln>
+            <a:tailEnd type="triangle"/>
+          </a:ln>
+        </p:spPr>
+        <p:style>
+          <a:lnRef idx="3">
+            <a:schemeClr val="dk1"/>
+          </a:lnRef>
+          <a:fillRef idx="0">
+            <a:schemeClr val="dk1"/>
+          </a:fillRef>
+          <a:effectRef idx="2">
+            <a:schemeClr val="dk1"/>
+          </a:effectRef>
+          <a:fontRef idx="minor">
+            <a:schemeClr val="tx1"/>
+          </a:fontRef>
+        </p:style>
+      </p:cxnSp>
+      <p:graphicFrame>
+        <p:nvGraphicFramePr>
+          <p:cNvPr id="92" name="对象 91">
+            <a:extLst>
+              <a:ext uri="{FF2B5EF4-FFF2-40B4-BE49-F238E27FC236}">
+                <a16:creationId xmlns:a16="http://schemas.microsoft.com/office/drawing/2014/main" id="{399F2FBB-C41F-420B-BBC3-6A67118141B2}"/>
+              </a:ext>
+            </a:extLst>
+          </p:cNvPr>
+          <p:cNvGraphicFramePr>
+            <a:graphicFrameLocks noChangeAspect="1"/>
+          </p:cNvGraphicFramePr>
+          <p:nvPr>
+            <p:extLst>
+              <p:ext uri="{D42A27DB-BD31-4B8C-83A1-F6EECF244321}">
+                <p14:modId xmlns:p14="http://schemas.microsoft.com/office/powerpoint/2010/main" val="4089837467"/>
+              </p:ext>
+            </p:extLst>
+          </p:nvPr>
+        </p:nvGraphicFramePr>
+        <p:xfrm>
+          <a:off x="2128375" y="405637"/>
+          <a:ext cx="188913" cy="250825"/>
+        </p:xfrm>
+        <a:graphic>
+          <a:graphicData uri="http://schemas.openxmlformats.org/presentationml/2006/ole">
+            <mc:AlternateContent xmlns:mc="http://schemas.openxmlformats.org/markup-compatibility/2006">
+              <mc:Choice xmlns:v="urn:schemas-microsoft-com:vml" Requires="v">
+                <p:oleObj spid="_x0000_s12530" name="Equation" r:id="rId12" imgW="203040" imgH="266400" progId="Equation.DSMT4">
+                  <p:embed/>
+                </p:oleObj>
+              </mc:Choice>
+              <mc:Fallback>
+                <p:oleObj name="Equation" r:id="rId12" imgW="203040" imgH="266400" progId="Equation.DSMT4">
+                  <p:embed/>
+                  <p:pic>
+                    <p:nvPicPr>
+                      <p:cNvPr id="4" name="对象 3">
+                        <a:extLst>
+                          <a:ext uri="{FF2B5EF4-FFF2-40B4-BE49-F238E27FC236}">
+                            <a16:creationId xmlns:a16="http://schemas.microsoft.com/office/drawing/2014/main" id="{725E4131-1714-43F8-9D40-1B3EB5039B1F}"/>
+                          </a:ext>
+                        </a:extLst>
+                      </p:cNvPr>
+                      <p:cNvPicPr/>
+                      <p:nvPr/>
+                    </p:nvPicPr>
+                    <p:blipFill>
+                      <a:blip r:embed="rId13"/>
+                      <a:stretch>
+                        <a:fillRect/>
+                      </a:stretch>
+                    </p:blipFill>
+                    <p:spPr>
+                      <a:xfrm>
+                        <a:off x="2128375" y="405637"/>
+                        <a:ext cx="188913" cy="250825"/>
+                      </a:xfrm>
+                      <a:prstGeom prst="rect">
+                        <a:avLst/>
+                      </a:prstGeom>
+                    </p:spPr>
+                  </p:pic>
+                </p:oleObj>
+              </mc:Fallback>
+            </mc:AlternateContent>
+          </a:graphicData>
+        </a:graphic>
+      </p:graphicFrame>
+      <p:cxnSp>
+        <p:nvCxnSpPr>
+          <p:cNvPr id="93" name="直接箭头连接符 92">
+            <a:extLst>
+              <a:ext uri="{FF2B5EF4-FFF2-40B4-BE49-F238E27FC236}">
+                <a16:creationId xmlns:a16="http://schemas.microsoft.com/office/drawing/2014/main" id="{D2E6EF61-1ECA-4081-BA4A-59A482A3E0EC}"/>
+              </a:ext>
+            </a:extLst>
+          </p:cNvPr>
+          <p:cNvCxnSpPr>
+            <a:cxnSpLocks/>
+            <a:endCxn id="82" idx="0"/>
+          </p:cNvCxnSpPr>
+          <p:nvPr/>
+        </p:nvCxnSpPr>
+        <p:spPr>
+          <a:xfrm>
+            <a:off x="2218146" y="633032"/>
+            <a:ext cx="0" cy="337299"/>
+          </a:xfrm>
+          <a:prstGeom prst="straightConnector1">
+            <a:avLst/>
+          </a:prstGeom>
+          <a:ln>
+            <a:tailEnd type="triangle"/>
+          </a:ln>
+        </p:spPr>
+        <p:style>
+          <a:lnRef idx="3">
+            <a:schemeClr val="dk1"/>
+          </a:lnRef>
+          <a:fillRef idx="0">
+            <a:schemeClr val="dk1"/>
+          </a:fillRef>
+          <a:effectRef idx="2">
+            <a:schemeClr val="dk1"/>
+          </a:effectRef>
+          <a:fontRef idx="minor">
+            <a:schemeClr val="tx1"/>
+          </a:fontRef>
+        </p:style>
+      </p:cxnSp>
+      <p:sp>
+        <p:nvSpPr>
+          <p:cNvPr id="101" name="流程图: 接点 100">
+            <a:extLst>
+              <a:ext uri="{FF2B5EF4-FFF2-40B4-BE49-F238E27FC236}">
+                <a16:creationId xmlns:a16="http://schemas.microsoft.com/office/drawing/2014/main" id="{BE0C7810-AF26-4ED2-BCDA-AF50BEB871CE}"/>
+              </a:ext>
+            </a:extLst>
+          </p:cNvPr>
+          <p:cNvSpPr/>
+          <p:nvPr/>
+        </p:nvSpPr>
+        <p:spPr>
+          <a:xfrm>
+            <a:off x="2409742" y="1377857"/>
+            <a:ext cx="280416" cy="280416"/>
+          </a:xfrm>
+          <a:prstGeom prst="flowChartConnector">
+            <a:avLst/>
+          </a:prstGeom>
+          <a:noFill/>
+          <a:ln>
+            <a:solidFill>
+              <a:schemeClr val="tx1"/>
+            </a:solidFill>
+          </a:ln>
+        </p:spPr>
+        <p:style>
+          <a:lnRef idx="2">
+            <a:schemeClr val="accent1">
+              <a:shade val="50000"/>
+            </a:schemeClr>
+          </a:lnRef>
+          <a:fillRef idx="1">
+            <a:schemeClr val="accent1"/>
+          </a:fillRef>
+          <a:effectRef idx="0">
+            <a:schemeClr val="accent1"/>
+          </a:effectRef>
+          <a:fontRef idx="minor">
+            <a:schemeClr val="lt1"/>
+          </a:fontRef>
+        </p:style>
+        <p:txBody>
+          <a:bodyPr rtlCol="0" anchor="ctr"/>
+          <a:lstStyle/>
+          <a:p>
+            <a:pPr algn="ctr"/>
+            <a:endParaRPr lang="zh-CN" altLang="en-US">
+              <a:latin typeface="Times New Roman" panose="02020603050405020304" pitchFamily="18" charset="0"/>
+              <a:cs typeface="Times New Roman" panose="02020603050405020304" pitchFamily="18" charset="0"/>
+            </a:endParaRPr>
+          </a:p>
+        </p:txBody>
+      </p:sp>
+      <p:cxnSp>
+        <p:nvCxnSpPr>
+          <p:cNvPr id="102" name="直接连接符 101">
+            <a:extLst>
+              <a:ext uri="{FF2B5EF4-FFF2-40B4-BE49-F238E27FC236}">
+                <a16:creationId xmlns:a16="http://schemas.microsoft.com/office/drawing/2014/main" id="{DCD35179-F390-4C13-9033-A73D0A5244AF}"/>
+              </a:ext>
+            </a:extLst>
+          </p:cNvPr>
+          <p:cNvCxnSpPr>
+            <a:cxnSpLocks/>
+            <a:stCxn id="101" idx="1"/>
+            <a:endCxn id="101" idx="5"/>
+          </p:cNvCxnSpPr>
+          <p:nvPr/>
+        </p:nvCxnSpPr>
+        <p:spPr>
+          <a:xfrm>
+            <a:off x="2450808" y="1418923"/>
+            <a:ext cx="198284" cy="198284"/>
+          </a:xfrm>
+          <a:prstGeom prst="line">
+            <a:avLst/>
+          </a:prstGeom>
+          <a:ln>
+            <a:solidFill>
+              <a:schemeClr val="tx1"/>
+            </a:solidFill>
+          </a:ln>
+        </p:spPr>
+        <p:style>
+          <a:lnRef idx="1">
+            <a:schemeClr val="accent1"/>
+          </a:lnRef>
+          <a:fillRef idx="0">
+            <a:schemeClr val="accent1"/>
+          </a:fillRef>
+          <a:effectRef idx="0">
+            <a:schemeClr val="accent1"/>
+          </a:effectRef>
+          <a:fontRef idx="minor">
+            <a:schemeClr val="tx1"/>
+          </a:fontRef>
+        </p:style>
+      </p:cxnSp>
+      <p:cxnSp>
+        <p:nvCxnSpPr>
+          <p:cNvPr id="104" name="直接连接符 103">
+            <a:extLst>
+              <a:ext uri="{FF2B5EF4-FFF2-40B4-BE49-F238E27FC236}">
+                <a16:creationId xmlns:a16="http://schemas.microsoft.com/office/drawing/2014/main" id="{18375455-F828-4D7E-BE30-C819CDAE08B5}"/>
+              </a:ext>
+            </a:extLst>
+          </p:cNvPr>
+          <p:cNvCxnSpPr>
+            <a:cxnSpLocks/>
+            <a:stCxn id="101" idx="7"/>
+            <a:endCxn id="101" idx="3"/>
+          </p:cNvCxnSpPr>
+          <p:nvPr/>
+        </p:nvCxnSpPr>
+        <p:spPr>
+          <a:xfrm flipH="1">
+            <a:off x="2450808" y="1418923"/>
+            <a:ext cx="198284" cy="198284"/>
+          </a:xfrm>
+          <a:prstGeom prst="line">
+            <a:avLst/>
+          </a:prstGeom>
+          <a:ln>
+            <a:solidFill>
+              <a:schemeClr val="tx1"/>
+            </a:solidFill>
+          </a:ln>
+        </p:spPr>
+        <p:style>
+          <a:lnRef idx="1">
+            <a:schemeClr val="accent1"/>
+          </a:lnRef>
+          <a:fillRef idx="0">
+            <a:schemeClr val="accent1"/>
+          </a:fillRef>
+          <a:effectRef idx="0">
+            <a:schemeClr val="accent1"/>
+          </a:effectRef>
+          <a:fontRef idx="minor">
+            <a:schemeClr val="tx1"/>
+          </a:fontRef>
+        </p:style>
+      </p:cxnSp>
+      <p:cxnSp>
+        <p:nvCxnSpPr>
+          <p:cNvPr id="105" name="直接箭头连接符 104">
+            <a:extLst>
+              <a:ext uri="{FF2B5EF4-FFF2-40B4-BE49-F238E27FC236}">
+                <a16:creationId xmlns:a16="http://schemas.microsoft.com/office/drawing/2014/main" id="{30921D4A-A401-4C6E-BD98-3949723028CD}"/>
+              </a:ext>
+            </a:extLst>
+          </p:cNvPr>
+          <p:cNvCxnSpPr>
+            <a:cxnSpLocks/>
+            <a:endCxn id="101" idx="2"/>
+          </p:cNvCxnSpPr>
+          <p:nvPr/>
+        </p:nvCxnSpPr>
+        <p:spPr>
+          <a:xfrm>
+            <a:off x="1723858" y="1518065"/>
+            <a:ext cx="685884" cy="0"/>
+          </a:xfrm>
+          <a:prstGeom prst="straightConnector1">
+            <a:avLst/>
+          </a:prstGeom>
+          <a:ln>
+            <a:tailEnd type="triangle"/>
+          </a:ln>
+        </p:spPr>
+        <p:style>
+          <a:lnRef idx="3">
+            <a:schemeClr val="dk1"/>
+          </a:lnRef>
+          <a:fillRef idx="0">
+            <a:schemeClr val="dk1"/>
+          </a:fillRef>
+          <a:effectRef idx="2">
+            <a:schemeClr val="dk1"/>
+          </a:effectRef>
+          <a:fontRef idx="minor">
+            <a:schemeClr val="tx1"/>
+          </a:fontRef>
+        </p:style>
+      </p:cxnSp>
+      <p:cxnSp>
+        <p:nvCxnSpPr>
+          <p:cNvPr id="107" name="直接箭头连接符 106">
+            <a:extLst>
+              <a:ext uri="{FF2B5EF4-FFF2-40B4-BE49-F238E27FC236}">
+                <a16:creationId xmlns:a16="http://schemas.microsoft.com/office/drawing/2014/main" id="{B3D622E1-5FA7-48CC-B629-3F1E41A4CDF7}"/>
+              </a:ext>
+            </a:extLst>
+          </p:cNvPr>
+          <p:cNvCxnSpPr>
+            <a:cxnSpLocks/>
+            <a:endCxn id="101" idx="0"/>
+          </p:cNvCxnSpPr>
+          <p:nvPr/>
+        </p:nvCxnSpPr>
+        <p:spPr>
+          <a:xfrm>
+            <a:off x="2549950" y="633032"/>
+            <a:ext cx="0" cy="744825"/>
+          </a:xfrm>
+          <a:prstGeom prst="straightConnector1">
+            <a:avLst/>
+          </a:prstGeom>
+          <a:ln>
+            <a:tailEnd type="triangle"/>
+          </a:ln>
+        </p:spPr>
+        <p:style>
+          <a:lnRef idx="3">
+            <a:schemeClr val="dk1"/>
+          </a:lnRef>
+          <a:fillRef idx="0">
+            <a:schemeClr val="dk1"/>
+          </a:fillRef>
+          <a:effectRef idx="2">
+            <a:schemeClr val="dk1"/>
+          </a:effectRef>
+          <a:fontRef idx="minor">
+            <a:schemeClr val="tx1"/>
+          </a:fontRef>
+        </p:style>
+      </p:cxnSp>
+      <p:graphicFrame>
+        <p:nvGraphicFramePr>
+          <p:cNvPr id="75" name="对象 74">
+            <a:extLst>
+              <a:ext uri="{FF2B5EF4-FFF2-40B4-BE49-F238E27FC236}">
+                <a16:creationId xmlns:a16="http://schemas.microsoft.com/office/drawing/2014/main" id="{55A1284D-5FD1-4CB8-8879-23E8CB2F5DA7}"/>
+              </a:ext>
+            </a:extLst>
+          </p:cNvPr>
+          <p:cNvGraphicFramePr>
+            <a:graphicFrameLocks noChangeAspect="1"/>
+          </p:cNvGraphicFramePr>
+          <p:nvPr>
+            <p:extLst>
+              <p:ext uri="{D42A27DB-BD31-4B8C-83A1-F6EECF244321}">
+                <p14:modId xmlns:p14="http://schemas.microsoft.com/office/powerpoint/2010/main" val="709259234"/>
+              </p:ext>
+            </p:extLst>
+          </p:nvPr>
+        </p:nvGraphicFramePr>
+        <p:xfrm>
+          <a:off x="2489956" y="390435"/>
+          <a:ext cx="203200" cy="266700"/>
+        </p:xfrm>
+        <a:graphic>
+          <a:graphicData uri="http://schemas.openxmlformats.org/presentationml/2006/ole">
+            <mc:AlternateContent xmlns:mc="http://schemas.openxmlformats.org/markup-compatibility/2006">
+              <mc:Choice xmlns:v="urn:schemas-microsoft-com:vml" Requires="v">
+                <p:oleObj spid="_x0000_s12531" name="Equation" r:id="rId14" imgW="203040" imgH="266400" progId="Equation.DSMT4">
+                  <p:embed/>
+                </p:oleObj>
+              </mc:Choice>
+              <mc:Fallback>
+                <p:oleObj name="Equation" r:id="rId14" imgW="203040" imgH="266400" progId="Equation.DSMT4">
+                  <p:embed/>
+                  <p:pic>
+                    <p:nvPicPr>
+                      <p:cNvPr id="0" name=""/>
+                      <p:cNvPicPr/>
+                      <p:nvPr/>
+                    </p:nvPicPr>
+                    <p:blipFill>
+                      <a:blip r:embed="rId15"/>
+                      <a:stretch>
+                        <a:fillRect/>
+                      </a:stretch>
+                    </p:blipFill>
+                    <p:spPr>
+                      <a:xfrm>
+                        <a:off x="2489956" y="390435"/>
+                        <a:ext cx="203200" cy="266700"/>
+                      </a:xfrm>
+                      <a:prstGeom prst="rect">
+                        <a:avLst/>
+                      </a:prstGeom>
+                    </p:spPr>
+                  </p:pic>
+                </p:oleObj>
+              </mc:Fallback>
+            </mc:AlternateContent>
+          </a:graphicData>
+        </a:graphic>
+      </p:graphicFrame>
+      <p:cxnSp>
+        <p:nvCxnSpPr>
+          <p:cNvPr id="113" name="直接箭头连接符 112">
+            <a:extLst>
+              <a:ext uri="{FF2B5EF4-FFF2-40B4-BE49-F238E27FC236}">
+                <a16:creationId xmlns:a16="http://schemas.microsoft.com/office/drawing/2014/main" id="{78C13E5C-5769-4AB9-B20A-62071732902F}"/>
+              </a:ext>
+            </a:extLst>
+          </p:cNvPr>
+          <p:cNvCxnSpPr>
+            <a:cxnSpLocks/>
+            <a:stCxn id="82" idx="6"/>
+          </p:cNvCxnSpPr>
+          <p:nvPr/>
+        </p:nvCxnSpPr>
+        <p:spPr>
+          <a:xfrm>
+            <a:off x="2358354" y="1110539"/>
+            <a:ext cx="516926" cy="0"/>
+          </a:xfrm>
+          <a:prstGeom prst="straightConnector1">
+            <a:avLst/>
+          </a:prstGeom>
+          <a:ln>
+            <a:tailEnd type="triangle"/>
+          </a:ln>
+        </p:spPr>
+        <p:style>
+          <a:lnRef idx="3">
+            <a:schemeClr val="dk1"/>
+          </a:lnRef>
+          <a:fillRef idx="0">
+            <a:schemeClr val="dk1"/>
+          </a:fillRef>
+          <a:effectRef idx="2">
+            <a:schemeClr val="dk1"/>
+          </a:effectRef>
+          <a:fontRef idx="minor">
+            <a:schemeClr val="tx1"/>
+          </a:fontRef>
+        </p:style>
+      </p:cxnSp>
+      <p:cxnSp>
+        <p:nvCxnSpPr>
+          <p:cNvPr id="116" name="直接箭头连接符 115">
+            <a:extLst>
+              <a:ext uri="{FF2B5EF4-FFF2-40B4-BE49-F238E27FC236}">
+                <a16:creationId xmlns:a16="http://schemas.microsoft.com/office/drawing/2014/main" id="{B2A57254-4FB4-4BF3-90EB-15FE94797AD9}"/>
+              </a:ext>
+            </a:extLst>
+          </p:cNvPr>
+          <p:cNvCxnSpPr>
+            <a:cxnSpLocks/>
+          </p:cNvCxnSpPr>
+          <p:nvPr/>
+        </p:nvCxnSpPr>
+        <p:spPr>
+          <a:xfrm>
+            <a:off x="2690158" y="1518065"/>
+            <a:ext cx="185122" cy="0"/>
+          </a:xfrm>
+          <a:prstGeom prst="straightConnector1">
+            <a:avLst/>
+          </a:prstGeom>
+          <a:ln>
+            <a:tailEnd type="triangle"/>
+          </a:ln>
+        </p:spPr>
+        <p:style>
+          <a:lnRef idx="3">
+            <a:schemeClr val="dk1"/>
+          </a:lnRef>
+          <a:fillRef idx="0">
+            <a:schemeClr val="dk1"/>
+          </a:fillRef>
+          <a:effectRef idx="2">
+            <a:schemeClr val="dk1"/>
+          </a:effectRef>
+          <a:fontRef idx="minor">
+            <a:schemeClr val="tx1"/>
+          </a:fontRef>
+        </p:style>
+      </p:cxnSp>
+      <p:sp>
+        <p:nvSpPr>
+          <p:cNvPr id="125" name="矩形 124">
+            <a:extLst>
+              <a:ext uri="{FF2B5EF4-FFF2-40B4-BE49-F238E27FC236}">
+                <a16:creationId xmlns:a16="http://schemas.microsoft.com/office/drawing/2014/main" id="{3B3EF696-DD1D-422A-AC2C-C7AE059AFC2B}"/>
+              </a:ext>
+            </a:extLst>
+          </p:cNvPr>
+          <p:cNvSpPr/>
+          <p:nvPr/>
+        </p:nvSpPr>
+        <p:spPr>
+          <a:xfrm>
+            <a:off x="1811900" y="1872247"/>
+            <a:ext cx="738050" cy="561968"/>
+          </a:xfrm>
+          <a:prstGeom prst="rect">
+            <a:avLst/>
+          </a:prstGeom>
+          <a:solidFill>
+            <a:schemeClr val="bg1"/>
+          </a:solidFill>
+        </p:spPr>
+        <p:style>
+          <a:lnRef idx="2">
+            <a:schemeClr val="accent1">
+              <a:shade val="50000"/>
+            </a:schemeClr>
+          </a:lnRef>
+          <a:fillRef idx="1">
+            <a:schemeClr val="accent1"/>
+          </a:fillRef>
+          <a:effectRef idx="0">
+            <a:schemeClr val="accent1"/>
+          </a:effectRef>
+          <a:fontRef idx="minor">
+            <a:schemeClr val="lt1"/>
+          </a:fontRef>
+        </p:style>
+        <p:txBody>
+          <a:bodyPr rtlCol="0" anchor="ctr"/>
+          <a:lstStyle/>
+          <a:p>
+            <a:pPr algn="ctr"/>
+            <a:r>
+              <a:rPr lang="zh-CN" altLang="en-US" sz="1050" b="1" dirty="0">
+                <a:solidFill>
+                  <a:schemeClr val="tx1"/>
+                </a:solidFill>
+                <a:latin typeface="Times New Roman" panose="02020603050405020304" pitchFamily="18" charset="0"/>
+                <a:ea typeface="宋体" panose="02010600030101010101" pitchFamily="2" charset="-122"/>
+                <a:cs typeface="Times New Roman" panose="02020603050405020304" pitchFamily="18" charset="0"/>
+              </a:rPr>
+              <a:t>协调转弯</a:t>
+            </a:r>
+          </a:p>
+        </p:txBody>
+      </p:sp>
+      <p:cxnSp>
+        <p:nvCxnSpPr>
+          <p:cNvPr id="126" name="直接箭头连接符 125">
+            <a:extLst>
+              <a:ext uri="{FF2B5EF4-FFF2-40B4-BE49-F238E27FC236}">
+                <a16:creationId xmlns:a16="http://schemas.microsoft.com/office/drawing/2014/main" id="{08D9E2B9-61B8-4050-84FF-A7CE4546E630}"/>
+              </a:ext>
+            </a:extLst>
+          </p:cNvPr>
+          <p:cNvCxnSpPr>
+            <a:cxnSpLocks/>
+          </p:cNvCxnSpPr>
+          <p:nvPr/>
+        </p:nvCxnSpPr>
+        <p:spPr>
+          <a:xfrm>
+            <a:off x="1959066" y="1110539"/>
+            <a:ext cx="0" cy="769994"/>
+          </a:xfrm>
+          <a:prstGeom prst="straightConnector1">
+            <a:avLst/>
+          </a:prstGeom>
+          <a:ln>
+            <a:tailEnd type="triangle"/>
+          </a:ln>
+        </p:spPr>
+        <p:style>
+          <a:lnRef idx="3">
+            <a:schemeClr val="dk1"/>
+          </a:lnRef>
+          <a:fillRef idx="0">
+            <a:schemeClr val="dk1"/>
+          </a:fillRef>
+          <a:effectRef idx="2">
+            <a:schemeClr val="dk1"/>
+          </a:effectRef>
+          <a:fontRef idx="minor">
+            <a:schemeClr val="tx1"/>
+          </a:fontRef>
+        </p:style>
+      </p:cxnSp>
+      <p:cxnSp>
+        <p:nvCxnSpPr>
+          <p:cNvPr id="127" name="直接箭头连接符 126">
+            <a:extLst>
+              <a:ext uri="{FF2B5EF4-FFF2-40B4-BE49-F238E27FC236}">
+                <a16:creationId xmlns:a16="http://schemas.microsoft.com/office/drawing/2014/main" id="{139A8ADD-E070-4997-984D-9E3D67CB3CC2}"/>
+              </a:ext>
+            </a:extLst>
+          </p:cNvPr>
+          <p:cNvCxnSpPr>
+            <a:cxnSpLocks/>
+          </p:cNvCxnSpPr>
+          <p:nvPr/>
+        </p:nvCxnSpPr>
+        <p:spPr>
+          <a:xfrm>
+            <a:off x="2263947" y="1526408"/>
+            <a:ext cx="0" cy="356836"/>
+          </a:xfrm>
+          <a:prstGeom prst="straightConnector1">
+            <a:avLst/>
+          </a:prstGeom>
+          <a:ln>
+            <a:tailEnd type="triangle"/>
+          </a:ln>
+        </p:spPr>
+        <p:style>
+          <a:lnRef idx="3">
+            <a:schemeClr val="dk1"/>
+          </a:lnRef>
+          <a:fillRef idx="0">
+            <a:schemeClr val="dk1"/>
+          </a:fillRef>
+          <a:effectRef idx="2">
+            <a:schemeClr val="dk1"/>
+          </a:effectRef>
+          <a:fontRef idx="minor">
+            <a:schemeClr val="tx1"/>
+          </a:fontRef>
+        </p:style>
+      </p:cxnSp>
+      <p:graphicFrame>
+        <p:nvGraphicFramePr>
+          <p:cNvPr id="130" name="对象 129">
+            <a:extLst>
+              <a:ext uri="{FF2B5EF4-FFF2-40B4-BE49-F238E27FC236}">
+                <a16:creationId xmlns:a16="http://schemas.microsoft.com/office/drawing/2014/main" id="{FA70D93A-1245-4594-80C0-8331011396E8}"/>
+              </a:ext>
+            </a:extLst>
+          </p:cNvPr>
+          <p:cNvGraphicFramePr>
+            <a:graphicFrameLocks noChangeAspect="1"/>
+          </p:cNvGraphicFramePr>
+          <p:nvPr>
+            <p:extLst>
+              <p:ext uri="{D42A27DB-BD31-4B8C-83A1-F6EECF244321}">
+                <p14:modId xmlns:p14="http://schemas.microsoft.com/office/powerpoint/2010/main" val="4025369234"/>
+              </p:ext>
+            </p:extLst>
+          </p:nvPr>
+        </p:nvGraphicFramePr>
+        <p:xfrm>
+          <a:off x="1511810" y="2022191"/>
+          <a:ext cx="177800" cy="228600"/>
+        </p:xfrm>
+        <a:graphic>
+          <a:graphicData uri="http://schemas.openxmlformats.org/presentationml/2006/ole">
+            <mc:AlternateContent xmlns:mc="http://schemas.openxmlformats.org/markup-compatibility/2006">
+              <mc:Choice xmlns:v="urn:schemas-microsoft-com:vml" Requires="v">
+                <p:oleObj spid="_x0000_s12532" name="Equation" r:id="rId16" imgW="177480" imgH="228600" progId="Equation.DSMT4">
+                  <p:embed/>
+                </p:oleObj>
+              </mc:Choice>
+              <mc:Fallback>
+                <p:oleObj name="Equation" r:id="rId16" imgW="177480" imgH="228600" progId="Equation.DSMT4">
+                  <p:embed/>
+                  <p:pic>
+                    <p:nvPicPr>
+                      <p:cNvPr id="0" name=""/>
+                      <p:cNvPicPr/>
+                      <p:nvPr/>
+                    </p:nvPicPr>
+                    <p:blipFill>
+                      <a:blip r:embed="rId17"/>
+                      <a:stretch>
+                        <a:fillRect/>
+                      </a:stretch>
+                    </p:blipFill>
+                    <p:spPr>
+                      <a:xfrm>
+                        <a:off x="1511810" y="2022191"/>
+                        <a:ext cx="177800" cy="228600"/>
+                      </a:xfrm>
+                      <a:prstGeom prst="rect">
+                        <a:avLst/>
+                      </a:prstGeom>
+                    </p:spPr>
+                  </p:pic>
+                </p:oleObj>
+              </mc:Fallback>
+            </mc:AlternateContent>
+          </a:graphicData>
+        </a:graphic>
+      </p:graphicFrame>
+      <p:cxnSp>
+        <p:nvCxnSpPr>
+          <p:cNvPr id="134" name="直接箭头连接符 133">
+            <a:extLst>
+              <a:ext uri="{FF2B5EF4-FFF2-40B4-BE49-F238E27FC236}">
+                <a16:creationId xmlns:a16="http://schemas.microsoft.com/office/drawing/2014/main" id="{261CEE7E-8862-48AA-A3FA-F25DC3875CF7}"/>
+              </a:ext>
+            </a:extLst>
+          </p:cNvPr>
+          <p:cNvCxnSpPr>
+            <a:cxnSpLocks/>
+            <a:endCxn id="125" idx="1"/>
+          </p:cNvCxnSpPr>
+          <p:nvPr/>
+        </p:nvCxnSpPr>
+        <p:spPr>
+          <a:xfrm>
+            <a:off x="1696212" y="2153231"/>
+            <a:ext cx="115688" cy="0"/>
+          </a:xfrm>
+          <a:prstGeom prst="straightConnector1">
+            <a:avLst/>
+          </a:prstGeom>
+          <a:ln>
+            <a:tailEnd type="triangle"/>
+          </a:ln>
+        </p:spPr>
+        <p:style>
+          <a:lnRef idx="3">
+            <a:schemeClr val="dk1"/>
+          </a:lnRef>
+          <a:fillRef idx="0">
+            <a:schemeClr val="dk1"/>
+          </a:fillRef>
+          <a:effectRef idx="2">
+            <a:schemeClr val="dk1"/>
+          </a:effectRef>
+          <a:fontRef idx="minor">
+            <a:schemeClr val="tx1"/>
+          </a:fontRef>
+        </p:style>
+      </p:cxnSp>
+      <p:sp>
+        <p:nvSpPr>
+          <p:cNvPr id="140" name="矩形 139">
+            <a:extLst>
+              <a:ext uri="{FF2B5EF4-FFF2-40B4-BE49-F238E27FC236}">
+                <a16:creationId xmlns:a16="http://schemas.microsoft.com/office/drawing/2014/main" id="{1D8E269A-9448-4D93-B9AD-9F26DB35390B}"/>
+              </a:ext>
+            </a:extLst>
+          </p:cNvPr>
+          <p:cNvSpPr/>
+          <p:nvPr/>
+        </p:nvSpPr>
+        <p:spPr>
+          <a:xfrm>
+            <a:off x="4402537" y="1138506"/>
+            <a:ext cx="408062" cy="356455"/>
+          </a:xfrm>
+          <a:prstGeom prst="rect">
+            <a:avLst/>
+          </a:prstGeom>
+          <a:solidFill>
+            <a:schemeClr val="bg1"/>
+          </a:solidFill>
+        </p:spPr>
+        <p:style>
+          <a:lnRef idx="2">
+            <a:schemeClr val="accent1">
+              <a:shade val="50000"/>
+            </a:schemeClr>
+          </a:lnRef>
+          <a:fillRef idx="1">
+            <a:schemeClr val="accent1"/>
+          </a:fillRef>
+          <a:effectRef idx="0">
+            <a:schemeClr val="accent1"/>
+          </a:effectRef>
+          <a:fontRef idx="minor">
+            <a:schemeClr val="lt1"/>
+          </a:fontRef>
+        </p:style>
+        <p:txBody>
+          <a:bodyPr rtlCol="0" anchor="ctr"/>
+          <a:lstStyle/>
+          <a:p>
+            <a:pPr algn="ctr"/>
+            <a:endParaRPr lang="zh-CN" altLang="en-US" sz="1050" b="1" dirty="0">
+              <a:solidFill>
+                <a:schemeClr val="tx1"/>
+              </a:solidFill>
+              <a:latin typeface="Times New Roman" panose="02020603050405020304" pitchFamily="18" charset="0"/>
+              <a:ea typeface="宋体" panose="02010600030101010101" pitchFamily="2" charset="-122"/>
+              <a:cs typeface="Times New Roman" panose="02020603050405020304" pitchFamily="18" charset="0"/>
+            </a:endParaRPr>
+          </a:p>
+        </p:txBody>
+      </p:sp>
+      <p:graphicFrame>
+        <p:nvGraphicFramePr>
+          <p:cNvPr id="141" name="对象 140">
+            <a:extLst>
+              <a:ext uri="{FF2B5EF4-FFF2-40B4-BE49-F238E27FC236}">
+                <a16:creationId xmlns:a16="http://schemas.microsoft.com/office/drawing/2014/main" id="{AAAAE304-493C-40DD-B840-E07B32897779}"/>
+              </a:ext>
+            </a:extLst>
+          </p:cNvPr>
+          <p:cNvGraphicFramePr>
+            <a:graphicFrameLocks noChangeAspect="1"/>
+          </p:cNvGraphicFramePr>
+          <p:nvPr>
+            <p:extLst>
+              <p:ext uri="{D42A27DB-BD31-4B8C-83A1-F6EECF244321}">
+                <p14:modId xmlns:p14="http://schemas.microsoft.com/office/powerpoint/2010/main" val="169338500"/>
+              </p:ext>
+            </p:extLst>
+          </p:nvPr>
+        </p:nvGraphicFramePr>
+        <p:xfrm>
+          <a:off x="4493217" y="1149619"/>
+          <a:ext cx="247650" cy="314325"/>
+        </p:xfrm>
+        <a:graphic>
+          <a:graphicData uri="http://schemas.openxmlformats.org/presentationml/2006/ole">
+            <mc:AlternateContent xmlns:mc="http://schemas.openxmlformats.org/markup-compatibility/2006">
+              <mc:Choice xmlns:v="urn:schemas-microsoft-com:vml" Requires="v">
+                <p:oleObj spid="_x0000_s12533" name="Equation" r:id="rId18" imgW="190440" imgH="241200" progId="Equation.DSMT4">
+                  <p:embed/>
+                </p:oleObj>
+              </mc:Choice>
+              <mc:Fallback>
+                <p:oleObj name="Equation" r:id="rId18" imgW="190440" imgH="241200" progId="Equation.DSMT4">
+                  <p:embed/>
+                  <p:pic>
+                    <p:nvPicPr>
+                      <p:cNvPr id="0" name=""/>
+                      <p:cNvPicPr/>
+                      <p:nvPr/>
+                    </p:nvPicPr>
+                    <p:blipFill>
+                      <a:blip r:embed="rId19"/>
+                      <a:stretch>
+                        <a:fillRect/>
+                      </a:stretch>
+                    </p:blipFill>
+                    <p:spPr>
+                      <a:xfrm>
+                        <a:off x="4493217" y="1149619"/>
+                        <a:ext cx="247650" cy="314325"/>
+                      </a:xfrm>
+                      <a:prstGeom prst="rect">
+                        <a:avLst/>
+                      </a:prstGeom>
+                    </p:spPr>
+                  </p:pic>
+                </p:oleObj>
+              </mc:Fallback>
+            </mc:AlternateContent>
+          </a:graphicData>
+        </a:graphic>
+      </p:graphicFrame>
+      <p:cxnSp>
+        <p:nvCxnSpPr>
+          <p:cNvPr id="145" name="连接符: 肘形 144">
+            <a:extLst>
+              <a:ext uri="{FF2B5EF4-FFF2-40B4-BE49-F238E27FC236}">
+                <a16:creationId xmlns:a16="http://schemas.microsoft.com/office/drawing/2014/main" id="{57515CF4-73B5-4A00-A34A-D8766EAEEC22}"/>
+              </a:ext>
+            </a:extLst>
+          </p:cNvPr>
+          <p:cNvCxnSpPr>
+            <a:cxnSpLocks/>
+          </p:cNvCxnSpPr>
+          <p:nvPr/>
+        </p:nvCxnSpPr>
+        <p:spPr>
+          <a:xfrm>
+            <a:off x="3600856" y="1138507"/>
+            <a:ext cx="802830" cy="184917"/>
+          </a:xfrm>
+          <a:prstGeom prst="bentConnector3">
+            <a:avLst>
+              <a:gd name="adj1" fmla="val 50000"/>
+            </a:avLst>
+          </a:prstGeom>
+          <a:ln>
+            <a:tailEnd type="triangle"/>
+          </a:ln>
+        </p:spPr>
+        <p:style>
+          <a:lnRef idx="3">
+            <a:schemeClr val="dk1"/>
+          </a:lnRef>
+          <a:fillRef idx="0">
+            <a:schemeClr val="dk1"/>
+          </a:fillRef>
+          <a:effectRef idx="2">
+            <a:schemeClr val="dk1"/>
+          </a:effectRef>
+          <a:fontRef idx="minor">
+            <a:schemeClr val="tx1"/>
+          </a:fontRef>
+        </p:style>
+      </p:cxnSp>
+      <p:cxnSp>
+        <p:nvCxnSpPr>
+          <p:cNvPr id="148" name="连接符: 肘形 147">
+            <a:extLst>
+              <a:ext uri="{FF2B5EF4-FFF2-40B4-BE49-F238E27FC236}">
+                <a16:creationId xmlns:a16="http://schemas.microsoft.com/office/drawing/2014/main" id="{AE73810A-AAF5-44E2-8943-FAF2F72F33E9}"/>
+              </a:ext>
+            </a:extLst>
+          </p:cNvPr>
+          <p:cNvCxnSpPr>
+            <a:cxnSpLocks/>
+          </p:cNvCxnSpPr>
+          <p:nvPr/>
+        </p:nvCxnSpPr>
+        <p:spPr>
+          <a:xfrm flipV="1">
+            <a:off x="3600856" y="1318344"/>
+            <a:ext cx="802830" cy="157480"/>
+          </a:xfrm>
+          <a:prstGeom prst="bentConnector3">
+            <a:avLst>
+              <a:gd name="adj1" fmla="val 50000"/>
+            </a:avLst>
+          </a:prstGeom>
+          <a:ln>
+            <a:tailEnd type="triangle"/>
+          </a:ln>
+        </p:spPr>
+        <p:style>
+          <a:lnRef idx="3">
+            <a:schemeClr val="dk1"/>
+          </a:lnRef>
+          <a:fillRef idx="0">
+            <a:schemeClr val="dk1"/>
+          </a:fillRef>
+          <a:effectRef idx="2">
+            <a:schemeClr val="dk1"/>
+          </a:effectRef>
+          <a:fontRef idx="minor">
+            <a:schemeClr val="tx1"/>
+          </a:fontRef>
+        </p:style>
+      </p:cxnSp>
+      <p:graphicFrame>
+        <p:nvGraphicFramePr>
+          <p:cNvPr id="155" name="对象 154">
+            <a:extLst>
+              <a:ext uri="{FF2B5EF4-FFF2-40B4-BE49-F238E27FC236}">
+                <a16:creationId xmlns:a16="http://schemas.microsoft.com/office/drawing/2014/main" id="{ABF4D03C-8C1F-4AA4-BEE3-F409E0F4AA33}"/>
+              </a:ext>
+            </a:extLst>
+          </p:cNvPr>
+          <p:cNvGraphicFramePr>
+            <a:graphicFrameLocks noChangeAspect="1"/>
+          </p:cNvGraphicFramePr>
+          <p:nvPr>
+            <p:extLst>
+              <p:ext uri="{D42A27DB-BD31-4B8C-83A1-F6EECF244321}">
+                <p14:modId xmlns:p14="http://schemas.microsoft.com/office/powerpoint/2010/main" val="1312544711"/>
+              </p:ext>
+            </p:extLst>
+          </p:nvPr>
+        </p:nvGraphicFramePr>
+        <p:xfrm>
+          <a:off x="3675891" y="910360"/>
+          <a:ext cx="203200" cy="254000"/>
+        </p:xfrm>
+        <a:graphic>
+          <a:graphicData uri="http://schemas.openxmlformats.org/presentationml/2006/ole">
+            <mc:AlternateContent xmlns:mc="http://schemas.openxmlformats.org/markup-compatibility/2006">
+              <mc:Choice xmlns:v="urn:schemas-microsoft-com:vml" Requires="v">
+                <p:oleObj spid="_x0000_s12534" name="Equation" r:id="rId20" imgW="203040" imgH="253800" progId="Equation.DSMT4">
+                  <p:embed/>
+                </p:oleObj>
+              </mc:Choice>
+              <mc:Fallback>
+                <p:oleObj name="Equation" r:id="rId20" imgW="203040" imgH="253800" progId="Equation.DSMT4">
+                  <p:embed/>
+                  <p:pic>
+                    <p:nvPicPr>
+                      <p:cNvPr id="0" name=""/>
+                      <p:cNvPicPr/>
+                      <p:nvPr/>
+                    </p:nvPicPr>
+                    <p:blipFill>
+                      <a:blip r:embed="rId21"/>
+                      <a:stretch>
+                        <a:fillRect/>
+                      </a:stretch>
+                    </p:blipFill>
+                    <p:spPr>
+                      <a:xfrm>
+                        <a:off x="3675891" y="910360"/>
+                        <a:ext cx="203200" cy="254000"/>
+                      </a:xfrm>
+                      <a:prstGeom prst="rect">
+                        <a:avLst/>
+                      </a:prstGeom>
+                    </p:spPr>
+                  </p:pic>
+                </p:oleObj>
+              </mc:Fallback>
+            </mc:AlternateContent>
+          </a:graphicData>
+        </a:graphic>
+      </p:graphicFrame>
+      <p:graphicFrame>
+        <p:nvGraphicFramePr>
+          <p:cNvPr id="156" name="对象 155">
+            <a:extLst>
+              <a:ext uri="{FF2B5EF4-FFF2-40B4-BE49-F238E27FC236}">
+                <a16:creationId xmlns:a16="http://schemas.microsoft.com/office/drawing/2014/main" id="{63A3A0CB-C871-44FE-999B-E4C05A7E5A2E}"/>
+              </a:ext>
+            </a:extLst>
+          </p:cNvPr>
+          <p:cNvGraphicFramePr>
+            <a:graphicFrameLocks noChangeAspect="1"/>
+          </p:cNvGraphicFramePr>
+          <p:nvPr>
+            <p:extLst>
+              <p:ext uri="{D42A27DB-BD31-4B8C-83A1-F6EECF244321}">
+                <p14:modId xmlns:p14="http://schemas.microsoft.com/office/powerpoint/2010/main" val="1540404977"/>
+              </p:ext>
+            </p:extLst>
+          </p:nvPr>
+        </p:nvGraphicFramePr>
+        <p:xfrm>
+          <a:off x="3690387" y="1251268"/>
+          <a:ext cx="203200" cy="254000"/>
+        </p:xfrm>
+        <a:graphic>
+          <a:graphicData uri="http://schemas.openxmlformats.org/presentationml/2006/ole">
+            <mc:AlternateContent xmlns:mc="http://schemas.openxmlformats.org/markup-compatibility/2006">
+              <mc:Choice xmlns:v="urn:schemas-microsoft-com:vml" Requires="v">
+                <p:oleObj spid="_x0000_s12535" name="Equation" r:id="rId22" imgW="203040" imgH="253800" progId="Equation.DSMT4">
+                  <p:embed/>
+                </p:oleObj>
+              </mc:Choice>
+              <mc:Fallback>
+                <p:oleObj name="Equation" r:id="rId22" imgW="203040" imgH="253800" progId="Equation.DSMT4">
+                  <p:embed/>
+                  <p:pic>
+                    <p:nvPicPr>
+                      <p:cNvPr id="0" name=""/>
+                      <p:cNvPicPr/>
+                      <p:nvPr/>
+                    </p:nvPicPr>
+                    <p:blipFill>
+                      <a:blip r:embed="rId23"/>
+                      <a:stretch>
+                        <a:fillRect/>
+                      </a:stretch>
+                    </p:blipFill>
+                    <p:spPr>
+                      <a:xfrm>
+                        <a:off x="3690387" y="1251268"/>
+                        <a:ext cx="203200" cy="254000"/>
+                      </a:xfrm>
+                      <a:prstGeom prst="rect">
+                        <a:avLst/>
+                      </a:prstGeom>
+                    </p:spPr>
+                  </p:pic>
+                </p:oleObj>
+              </mc:Fallback>
+            </mc:AlternateContent>
+          </a:graphicData>
+        </a:graphic>
+      </p:graphicFrame>
+      <p:graphicFrame>
+        <p:nvGraphicFramePr>
+          <p:cNvPr id="157" name="对象 156">
+            <a:extLst>
+              <a:ext uri="{FF2B5EF4-FFF2-40B4-BE49-F238E27FC236}">
+                <a16:creationId xmlns:a16="http://schemas.microsoft.com/office/drawing/2014/main" id="{EF9BD899-32CF-4626-80B2-4966BC71FBF3}"/>
+              </a:ext>
+            </a:extLst>
+          </p:cNvPr>
+          <p:cNvGraphicFramePr>
+            <a:graphicFrameLocks noChangeAspect="1"/>
+          </p:cNvGraphicFramePr>
+          <p:nvPr>
+            <p:extLst>
+              <p:ext uri="{D42A27DB-BD31-4B8C-83A1-F6EECF244321}">
+                <p14:modId xmlns:p14="http://schemas.microsoft.com/office/powerpoint/2010/main" val="3972456888"/>
+              </p:ext>
+            </p:extLst>
+          </p:nvPr>
+        </p:nvGraphicFramePr>
+        <p:xfrm>
+          <a:off x="3687614" y="1901541"/>
+          <a:ext cx="228600" cy="241300"/>
+        </p:xfrm>
+        <a:graphic>
+          <a:graphicData uri="http://schemas.openxmlformats.org/presentationml/2006/ole">
+            <mc:AlternateContent xmlns:mc="http://schemas.openxmlformats.org/markup-compatibility/2006">
+              <mc:Choice xmlns:v="urn:schemas-microsoft-com:vml" Requires="v">
+                <p:oleObj spid="_x0000_s12536" name="Equation" r:id="rId24" imgW="228600" imgH="241200" progId="Equation.DSMT4">
+                  <p:embed/>
+                </p:oleObj>
+              </mc:Choice>
+              <mc:Fallback>
+                <p:oleObj name="Equation" r:id="rId24" imgW="228600" imgH="241200" progId="Equation.DSMT4">
+                  <p:embed/>
+                  <p:pic>
+                    <p:nvPicPr>
+                      <p:cNvPr id="0" name=""/>
+                      <p:cNvPicPr/>
+                      <p:nvPr/>
+                    </p:nvPicPr>
+                    <p:blipFill>
+                      <a:blip r:embed="rId25"/>
+                      <a:stretch>
+                        <a:fillRect/>
+                      </a:stretch>
+                    </p:blipFill>
+                    <p:spPr>
+                      <a:xfrm>
+                        <a:off x="3687614" y="1901541"/>
+                        <a:ext cx="228600" cy="241300"/>
+                      </a:xfrm>
+                      <a:prstGeom prst="rect">
+                        <a:avLst/>
+                      </a:prstGeom>
+                    </p:spPr>
+                  </p:pic>
+                </p:oleObj>
+              </mc:Fallback>
+            </mc:AlternateContent>
+          </a:graphicData>
+        </a:graphic>
+      </p:graphicFrame>
+      <p:graphicFrame>
+        <p:nvGraphicFramePr>
+          <p:cNvPr id="158" name="对象 157">
+            <a:extLst>
+              <a:ext uri="{FF2B5EF4-FFF2-40B4-BE49-F238E27FC236}">
+                <a16:creationId xmlns:a16="http://schemas.microsoft.com/office/drawing/2014/main" id="{05D8B1A1-ED53-4305-AEEE-2BF3C6EE2424}"/>
+              </a:ext>
+            </a:extLst>
+          </p:cNvPr>
+          <p:cNvGraphicFramePr>
+            <a:graphicFrameLocks noChangeAspect="1"/>
+          </p:cNvGraphicFramePr>
+          <p:nvPr>
+            <p:extLst>
+              <p:ext uri="{D42A27DB-BD31-4B8C-83A1-F6EECF244321}">
+                <p14:modId xmlns:p14="http://schemas.microsoft.com/office/powerpoint/2010/main" val="1739398832"/>
+              </p:ext>
+            </p:extLst>
+          </p:nvPr>
+        </p:nvGraphicFramePr>
+        <p:xfrm>
+          <a:off x="4066858" y="1090065"/>
+          <a:ext cx="266700" cy="254000"/>
+        </p:xfrm>
+        <a:graphic>
+          <a:graphicData uri="http://schemas.openxmlformats.org/presentationml/2006/ole">
+            <mc:AlternateContent xmlns:mc="http://schemas.openxmlformats.org/markup-compatibility/2006">
+              <mc:Choice xmlns:v="urn:schemas-microsoft-com:vml" Requires="v">
+                <p:oleObj spid="_x0000_s12537" name="Equation" r:id="rId26" imgW="266400" imgH="253800" progId="Equation.DSMT4">
+                  <p:embed/>
+                </p:oleObj>
+              </mc:Choice>
+              <mc:Fallback>
+                <p:oleObj name="Equation" r:id="rId26" imgW="266400" imgH="253800" progId="Equation.DSMT4">
+                  <p:embed/>
+                  <p:pic>
+                    <p:nvPicPr>
+                      <p:cNvPr id="0" name=""/>
+                      <p:cNvPicPr/>
+                      <p:nvPr/>
+                    </p:nvPicPr>
+                    <p:blipFill>
+                      <a:blip r:embed="rId27"/>
+                      <a:stretch>
+                        <a:fillRect/>
+                      </a:stretch>
+                    </p:blipFill>
+                    <p:spPr>
+                      <a:xfrm>
+                        <a:off x="4066858" y="1090065"/>
+                        <a:ext cx="266700" cy="254000"/>
+                      </a:xfrm>
+                      <a:prstGeom prst="rect">
+                        <a:avLst/>
+                      </a:prstGeom>
+                    </p:spPr>
+                  </p:pic>
+                </p:oleObj>
+              </mc:Fallback>
+            </mc:AlternateContent>
+          </a:graphicData>
+        </a:graphic>
+      </p:graphicFrame>
+      <p:sp>
+        <p:nvSpPr>
+          <p:cNvPr id="174" name="流程图: 接点 173">
+            <a:extLst>
+              <a:ext uri="{FF2B5EF4-FFF2-40B4-BE49-F238E27FC236}">
+                <a16:creationId xmlns:a16="http://schemas.microsoft.com/office/drawing/2014/main" id="{EC1ACE42-3B1E-4768-9320-B3F566529D06}"/>
+              </a:ext>
+            </a:extLst>
+          </p:cNvPr>
+          <p:cNvSpPr/>
+          <p:nvPr/>
+        </p:nvSpPr>
+        <p:spPr>
+          <a:xfrm>
+            <a:off x="5413355" y="1177450"/>
+            <a:ext cx="280416" cy="280416"/>
+          </a:xfrm>
+          <a:prstGeom prst="flowChartConnector">
+            <a:avLst/>
+          </a:prstGeom>
+          <a:noFill/>
+          <a:ln>
+            <a:solidFill>
+              <a:schemeClr val="tx1"/>
+            </a:solidFill>
+          </a:ln>
+        </p:spPr>
+        <p:style>
+          <a:lnRef idx="2">
+            <a:schemeClr val="accent1">
+              <a:shade val="50000"/>
+            </a:schemeClr>
+          </a:lnRef>
+          <a:fillRef idx="1">
+            <a:schemeClr val="accent1"/>
+          </a:fillRef>
+          <a:effectRef idx="0">
+            <a:schemeClr val="accent1"/>
+          </a:effectRef>
+          <a:fontRef idx="minor">
+            <a:schemeClr val="lt1"/>
+          </a:fontRef>
+        </p:style>
+        <p:txBody>
+          <a:bodyPr rtlCol="0" anchor="ctr"/>
+          <a:lstStyle/>
+          <a:p>
+            <a:pPr algn="ctr"/>
+            <a:endParaRPr lang="zh-CN" altLang="en-US">
+              <a:latin typeface="Times New Roman" panose="02020603050405020304" pitchFamily="18" charset="0"/>
+              <a:cs typeface="Times New Roman" panose="02020603050405020304" pitchFamily="18" charset="0"/>
+            </a:endParaRPr>
+          </a:p>
+        </p:txBody>
+      </p:sp>
+      <p:cxnSp>
+        <p:nvCxnSpPr>
+          <p:cNvPr id="175" name="直接连接符 174">
+            <a:extLst>
+              <a:ext uri="{FF2B5EF4-FFF2-40B4-BE49-F238E27FC236}">
+                <a16:creationId xmlns:a16="http://schemas.microsoft.com/office/drawing/2014/main" id="{295846DE-CA84-4CB9-B8D7-E723A0F2DFD7}"/>
+              </a:ext>
+            </a:extLst>
+          </p:cNvPr>
+          <p:cNvCxnSpPr>
+            <a:cxnSpLocks/>
+            <a:stCxn id="174" idx="1"/>
+            <a:endCxn id="174" idx="5"/>
+          </p:cNvCxnSpPr>
+          <p:nvPr/>
+        </p:nvCxnSpPr>
+        <p:spPr>
+          <a:xfrm>
+            <a:off x="5454421" y="1218516"/>
+            <a:ext cx="198284" cy="198284"/>
+          </a:xfrm>
+          <a:prstGeom prst="line">
+            <a:avLst/>
+          </a:prstGeom>
+          <a:ln>
+            <a:solidFill>
+              <a:schemeClr val="tx1"/>
+            </a:solidFill>
+          </a:ln>
+        </p:spPr>
+        <p:style>
+          <a:lnRef idx="1">
+            <a:schemeClr val="accent1"/>
+          </a:lnRef>
+          <a:fillRef idx="0">
+            <a:schemeClr val="accent1"/>
+          </a:fillRef>
+          <a:effectRef idx="0">
+            <a:schemeClr val="accent1"/>
+          </a:effectRef>
+          <a:fontRef idx="minor">
+            <a:schemeClr val="tx1"/>
+          </a:fontRef>
+        </p:style>
+      </p:cxnSp>
+      <p:cxnSp>
+        <p:nvCxnSpPr>
+          <p:cNvPr id="176" name="直接连接符 175">
+            <a:extLst>
+              <a:ext uri="{FF2B5EF4-FFF2-40B4-BE49-F238E27FC236}">
+                <a16:creationId xmlns:a16="http://schemas.microsoft.com/office/drawing/2014/main" id="{45238F65-F573-41F5-A140-C87D798845F6}"/>
+              </a:ext>
+            </a:extLst>
+          </p:cNvPr>
+          <p:cNvCxnSpPr>
+            <a:cxnSpLocks/>
+            <a:stCxn id="174" idx="7"/>
+            <a:endCxn id="174" idx="3"/>
+          </p:cNvCxnSpPr>
+          <p:nvPr/>
+        </p:nvCxnSpPr>
+        <p:spPr>
+          <a:xfrm flipH="1">
+            <a:off x="5454421" y="1218516"/>
+            <a:ext cx="198284" cy="198284"/>
+          </a:xfrm>
+          <a:prstGeom prst="line">
+            <a:avLst/>
+          </a:prstGeom>
+          <a:ln>
+            <a:solidFill>
+              <a:schemeClr val="tx1"/>
+            </a:solidFill>
+          </a:ln>
+        </p:spPr>
+        <p:style>
+          <a:lnRef idx="1">
+            <a:schemeClr val="accent1"/>
+          </a:lnRef>
+          <a:fillRef idx="0">
+            <a:schemeClr val="accent1"/>
+          </a:fillRef>
+          <a:effectRef idx="0">
+            <a:schemeClr val="accent1"/>
+          </a:effectRef>
+          <a:fontRef idx="minor">
+            <a:schemeClr val="tx1"/>
+          </a:fontRef>
+        </p:style>
+      </p:cxnSp>
+      <p:cxnSp>
+        <p:nvCxnSpPr>
+          <p:cNvPr id="177" name="直接箭头连接符 176">
+            <a:extLst>
+              <a:ext uri="{FF2B5EF4-FFF2-40B4-BE49-F238E27FC236}">
+                <a16:creationId xmlns:a16="http://schemas.microsoft.com/office/drawing/2014/main" id="{CEA14E3D-D0EF-4754-A2C0-5652B3C1CC97}"/>
+              </a:ext>
+            </a:extLst>
+          </p:cNvPr>
+          <p:cNvCxnSpPr>
+            <a:cxnSpLocks/>
+            <a:stCxn id="140" idx="3"/>
+            <a:endCxn id="174" idx="2"/>
+          </p:cNvCxnSpPr>
+          <p:nvPr/>
+        </p:nvCxnSpPr>
+        <p:spPr>
+          <a:xfrm>
+            <a:off x="4810599" y="1316734"/>
+            <a:ext cx="602756" cy="924"/>
+          </a:xfrm>
+          <a:prstGeom prst="straightConnector1">
+            <a:avLst/>
+          </a:prstGeom>
+          <a:ln>
+            <a:tailEnd type="triangle"/>
+          </a:ln>
+        </p:spPr>
+        <p:style>
+          <a:lnRef idx="3">
+            <a:schemeClr val="dk1"/>
+          </a:lnRef>
+          <a:fillRef idx="0">
+            <a:schemeClr val="dk1"/>
+          </a:fillRef>
+          <a:effectRef idx="2">
+            <a:schemeClr val="dk1"/>
+          </a:effectRef>
+          <a:fontRef idx="minor">
+            <a:schemeClr val="tx1"/>
+          </a:fontRef>
+        </p:style>
+      </p:cxnSp>
+      <p:sp>
+        <p:nvSpPr>
+          <p:cNvPr id="185" name="矩形 184">
+            <a:extLst>
+              <a:ext uri="{FF2B5EF4-FFF2-40B4-BE49-F238E27FC236}">
+                <a16:creationId xmlns:a16="http://schemas.microsoft.com/office/drawing/2014/main" id="{FA481CA1-DE10-4505-A70D-E886776B491B}"/>
+              </a:ext>
+            </a:extLst>
+          </p:cNvPr>
+          <p:cNvSpPr/>
+          <p:nvPr/>
+        </p:nvSpPr>
+        <p:spPr>
+          <a:xfrm>
+            <a:off x="5967533" y="1135744"/>
+            <a:ext cx="408062" cy="356455"/>
+          </a:xfrm>
+          <a:prstGeom prst="rect">
+            <a:avLst/>
+          </a:prstGeom>
+          <a:solidFill>
+            <a:schemeClr val="bg1"/>
+          </a:solidFill>
+        </p:spPr>
+        <p:style>
+          <a:lnRef idx="2">
+            <a:schemeClr val="accent1">
+              <a:shade val="50000"/>
+            </a:schemeClr>
+          </a:lnRef>
+          <a:fillRef idx="1">
+            <a:schemeClr val="accent1"/>
+          </a:fillRef>
+          <a:effectRef idx="0">
+            <a:schemeClr val="accent1"/>
+          </a:effectRef>
+          <a:fontRef idx="minor">
+            <a:schemeClr val="lt1"/>
+          </a:fontRef>
+        </p:style>
+        <p:txBody>
+          <a:bodyPr rtlCol="0" anchor="ctr"/>
+          <a:lstStyle/>
+          <a:p>
+            <a:pPr algn="ctr"/>
+            <a:endParaRPr lang="zh-CN" altLang="en-US" sz="1050" b="1" dirty="0">
+              <a:solidFill>
+                <a:schemeClr val="tx1"/>
+              </a:solidFill>
+              <a:latin typeface="Times New Roman" panose="02020603050405020304" pitchFamily="18" charset="0"/>
+              <a:ea typeface="宋体" panose="02010600030101010101" pitchFamily="2" charset="-122"/>
+              <a:cs typeface="Times New Roman" panose="02020603050405020304" pitchFamily="18" charset="0"/>
+            </a:endParaRPr>
+          </a:p>
+        </p:txBody>
+      </p:sp>
+      <p:sp>
+        <p:nvSpPr>
+          <p:cNvPr id="186" name="矩形 185">
+            <a:extLst>
+              <a:ext uri="{FF2B5EF4-FFF2-40B4-BE49-F238E27FC236}">
+                <a16:creationId xmlns:a16="http://schemas.microsoft.com/office/drawing/2014/main" id="{EE1A7C16-E935-41D7-80D1-5C6FC24EDCBB}"/>
+              </a:ext>
+            </a:extLst>
+          </p:cNvPr>
+          <p:cNvSpPr/>
+          <p:nvPr/>
+        </p:nvSpPr>
+        <p:spPr>
+          <a:xfrm>
+            <a:off x="5958143" y="447884"/>
+            <a:ext cx="408062" cy="356455"/>
+          </a:xfrm>
+          <a:prstGeom prst="rect">
+            <a:avLst/>
+          </a:prstGeom>
+          <a:solidFill>
+            <a:schemeClr val="bg1"/>
+          </a:solidFill>
+        </p:spPr>
+        <p:style>
+          <a:lnRef idx="2">
+            <a:schemeClr val="accent1">
+              <a:shade val="50000"/>
+            </a:schemeClr>
+          </a:lnRef>
+          <a:fillRef idx="1">
+            <a:schemeClr val="accent1"/>
+          </a:fillRef>
+          <a:effectRef idx="0">
+            <a:schemeClr val="accent1"/>
+          </a:effectRef>
+          <a:fontRef idx="minor">
+            <a:schemeClr val="lt1"/>
+          </a:fontRef>
+        </p:style>
+        <p:txBody>
+          <a:bodyPr rtlCol="0" anchor="ctr"/>
+          <a:lstStyle/>
+          <a:p>
+            <a:pPr algn="ctr"/>
+            <a:endParaRPr lang="zh-CN" altLang="en-US" sz="1050" b="1" dirty="0">
+              <a:solidFill>
+                <a:schemeClr val="tx1"/>
+              </a:solidFill>
+              <a:latin typeface="Times New Roman" panose="02020603050405020304" pitchFamily="18" charset="0"/>
+              <a:ea typeface="宋体" panose="02010600030101010101" pitchFamily="2" charset="-122"/>
+              <a:cs typeface="Times New Roman" panose="02020603050405020304" pitchFamily="18" charset="0"/>
+            </a:endParaRPr>
+          </a:p>
+        </p:txBody>
+      </p:sp>
+      <p:cxnSp>
+        <p:nvCxnSpPr>
+          <p:cNvPr id="188" name="直接箭头连接符 187">
+            <a:extLst>
+              <a:ext uri="{FF2B5EF4-FFF2-40B4-BE49-F238E27FC236}">
+                <a16:creationId xmlns:a16="http://schemas.microsoft.com/office/drawing/2014/main" id="{107DDB9B-4DE7-46E1-BFA9-1C207E399F79}"/>
+              </a:ext>
+            </a:extLst>
+          </p:cNvPr>
+          <p:cNvCxnSpPr>
+            <a:cxnSpLocks/>
+            <a:stCxn id="174" idx="6"/>
+            <a:endCxn id="185" idx="1"/>
+          </p:cNvCxnSpPr>
+          <p:nvPr/>
+        </p:nvCxnSpPr>
+        <p:spPr>
+          <a:xfrm flipV="1">
+            <a:off x="5693771" y="1313972"/>
+            <a:ext cx="273762" cy="3686"/>
+          </a:xfrm>
+          <a:prstGeom prst="straightConnector1">
+            <a:avLst/>
+          </a:prstGeom>
+          <a:ln>
+            <a:tailEnd type="triangle"/>
+          </a:ln>
+        </p:spPr>
+        <p:style>
+          <a:lnRef idx="3">
+            <a:schemeClr val="dk1"/>
+          </a:lnRef>
+          <a:fillRef idx="0">
+            <a:schemeClr val="dk1"/>
+          </a:fillRef>
+          <a:effectRef idx="2">
+            <a:schemeClr val="dk1"/>
+          </a:effectRef>
+          <a:fontRef idx="minor">
+            <a:schemeClr val="tx1"/>
+          </a:fontRef>
+        </p:style>
+      </p:cxnSp>
+      <p:cxnSp>
+        <p:nvCxnSpPr>
+          <p:cNvPr id="191" name="连接符: 肘形 190">
+            <a:extLst>
+              <a:ext uri="{FF2B5EF4-FFF2-40B4-BE49-F238E27FC236}">
+                <a16:creationId xmlns:a16="http://schemas.microsoft.com/office/drawing/2014/main" id="{38FC5FD4-97F1-42FE-8177-5D408BE393BE}"/>
+              </a:ext>
+            </a:extLst>
+          </p:cNvPr>
+          <p:cNvCxnSpPr>
+            <a:cxnSpLocks/>
+            <a:endCxn id="186" idx="1"/>
+          </p:cNvCxnSpPr>
+          <p:nvPr/>
+        </p:nvCxnSpPr>
+        <p:spPr>
+          <a:xfrm flipV="1">
+            <a:off x="5240234" y="626112"/>
+            <a:ext cx="717909" cy="687859"/>
+          </a:xfrm>
+          <a:prstGeom prst="bentConnector3">
+            <a:avLst>
+              <a:gd name="adj1" fmla="val 821"/>
+            </a:avLst>
+          </a:prstGeom>
+          <a:ln>
+            <a:tailEnd type="triangle"/>
+          </a:ln>
+        </p:spPr>
+        <p:style>
+          <a:lnRef idx="3">
+            <a:schemeClr val="dk1"/>
+          </a:lnRef>
+          <a:fillRef idx="0">
+            <a:schemeClr val="dk1"/>
+          </a:fillRef>
+          <a:effectRef idx="2">
+            <a:schemeClr val="dk1"/>
+          </a:effectRef>
+          <a:fontRef idx="minor">
+            <a:schemeClr val="tx1"/>
+          </a:fontRef>
+        </p:style>
+      </p:cxnSp>
+      <p:sp>
+        <p:nvSpPr>
+          <p:cNvPr id="197" name="矩形 196">
+            <a:extLst>
+              <a:ext uri="{FF2B5EF4-FFF2-40B4-BE49-F238E27FC236}">
+                <a16:creationId xmlns:a16="http://schemas.microsoft.com/office/drawing/2014/main" id="{3BB17670-767B-4620-9D5D-CD3F36F79483}"/>
+              </a:ext>
+            </a:extLst>
+          </p:cNvPr>
+          <p:cNvSpPr/>
+          <p:nvPr/>
+        </p:nvSpPr>
+        <p:spPr>
+          <a:xfrm>
+            <a:off x="6606048" y="448884"/>
+            <a:ext cx="851446" cy="356455"/>
+          </a:xfrm>
+          <a:prstGeom prst="rect">
+            <a:avLst/>
+          </a:prstGeom>
+          <a:solidFill>
+            <a:schemeClr val="bg1"/>
+          </a:solidFill>
+        </p:spPr>
+        <p:style>
+          <a:lnRef idx="2">
+            <a:schemeClr val="accent1">
+              <a:shade val="50000"/>
+            </a:schemeClr>
+          </a:lnRef>
+          <a:fillRef idx="1">
+            <a:schemeClr val="accent1"/>
+          </a:fillRef>
+          <a:effectRef idx="0">
+            <a:schemeClr val="accent1"/>
+          </a:effectRef>
+          <a:fontRef idx="minor">
+            <a:schemeClr val="lt1"/>
+          </a:fontRef>
+        </p:style>
+        <p:txBody>
+          <a:bodyPr rtlCol="0" anchor="ctr"/>
+          <a:lstStyle/>
+          <a:p>
+            <a:pPr algn="ctr"/>
+            <a:r>
+              <a:rPr lang="en-US" altLang="zh-CN" sz="1050" b="1" dirty="0">
+                <a:solidFill>
+                  <a:schemeClr val="tx1"/>
+                </a:solidFill>
+                <a:latin typeface="Times New Roman" panose="02020603050405020304" pitchFamily="18" charset="0"/>
+                <a:ea typeface="宋体" panose="02010600030101010101" pitchFamily="2" charset="-122"/>
+                <a:cs typeface="Times New Roman" panose="02020603050405020304" pitchFamily="18" charset="0"/>
+              </a:rPr>
+              <a:t>Scaler</a:t>
+            </a:r>
+            <a:endParaRPr lang="zh-CN" altLang="en-US" sz="1050" b="1" dirty="0">
+              <a:solidFill>
+                <a:schemeClr val="tx1"/>
+              </a:solidFill>
+              <a:latin typeface="Times New Roman" panose="02020603050405020304" pitchFamily="18" charset="0"/>
+              <a:ea typeface="宋体" panose="02010600030101010101" pitchFamily="2" charset="-122"/>
+              <a:cs typeface="Times New Roman" panose="02020603050405020304" pitchFamily="18" charset="0"/>
+            </a:endParaRPr>
+          </a:p>
+        </p:txBody>
+      </p:sp>
+      <p:sp>
+        <p:nvSpPr>
+          <p:cNvPr id="198" name="矩形 197">
+            <a:extLst>
+              <a:ext uri="{FF2B5EF4-FFF2-40B4-BE49-F238E27FC236}">
+                <a16:creationId xmlns:a16="http://schemas.microsoft.com/office/drawing/2014/main" id="{DBAC9741-E0A7-43E6-8599-40A131990B7E}"/>
+              </a:ext>
+            </a:extLst>
+          </p:cNvPr>
+          <p:cNvSpPr/>
+          <p:nvPr/>
+        </p:nvSpPr>
+        <p:spPr>
+          <a:xfrm>
+            <a:off x="6613930" y="1136930"/>
+            <a:ext cx="855857" cy="356455"/>
+          </a:xfrm>
+          <a:prstGeom prst="rect">
+            <a:avLst/>
+          </a:prstGeom>
+          <a:solidFill>
+            <a:schemeClr val="bg1"/>
+          </a:solidFill>
+        </p:spPr>
+        <p:style>
+          <a:lnRef idx="2">
+            <a:schemeClr val="accent1">
+              <a:shade val="50000"/>
+            </a:schemeClr>
+          </a:lnRef>
+          <a:fillRef idx="1">
+            <a:schemeClr val="accent1"/>
+          </a:fillRef>
+          <a:effectRef idx="0">
+            <a:schemeClr val="accent1"/>
+          </a:effectRef>
+          <a:fontRef idx="minor">
+            <a:schemeClr val="lt1"/>
+          </a:fontRef>
+        </p:style>
+        <p:txBody>
+          <a:bodyPr rtlCol="0" anchor="ctr"/>
+          <a:lstStyle/>
+          <a:p>
+            <a:pPr algn="ctr"/>
+            <a:r>
+              <a:rPr lang="en-US" altLang="zh-CN" sz="1050" b="1" dirty="0">
+                <a:solidFill>
+                  <a:schemeClr val="tx1"/>
+                </a:solidFill>
+                <a:latin typeface="Times New Roman" panose="02020603050405020304" pitchFamily="18" charset="0"/>
+                <a:ea typeface="宋体" panose="02010600030101010101" pitchFamily="2" charset="-122"/>
+                <a:cs typeface="Times New Roman" panose="02020603050405020304" pitchFamily="18" charset="0"/>
+              </a:rPr>
+              <a:t>Scaler</a:t>
+            </a:r>
+            <a:endParaRPr lang="zh-CN" altLang="en-US" sz="1050" b="1" dirty="0">
+              <a:solidFill>
+                <a:schemeClr val="tx1"/>
+              </a:solidFill>
+              <a:latin typeface="Times New Roman" panose="02020603050405020304" pitchFamily="18" charset="0"/>
+              <a:ea typeface="宋体" panose="02010600030101010101" pitchFamily="2" charset="-122"/>
+              <a:cs typeface="Times New Roman" panose="02020603050405020304" pitchFamily="18" charset="0"/>
+            </a:endParaRPr>
+          </a:p>
+        </p:txBody>
+      </p:sp>
+      <p:graphicFrame>
+        <p:nvGraphicFramePr>
+          <p:cNvPr id="201" name="对象 200">
+            <a:extLst>
+              <a:ext uri="{FF2B5EF4-FFF2-40B4-BE49-F238E27FC236}">
+                <a16:creationId xmlns:a16="http://schemas.microsoft.com/office/drawing/2014/main" id="{AD6144FD-0F60-4A19-B020-F70FFBACD9E0}"/>
+              </a:ext>
+            </a:extLst>
+          </p:cNvPr>
+          <p:cNvGraphicFramePr>
+            <a:graphicFrameLocks noChangeAspect="1"/>
+          </p:cNvGraphicFramePr>
+          <p:nvPr>
+            <p:extLst>
+              <p:ext uri="{D42A27DB-BD31-4B8C-83A1-F6EECF244321}">
+                <p14:modId xmlns:p14="http://schemas.microsoft.com/office/powerpoint/2010/main" val="2391593600"/>
+              </p:ext>
+            </p:extLst>
+          </p:nvPr>
+        </p:nvGraphicFramePr>
+        <p:xfrm>
+          <a:off x="6013168" y="518866"/>
+          <a:ext cx="301272" cy="195827"/>
+        </p:xfrm>
+        <a:graphic>
+          <a:graphicData uri="http://schemas.openxmlformats.org/presentationml/2006/ole">
+            <mc:AlternateContent xmlns:mc="http://schemas.openxmlformats.org/markup-compatibility/2006">
+              <mc:Choice xmlns:v="urn:schemas-microsoft-com:vml" Requires="v">
+                <p:oleObj spid="_x0000_s12538" name="Equation" r:id="rId28" imgW="253800" imgH="164880" progId="Equation.DSMT4">
+                  <p:embed/>
+                </p:oleObj>
+              </mc:Choice>
+              <mc:Fallback>
+                <p:oleObj name="Equation" r:id="rId28" imgW="253800" imgH="164880" progId="Equation.DSMT4">
+                  <p:embed/>
+                  <p:pic>
+                    <p:nvPicPr>
+                      <p:cNvPr id="0" name=""/>
+                      <p:cNvPicPr/>
+                      <p:nvPr/>
+                    </p:nvPicPr>
+                    <p:blipFill>
+                      <a:blip r:embed="rId29"/>
+                      <a:stretch>
+                        <a:fillRect/>
+                      </a:stretch>
+                    </p:blipFill>
+                    <p:spPr>
+                      <a:xfrm>
+                        <a:off x="6013168" y="518866"/>
+                        <a:ext cx="301272" cy="195827"/>
+                      </a:xfrm>
+                      <a:prstGeom prst="rect">
+                        <a:avLst/>
+                      </a:prstGeom>
+                    </p:spPr>
+                  </p:pic>
+                </p:oleObj>
+              </mc:Fallback>
+            </mc:AlternateContent>
+          </a:graphicData>
+        </a:graphic>
+      </p:graphicFrame>
+      <p:graphicFrame>
+        <p:nvGraphicFramePr>
+          <p:cNvPr id="202" name="对象 201">
+            <a:extLst>
+              <a:ext uri="{FF2B5EF4-FFF2-40B4-BE49-F238E27FC236}">
+                <a16:creationId xmlns:a16="http://schemas.microsoft.com/office/drawing/2014/main" id="{F4292ECD-121A-48AB-A800-887B75D24810}"/>
+              </a:ext>
+            </a:extLst>
+          </p:cNvPr>
+          <p:cNvGraphicFramePr>
+            <a:graphicFrameLocks noChangeAspect="1"/>
+          </p:cNvGraphicFramePr>
+          <p:nvPr>
+            <p:extLst>
+              <p:ext uri="{D42A27DB-BD31-4B8C-83A1-F6EECF244321}">
+                <p14:modId xmlns:p14="http://schemas.microsoft.com/office/powerpoint/2010/main" val="3263921309"/>
+              </p:ext>
+            </p:extLst>
+          </p:nvPr>
+        </p:nvGraphicFramePr>
+        <p:xfrm>
+          <a:off x="6048213" y="1218516"/>
+          <a:ext cx="237970" cy="181977"/>
+        </p:xfrm>
+        <a:graphic>
+          <a:graphicData uri="http://schemas.openxmlformats.org/presentationml/2006/ole">
+            <mc:AlternateContent xmlns:mc="http://schemas.openxmlformats.org/markup-compatibility/2006">
+              <mc:Choice xmlns:v="urn:schemas-microsoft-com:vml" Requires="v">
+                <p:oleObj spid="_x0000_s12539" name="Equation" r:id="rId30" imgW="215640" imgH="164880" progId="Equation.DSMT4">
+                  <p:embed/>
+                </p:oleObj>
+              </mc:Choice>
+              <mc:Fallback>
+                <p:oleObj name="Equation" r:id="rId30" imgW="215640" imgH="164880" progId="Equation.DSMT4">
+                  <p:embed/>
+                  <p:pic>
+                    <p:nvPicPr>
+                      <p:cNvPr id="0" name=""/>
+                      <p:cNvPicPr/>
+                      <p:nvPr/>
+                    </p:nvPicPr>
+                    <p:blipFill>
+                      <a:blip r:embed="rId31"/>
+                      <a:stretch>
+                        <a:fillRect/>
+                      </a:stretch>
+                    </p:blipFill>
+                    <p:spPr>
+                      <a:xfrm>
+                        <a:off x="6048213" y="1218516"/>
+                        <a:ext cx="237970" cy="181977"/>
+                      </a:xfrm>
+                      <a:prstGeom prst="rect">
+                        <a:avLst/>
+                      </a:prstGeom>
+                    </p:spPr>
+                  </p:pic>
+                </p:oleObj>
+              </mc:Fallback>
+            </mc:AlternateContent>
+          </a:graphicData>
+        </a:graphic>
+      </p:graphicFrame>
+      <p:cxnSp>
+        <p:nvCxnSpPr>
+          <p:cNvPr id="203" name="直接箭头连接符 202">
+            <a:extLst>
+              <a:ext uri="{FF2B5EF4-FFF2-40B4-BE49-F238E27FC236}">
+                <a16:creationId xmlns:a16="http://schemas.microsoft.com/office/drawing/2014/main" id="{7A91ED58-97D4-4017-9D16-9F16395D5B76}"/>
+              </a:ext>
+            </a:extLst>
+          </p:cNvPr>
+          <p:cNvCxnSpPr>
+            <a:cxnSpLocks/>
+            <a:stCxn id="186" idx="3"/>
+            <a:endCxn id="197" idx="1"/>
+          </p:cNvCxnSpPr>
+          <p:nvPr/>
+        </p:nvCxnSpPr>
+        <p:spPr>
+          <a:xfrm>
+            <a:off x="6366205" y="626112"/>
+            <a:ext cx="239843" cy="1000"/>
+          </a:xfrm>
+          <a:prstGeom prst="straightConnector1">
+            <a:avLst/>
+          </a:prstGeom>
+          <a:ln>
+            <a:tailEnd type="triangle"/>
+          </a:ln>
+        </p:spPr>
+        <p:style>
+          <a:lnRef idx="3">
+            <a:schemeClr val="dk1"/>
+          </a:lnRef>
+          <a:fillRef idx="0">
+            <a:schemeClr val="dk1"/>
+          </a:fillRef>
+          <a:effectRef idx="2">
+            <a:schemeClr val="dk1"/>
+          </a:effectRef>
+          <a:fontRef idx="minor">
+            <a:schemeClr val="tx1"/>
+          </a:fontRef>
+        </p:style>
+      </p:cxnSp>
+      <p:cxnSp>
+        <p:nvCxnSpPr>
+          <p:cNvPr id="206" name="直接箭头连接符 205">
+            <a:extLst>
+              <a:ext uri="{FF2B5EF4-FFF2-40B4-BE49-F238E27FC236}">
+                <a16:creationId xmlns:a16="http://schemas.microsoft.com/office/drawing/2014/main" id="{B78308B8-156E-4909-BF9F-F60525DDF521}"/>
+              </a:ext>
+            </a:extLst>
+          </p:cNvPr>
+          <p:cNvCxnSpPr>
+            <a:cxnSpLocks/>
+            <a:stCxn id="185" idx="3"/>
+            <a:endCxn id="198" idx="1"/>
+          </p:cNvCxnSpPr>
+          <p:nvPr/>
+        </p:nvCxnSpPr>
+        <p:spPr>
+          <a:xfrm>
+            <a:off x="6375595" y="1313972"/>
+            <a:ext cx="238335" cy="1186"/>
+          </a:xfrm>
+          <a:prstGeom prst="straightConnector1">
+            <a:avLst/>
+          </a:prstGeom>
+          <a:ln>
+            <a:tailEnd type="triangle"/>
+          </a:ln>
+        </p:spPr>
+        <p:style>
+          <a:lnRef idx="3">
+            <a:schemeClr val="dk1"/>
+          </a:lnRef>
+          <a:fillRef idx="0">
+            <a:schemeClr val="dk1"/>
+          </a:fillRef>
+          <a:effectRef idx="2">
+            <a:schemeClr val="dk1"/>
+          </a:effectRef>
+          <a:fontRef idx="minor">
+            <a:schemeClr val="tx1"/>
+          </a:fontRef>
+        </p:style>
+      </p:cxnSp>
+      <p:graphicFrame>
+        <p:nvGraphicFramePr>
+          <p:cNvPr id="209" name="对象 208">
+            <a:extLst>
+              <a:ext uri="{FF2B5EF4-FFF2-40B4-BE49-F238E27FC236}">
+                <a16:creationId xmlns:a16="http://schemas.microsoft.com/office/drawing/2014/main" id="{97A13D69-C185-4EF2-901D-A2C6A450AA44}"/>
+              </a:ext>
+            </a:extLst>
+          </p:cNvPr>
+          <p:cNvGraphicFramePr>
+            <a:graphicFrameLocks noChangeAspect="1"/>
+          </p:cNvGraphicFramePr>
+          <p:nvPr>
+            <p:extLst>
+              <p:ext uri="{D42A27DB-BD31-4B8C-83A1-F6EECF244321}">
+                <p14:modId xmlns:p14="http://schemas.microsoft.com/office/powerpoint/2010/main" val="4227801668"/>
+              </p:ext>
+            </p:extLst>
+          </p:nvPr>
+        </p:nvGraphicFramePr>
+        <p:xfrm>
+          <a:off x="4916810" y="1082681"/>
+          <a:ext cx="228600" cy="254000"/>
+        </p:xfrm>
+        <a:graphic>
+          <a:graphicData uri="http://schemas.openxmlformats.org/presentationml/2006/ole">
+            <mc:AlternateContent xmlns:mc="http://schemas.openxmlformats.org/markup-compatibility/2006">
+              <mc:Choice xmlns:v="urn:schemas-microsoft-com:vml" Requires="v">
+                <p:oleObj spid="_x0000_s12540" name="Equation" r:id="rId32" imgW="228600" imgH="253800" progId="Equation.DSMT4">
+                  <p:embed/>
+                </p:oleObj>
+              </mc:Choice>
+              <mc:Fallback>
+                <p:oleObj name="Equation" r:id="rId32" imgW="228600" imgH="253800" progId="Equation.DSMT4">
+                  <p:embed/>
+                  <p:pic>
+                    <p:nvPicPr>
+                      <p:cNvPr id="0" name=""/>
+                      <p:cNvPicPr/>
+                      <p:nvPr/>
+                    </p:nvPicPr>
+                    <p:blipFill>
+                      <a:blip r:embed="rId33"/>
+                      <a:stretch>
+                        <a:fillRect/>
+                      </a:stretch>
+                    </p:blipFill>
+                    <p:spPr>
+                      <a:xfrm>
+                        <a:off x="4916810" y="1082681"/>
+                        <a:ext cx="228600" cy="254000"/>
+                      </a:xfrm>
+                      <a:prstGeom prst="rect">
+                        <a:avLst/>
+                      </a:prstGeom>
+                    </p:spPr>
+                  </p:pic>
+                </p:oleObj>
+              </mc:Fallback>
+            </mc:AlternateContent>
+          </a:graphicData>
+        </a:graphic>
+      </p:graphicFrame>
+      <p:cxnSp>
+        <p:nvCxnSpPr>
+          <p:cNvPr id="213" name="直接箭头连接符 212">
+            <a:extLst>
+              <a:ext uri="{FF2B5EF4-FFF2-40B4-BE49-F238E27FC236}">
+                <a16:creationId xmlns:a16="http://schemas.microsoft.com/office/drawing/2014/main" id="{8BEEED1B-3B14-47CA-B7F5-7A691C124CC5}"/>
+              </a:ext>
+            </a:extLst>
+          </p:cNvPr>
+          <p:cNvCxnSpPr>
+            <a:cxnSpLocks/>
+            <a:endCxn id="174" idx="4"/>
+          </p:cNvCxnSpPr>
+          <p:nvPr/>
+        </p:nvCxnSpPr>
+        <p:spPr>
+          <a:xfrm flipV="1">
+            <a:off x="5553563" y="1457866"/>
+            <a:ext cx="0" cy="408779"/>
+          </a:xfrm>
+          <a:prstGeom prst="straightConnector1">
+            <a:avLst/>
+          </a:prstGeom>
+          <a:ln>
+            <a:tailEnd type="triangle"/>
+          </a:ln>
+        </p:spPr>
+        <p:style>
+          <a:lnRef idx="3">
+            <a:schemeClr val="dk1"/>
+          </a:lnRef>
+          <a:fillRef idx="0">
+            <a:schemeClr val="dk1"/>
+          </a:fillRef>
+          <a:effectRef idx="2">
+            <a:schemeClr val="dk1"/>
+          </a:effectRef>
+          <a:fontRef idx="minor">
+            <a:schemeClr val="tx1"/>
+          </a:fontRef>
+        </p:style>
+      </p:cxnSp>
+      <p:graphicFrame>
+        <p:nvGraphicFramePr>
+          <p:cNvPr id="216" name="对象 215">
+            <a:extLst>
+              <a:ext uri="{FF2B5EF4-FFF2-40B4-BE49-F238E27FC236}">
+                <a16:creationId xmlns:a16="http://schemas.microsoft.com/office/drawing/2014/main" id="{CD10F2C6-F78E-40DB-8412-7EEBF14EF0EC}"/>
+              </a:ext>
+            </a:extLst>
+          </p:cNvPr>
+          <p:cNvGraphicFramePr>
+            <a:graphicFrameLocks noChangeAspect="1"/>
+          </p:cNvGraphicFramePr>
+          <p:nvPr>
+            <p:extLst>
+              <p:ext uri="{D42A27DB-BD31-4B8C-83A1-F6EECF244321}">
+                <p14:modId xmlns:p14="http://schemas.microsoft.com/office/powerpoint/2010/main" val="4238048637"/>
+              </p:ext>
+            </p:extLst>
+          </p:nvPr>
+        </p:nvGraphicFramePr>
+        <p:xfrm>
+          <a:off x="5318868" y="1647058"/>
+          <a:ext cx="203200" cy="241300"/>
+        </p:xfrm>
+        <a:graphic>
+          <a:graphicData uri="http://schemas.openxmlformats.org/presentationml/2006/ole">
+            <mc:AlternateContent xmlns:mc="http://schemas.openxmlformats.org/markup-compatibility/2006">
+              <mc:Choice xmlns:v="urn:schemas-microsoft-com:vml" Requires="v">
+                <p:oleObj spid="_x0000_s12541" name="Equation" r:id="rId34" imgW="203040" imgH="241200" progId="Equation.DSMT4">
+                  <p:embed/>
+                </p:oleObj>
+              </mc:Choice>
+              <mc:Fallback>
+                <p:oleObj name="Equation" r:id="rId34" imgW="203040" imgH="241200" progId="Equation.DSMT4">
+                  <p:embed/>
+                  <p:pic>
+                    <p:nvPicPr>
+                      <p:cNvPr id="0" name=""/>
+                      <p:cNvPicPr/>
+                      <p:nvPr/>
+                    </p:nvPicPr>
+                    <p:blipFill>
+                      <a:blip r:embed="rId35"/>
+                      <a:stretch>
+                        <a:fillRect/>
+                      </a:stretch>
+                    </p:blipFill>
+                    <p:spPr>
+                      <a:xfrm>
+                        <a:off x="5318868" y="1647058"/>
+                        <a:ext cx="203200" cy="241300"/>
+                      </a:xfrm>
+                      <a:prstGeom prst="rect">
+                        <a:avLst/>
+                      </a:prstGeom>
+                    </p:spPr>
+                  </p:pic>
+                </p:oleObj>
+              </mc:Fallback>
+            </mc:AlternateContent>
+          </a:graphicData>
+        </a:graphic>
+      </p:graphicFrame>
+      <p:graphicFrame>
+        <p:nvGraphicFramePr>
+          <p:cNvPr id="217" name="对象 216">
+            <a:extLst>
+              <a:ext uri="{FF2B5EF4-FFF2-40B4-BE49-F238E27FC236}">
+                <a16:creationId xmlns:a16="http://schemas.microsoft.com/office/drawing/2014/main" id="{61F4517C-6AAB-410D-90AD-EE64A69D52CE}"/>
+              </a:ext>
+            </a:extLst>
+          </p:cNvPr>
+          <p:cNvGraphicFramePr>
+            <a:graphicFrameLocks noChangeAspect="1"/>
+          </p:cNvGraphicFramePr>
+          <p:nvPr>
+            <p:extLst>
+              <p:ext uri="{D42A27DB-BD31-4B8C-83A1-F6EECF244321}">
+                <p14:modId xmlns:p14="http://schemas.microsoft.com/office/powerpoint/2010/main" val="993965907"/>
+              </p:ext>
+            </p:extLst>
+          </p:nvPr>
+        </p:nvGraphicFramePr>
+        <p:xfrm>
+          <a:off x="5356205" y="1509722"/>
+          <a:ext cx="114300" cy="100013"/>
+        </p:xfrm>
+        <a:graphic>
+          <a:graphicData uri="http://schemas.openxmlformats.org/presentationml/2006/ole">
+            <mc:AlternateContent xmlns:mc="http://schemas.openxmlformats.org/markup-compatibility/2006">
+              <mc:Choice xmlns:v="urn:schemas-microsoft-com:vml" Requires="v">
+                <p:oleObj spid="_x0000_s12542" name="Equation" r:id="rId36" imgW="114489" imgH="100804" progId="Equation.DSMT4">
+                  <p:embed/>
+                </p:oleObj>
+              </mc:Choice>
+              <mc:Fallback>
+                <p:oleObj name="Equation" r:id="rId36" imgW="114489" imgH="100804" progId="Equation.DSMT4">
+                  <p:embed/>
+                  <p:pic>
+                    <p:nvPicPr>
+                      <p:cNvPr id="0" name=""/>
+                      <p:cNvPicPr/>
+                      <p:nvPr/>
+                    </p:nvPicPr>
+                    <p:blipFill>
+                      <a:blip r:embed="rId37"/>
+                      <a:stretch>
+                        <a:fillRect/>
+                      </a:stretch>
+                    </p:blipFill>
+                    <p:spPr>
+                      <a:xfrm>
+                        <a:off x="5356205" y="1509722"/>
+                        <a:ext cx="114300" cy="100013"/>
+                      </a:xfrm>
+                      <a:prstGeom prst="rect">
+                        <a:avLst/>
+                      </a:prstGeom>
+                    </p:spPr>
+                  </p:pic>
+                </p:oleObj>
+              </mc:Fallback>
+            </mc:AlternateContent>
+          </a:graphicData>
+        </a:graphic>
+      </p:graphicFrame>
+      <p:sp>
+        <p:nvSpPr>
+          <p:cNvPr id="218" name="流程图: 接点 217">
+            <a:extLst>
+              <a:ext uri="{FF2B5EF4-FFF2-40B4-BE49-F238E27FC236}">
+                <a16:creationId xmlns:a16="http://schemas.microsoft.com/office/drawing/2014/main" id="{4865DD5E-BBA1-4156-BEBD-672D0025E948}"/>
+              </a:ext>
+            </a:extLst>
+          </p:cNvPr>
+          <p:cNvSpPr/>
+          <p:nvPr/>
+        </p:nvSpPr>
+        <p:spPr>
+          <a:xfrm>
+            <a:off x="7737010" y="1178022"/>
+            <a:ext cx="280416" cy="280416"/>
+          </a:xfrm>
+          <a:prstGeom prst="flowChartConnector">
+            <a:avLst/>
+          </a:prstGeom>
+          <a:noFill/>
+          <a:ln>
+            <a:solidFill>
+              <a:schemeClr val="tx1"/>
+            </a:solidFill>
+          </a:ln>
+        </p:spPr>
+        <p:style>
+          <a:lnRef idx="2">
+            <a:schemeClr val="accent1">
+              <a:shade val="50000"/>
+            </a:schemeClr>
+          </a:lnRef>
+          <a:fillRef idx="1">
+            <a:schemeClr val="accent1"/>
+          </a:fillRef>
+          <a:effectRef idx="0">
+            <a:schemeClr val="accent1"/>
+          </a:effectRef>
+          <a:fontRef idx="minor">
+            <a:schemeClr val="lt1"/>
+          </a:fontRef>
+        </p:style>
+        <p:txBody>
+          <a:bodyPr rtlCol="0" anchor="ctr"/>
+          <a:lstStyle/>
+          <a:p>
+            <a:pPr algn="ctr"/>
+            <a:endParaRPr lang="zh-CN" altLang="en-US">
+              <a:latin typeface="Times New Roman" panose="02020603050405020304" pitchFamily="18" charset="0"/>
+              <a:cs typeface="Times New Roman" panose="02020603050405020304" pitchFamily="18" charset="0"/>
+            </a:endParaRPr>
+          </a:p>
+        </p:txBody>
+      </p:sp>
+      <p:cxnSp>
+        <p:nvCxnSpPr>
+          <p:cNvPr id="219" name="直接连接符 218">
+            <a:extLst>
+              <a:ext uri="{FF2B5EF4-FFF2-40B4-BE49-F238E27FC236}">
+                <a16:creationId xmlns:a16="http://schemas.microsoft.com/office/drawing/2014/main" id="{CE57CC4A-AA2A-4F4A-BCB1-083323A4E8EA}"/>
+              </a:ext>
+            </a:extLst>
+          </p:cNvPr>
+          <p:cNvCxnSpPr>
+            <a:cxnSpLocks/>
+            <a:stCxn id="218" idx="1"/>
+            <a:endCxn id="218" idx="5"/>
+          </p:cNvCxnSpPr>
+          <p:nvPr/>
+        </p:nvCxnSpPr>
+        <p:spPr>
+          <a:xfrm>
+            <a:off x="7778076" y="1219088"/>
+            <a:ext cx="198284" cy="198284"/>
+          </a:xfrm>
+          <a:prstGeom prst="line">
+            <a:avLst/>
+          </a:prstGeom>
+          <a:ln>
+            <a:solidFill>
+              <a:schemeClr val="tx1"/>
+            </a:solidFill>
+          </a:ln>
+        </p:spPr>
+        <p:style>
+          <a:lnRef idx="1">
+            <a:schemeClr val="accent1"/>
+          </a:lnRef>
+          <a:fillRef idx="0">
+            <a:schemeClr val="accent1"/>
+          </a:fillRef>
+          <a:effectRef idx="0">
+            <a:schemeClr val="accent1"/>
+          </a:effectRef>
+          <a:fontRef idx="minor">
+            <a:schemeClr val="tx1"/>
+          </a:fontRef>
+        </p:style>
+      </p:cxnSp>
+      <p:cxnSp>
+        <p:nvCxnSpPr>
+          <p:cNvPr id="220" name="直接连接符 219">
+            <a:extLst>
+              <a:ext uri="{FF2B5EF4-FFF2-40B4-BE49-F238E27FC236}">
+                <a16:creationId xmlns:a16="http://schemas.microsoft.com/office/drawing/2014/main" id="{F159970C-33A1-49B0-94F1-310126720879}"/>
+              </a:ext>
+            </a:extLst>
+          </p:cNvPr>
+          <p:cNvCxnSpPr>
+            <a:cxnSpLocks/>
+            <a:stCxn id="218" idx="7"/>
+            <a:endCxn id="218" idx="3"/>
+          </p:cNvCxnSpPr>
+          <p:nvPr/>
+        </p:nvCxnSpPr>
+        <p:spPr>
+          <a:xfrm flipH="1">
+            <a:off x="7778076" y="1219088"/>
+            <a:ext cx="198284" cy="198284"/>
+          </a:xfrm>
+          <a:prstGeom prst="line">
+            <a:avLst/>
+          </a:prstGeom>
+          <a:ln>
+            <a:solidFill>
+              <a:schemeClr val="tx1"/>
+            </a:solidFill>
+          </a:ln>
+        </p:spPr>
+        <p:style>
+          <a:lnRef idx="1">
+            <a:schemeClr val="accent1"/>
+          </a:lnRef>
+          <a:fillRef idx="0">
+            <a:schemeClr val="accent1"/>
+          </a:fillRef>
+          <a:effectRef idx="0">
+            <a:schemeClr val="accent1"/>
+          </a:effectRef>
+          <a:fontRef idx="minor">
+            <a:schemeClr val="tx1"/>
+          </a:fontRef>
+        </p:style>
+      </p:cxnSp>
+      <p:cxnSp>
+        <p:nvCxnSpPr>
+          <p:cNvPr id="221" name="连接符: 肘形 220">
+            <a:extLst>
+              <a:ext uri="{FF2B5EF4-FFF2-40B4-BE49-F238E27FC236}">
+                <a16:creationId xmlns:a16="http://schemas.microsoft.com/office/drawing/2014/main" id="{00D5DD8C-AAEF-4151-8969-FBAC02932E04}"/>
+              </a:ext>
+            </a:extLst>
+          </p:cNvPr>
+          <p:cNvCxnSpPr>
+            <a:cxnSpLocks/>
+            <a:stCxn id="197" idx="3"/>
+            <a:endCxn id="218" idx="0"/>
+          </p:cNvCxnSpPr>
+          <p:nvPr/>
+        </p:nvCxnSpPr>
+        <p:spPr>
+          <a:xfrm>
+            <a:off x="7457494" y="627112"/>
+            <a:ext cx="419724" cy="550910"/>
+          </a:xfrm>
+          <a:prstGeom prst="bentConnector2">
+            <a:avLst/>
+          </a:prstGeom>
+          <a:ln>
+            <a:tailEnd type="triangle"/>
+          </a:ln>
+        </p:spPr>
+        <p:style>
+          <a:lnRef idx="3">
+            <a:schemeClr val="dk1"/>
+          </a:lnRef>
+          <a:fillRef idx="0">
+            <a:schemeClr val="dk1"/>
+          </a:fillRef>
+          <a:effectRef idx="2">
+            <a:schemeClr val="dk1"/>
+          </a:effectRef>
+          <a:fontRef idx="minor">
+            <a:schemeClr val="tx1"/>
+          </a:fontRef>
+        </p:style>
+      </p:cxnSp>
+      <p:cxnSp>
+        <p:nvCxnSpPr>
+          <p:cNvPr id="224" name="直接箭头连接符 223">
+            <a:extLst>
+              <a:ext uri="{FF2B5EF4-FFF2-40B4-BE49-F238E27FC236}">
+                <a16:creationId xmlns:a16="http://schemas.microsoft.com/office/drawing/2014/main" id="{78C592A8-645A-4CAC-9582-EBF4238EC818}"/>
+              </a:ext>
+            </a:extLst>
+          </p:cNvPr>
+          <p:cNvCxnSpPr>
+            <a:cxnSpLocks/>
+            <a:stCxn id="198" idx="3"/>
+            <a:endCxn id="218" idx="2"/>
+          </p:cNvCxnSpPr>
+          <p:nvPr/>
+        </p:nvCxnSpPr>
+        <p:spPr>
+          <a:xfrm>
+            <a:off x="7469787" y="1315158"/>
+            <a:ext cx="267223" cy="3072"/>
+          </a:xfrm>
+          <a:prstGeom prst="straightConnector1">
+            <a:avLst/>
+          </a:prstGeom>
+          <a:ln>
+            <a:tailEnd type="triangle"/>
+          </a:ln>
+        </p:spPr>
+        <p:style>
+          <a:lnRef idx="3">
+            <a:schemeClr val="dk1"/>
+          </a:lnRef>
+          <a:fillRef idx="0">
+            <a:schemeClr val="dk1"/>
+          </a:fillRef>
+          <a:effectRef idx="2">
+            <a:schemeClr val="dk1"/>
+          </a:effectRef>
+          <a:fontRef idx="minor">
+            <a:schemeClr val="tx1"/>
+          </a:fontRef>
+        </p:style>
+      </p:cxnSp>
+      <p:sp>
+        <p:nvSpPr>
+          <p:cNvPr id="227" name="矩形 226">
+            <a:extLst>
+              <a:ext uri="{FF2B5EF4-FFF2-40B4-BE49-F238E27FC236}">
+                <a16:creationId xmlns:a16="http://schemas.microsoft.com/office/drawing/2014/main" id="{E57DE6E0-18C1-4178-8B2D-8F4790F13801}"/>
+              </a:ext>
+            </a:extLst>
+          </p:cNvPr>
+          <p:cNvSpPr/>
+          <p:nvPr/>
+        </p:nvSpPr>
+        <p:spPr>
+          <a:xfrm>
+            <a:off x="8283503" y="1141962"/>
+            <a:ext cx="461695" cy="356455"/>
+          </a:xfrm>
+          <a:prstGeom prst="rect">
+            <a:avLst/>
+          </a:prstGeom>
+          <a:solidFill>
+            <a:schemeClr val="bg1"/>
+          </a:solidFill>
+        </p:spPr>
+        <p:style>
+          <a:lnRef idx="2">
+            <a:schemeClr val="accent1">
+              <a:shade val="50000"/>
+            </a:schemeClr>
+          </a:lnRef>
+          <a:fillRef idx="1">
+            <a:schemeClr val="accent1"/>
+          </a:fillRef>
+          <a:effectRef idx="0">
+            <a:schemeClr val="accent1"/>
+          </a:effectRef>
+          <a:fontRef idx="minor">
+            <a:schemeClr val="lt1"/>
+          </a:fontRef>
+        </p:style>
+        <p:txBody>
+          <a:bodyPr rtlCol="0" anchor="ctr"/>
+          <a:lstStyle/>
+          <a:p>
+            <a:pPr algn="ctr"/>
+            <a:r>
+              <a:rPr lang="en-US" altLang="zh-CN" sz="1050" b="1" dirty="0">
+                <a:solidFill>
+                  <a:schemeClr val="tx1"/>
+                </a:solidFill>
+                <a:latin typeface="Times New Roman" panose="02020603050405020304" pitchFamily="18" charset="0"/>
+                <a:ea typeface="宋体" panose="02010600030101010101" pitchFamily="2" charset="-122"/>
+                <a:cs typeface="Times New Roman" panose="02020603050405020304" pitchFamily="18" charset="0"/>
+              </a:rPr>
+              <a:t>MIX</a:t>
+            </a:r>
+            <a:endParaRPr lang="zh-CN" altLang="en-US" sz="1050" b="1" dirty="0">
+              <a:solidFill>
+                <a:schemeClr val="tx1"/>
+              </a:solidFill>
+              <a:latin typeface="Times New Roman" panose="02020603050405020304" pitchFamily="18" charset="0"/>
+              <a:ea typeface="宋体" panose="02010600030101010101" pitchFamily="2" charset="-122"/>
+              <a:cs typeface="Times New Roman" panose="02020603050405020304" pitchFamily="18" charset="0"/>
+            </a:endParaRPr>
+          </a:p>
+        </p:txBody>
+      </p:sp>
+      <p:cxnSp>
+        <p:nvCxnSpPr>
+          <p:cNvPr id="228" name="直接箭头连接符 227">
+            <a:extLst>
+              <a:ext uri="{FF2B5EF4-FFF2-40B4-BE49-F238E27FC236}">
+                <a16:creationId xmlns:a16="http://schemas.microsoft.com/office/drawing/2014/main" id="{5902B050-EC5F-4C1A-9A1F-DDC86AA6B855}"/>
+              </a:ext>
+            </a:extLst>
+          </p:cNvPr>
+          <p:cNvCxnSpPr>
+            <a:cxnSpLocks/>
+            <a:stCxn id="218" idx="6"/>
+          </p:cNvCxnSpPr>
+          <p:nvPr/>
+        </p:nvCxnSpPr>
+        <p:spPr>
+          <a:xfrm>
+            <a:off x="8017426" y="1318230"/>
+            <a:ext cx="279886" cy="123"/>
+          </a:xfrm>
+          <a:prstGeom prst="straightConnector1">
+            <a:avLst/>
+          </a:prstGeom>
+          <a:ln>
+            <a:tailEnd type="triangle"/>
+          </a:ln>
+        </p:spPr>
+        <p:style>
+          <a:lnRef idx="3">
+            <a:schemeClr val="dk1"/>
+          </a:lnRef>
+          <a:fillRef idx="0">
+            <a:schemeClr val="dk1"/>
+          </a:fillRef>
+          <a:effectRef idx="2">
+            <a:schemeClr val="dk1"/>
+          </a:effectRef>
+          <a:fontRef idx="minor">
+            <a:schemeClr val="tx1"/>
+          </a:fontRef>
+        </p:style>
+      </p:cxnSp>
+      <p:sp>
+        <p:nvSpPr>
+          <p:cNvPr id="230" name="矩形 229">
+            <a:extLst>
+              <a:ext uri="{FF2B5EF4-FFF2-40B4-BE49-F238E27FC236}">
+                <a16:creationId xmlns:a16="http://schemas.microsoft.com/office/drawing/2014/main" id="{C0903B9C-4FC9-49A7-9A87-CC03A8515266}"/>
+              </a:ext>
+            </a:extLst>
+          </p:cNvPr>
+          <p:cNvSpPr/>
+          <p:nvPr/>
+        </p:nvSpPr>
+        <p:spPr>
+          <a:xfrm>
+            <a:off x="9115585" y="1141999"/>
+            <a:ext cx="625603" cy="356455"/>
+          </a:xfrm>
+          <a:prstGeom prst="rect">
+            <a:avLst/>
+          </a:prstGeom>
+          <a:solidFill>
+            <a:schemeClr val="bg1"/>
+          </a:solidFill>
+        </p:spPr>
+        <p:style>
+          <a:lnRef idx="2">
+            <a:schemeClr val="accent1">
+              <a:shade val="50000"/>
+            </a:schemeClr>
+          </a:lnRef>
+          <a:fillRef idx="1">
+            <a:schemeClr val="accent1"/>
+          </a:fillRef>
+          <a:effectRef idx="0">
+            <a:schemeClr val="accent1"/>
+          </a:effectRef>
+          <a:fontRef idx="minor">
+            <a:schemeClr val="lt1"/>
+          </a:fontRef>
+        </p:style>
+        <p:txBody>
+          <a:bodyPr rtlCol="0" anchor="ctr"/>
+          <a:lstStyle/>
+          <a:p>
+            <a:pPr algn="ctr"/>
+            <a:r>
+              <a:rPr lang="en-US" altLang="zh-CN" sz="1050" b="1" dirty="0">
+                <a:solidFill>
+                  <a:schemeClr val="tx1"/>
+                </a:solidFill>
+                <a:latin typeface="Times New Roman" panose="02020603050405020304" pitchFamily="18" charset="0"/>
+                <a:ea typeface="宋体" panose="02010600030101010101" pitchFamily="2" charset="-122"/>
+                <a:cs typeface="Times New Roman" panose="02020603050405020304" pitchFamily="18" charset="0"/>
+              </a:rPr>
+              <a:t>Servo</a:t>
+            </a:r>
+            <a:endParaRPr lang="zh-CN" altLang="en-US" sz="1050" b="1" dirty="0">
+              <a:solidFill>
+                <a:schemeClr val="tx1"/>
+              </a:solidFill>
+              <a:latin typeface="Times New Roman" panose="02020603050405020304" pitchFamily="18" charset="0"/>
+              <a:ea typeface="宋体" panose="02010600030101010101" pitchFamily="2" charset="-122"/>
+              <a:cs typeface="Times New Roman" panose="02020603050405020304" pitchFamily="18" charset="0"/>
+            </a:endParaRPr>
+          </a:p>
+        </p:txBody>
+      </p:sp>
+      <p:cxnSp>
+        <p:nvCxnSpPr>
+          <p:cNvPr id="231" name="直接箭头连接符 230">
+            <a:extLst>
+              <a:ext uri="{FF2B5EF4-FFF2-40B4-BE49-F238E27FC236}">
+                <a16:creationId xmlns:a16="http://schemas.microsoft.com/office/drawing/2014/main" id="{36D74464-98CC-409B-8CA7-81C5260671F7}"/>
+              </a:ext>
+            </a:extLst>
+          </p:cNvPr>
+          <p:cNvCxnSpPr>
+            <a:cxnSpLocks/>
+            <a:stCxn id="227" idx="3"/>
+            <a:endCxn id="230" idx="1"/>
+          </p:cNvCxnSpPr>
+          <p:nvPr/>
+        </p:nvCxnSpPr>
+        <p:spPr>
+          <a:xfrm>
+            <a:off x="8745198" y="1320190"/>
+            <a:ext cx="370387" cy="37"/>
+          </a:xfrm>
+          <a:prstGeom prst="straightConnector1">
+            <a:avLst/>
+          </a:prstGeom>
+          <a:ln>
+            <a:tailEnd type="triangle"/>
+          </a:ln>
+        </p:spPr>
+        <p:style>
+          <a:lnRef idx="3">
+            <a:schemeClr val="dk1"/>
+          </a:lnRef>
+          <a:fillRef idx="0">
+            <a:schemeClr val="dk1"/>
+          </a:fillRef>
+          <a:effectRef idx="2">
+            <a:schemeClr val="dk1"/>
+          </a:effectRef>
+          <a:fontRef idx="minor">
+            <a:schemeClr val="tx1"/>
+          </a:fontRef>
+        </p:style>
+      </p:cxnSp>
+      <p:cxnSp>
+        <p:nvCxnSpPr>
+          <p:cNvPr id="236" name="直接箭头连接符 235">
+            <a:extLst>
+              <a:ext uri="{FF2B5EF4-FFF2-40B4-BE49-F238E27FC236}">
+                <a16:creationId xmlns:a16="http://schemas.microsoft.com/office/drawing/2014/main" id="{A610EA0E-3890-4F53-8E0A-49E77F9AAD44}"/>
+              </a:ext>
+            </a:extLst>
+          </p:cNvPr>
+          <p:cNvCxnSpPr>
+            <a:cxnSpLocks/>
+            <a:endCxn id="197" idx="0"/>
+          </p:cNvCxnSpPr>
+          <p:nvPr/>
+        </p:nvCxnSpPr>
+        <p:spPr>
+          <a:xfrm>
+            <a:off x="7031771" y="63500"/>
+            <a:ext cx="0" cy="385384"/>
+          </a:xfrm>
+          <a:prstGeom prst="straightConnector1">
+            <a:avLst/>
+          </a:prstGeom>
+          <a:ln>
+            <a:tailEnd type="triangle"/>
+          </a:ln>
+        </p:spPr>
+        <p:style>
+          <a:lnRef idx="3">
+            <a:schemeClr val="dk1"/>
+          </a:lnRef>
+          <a:fillRef idx="0">
+            <a:schemeClr val="dk1"/>
+          </a:fillRef>
+          <a:effectRef idx="2">
+            <a:schemeClr val="dk1"/>
+          </a:effectRef>
+          <a:fontRef idx="minor">
+            <a:schemeClr val="tx1"/>
+          </a:fontRef>
+        </p:style>
+      </p:cxnSp>
+      <p:graphicFrame>
+        <p:nvGraphicFramePr>
+          <p:cNvPr id="237" name="对象 236">
+            <a:extLst>
+              <a:ext uri="{FF2B5EF4-FFF2-40B4-BE49-F238E27FC236}">
+                <a16:creationId xmlns:a16="http://schemas.microsoft.com/office/drawing/2014/main" id="{90B60DE9-F7EE-455D-9759-9D5A8B1DD89E}"/>
+              </a:ext>
+            </a:extLst>
+          </p:cNvPr>
+          <p:cNvGraphicFramePr>
+            <a:graphicFrameLocks noChangeAspect="1"/>
+          </p:cNvGraphicFramePr>
+          <p:nvPr>
+            <p:extLst>
+              <p:ext uri="{D42A27DB-BD31-4B8C-83A1-F6EECF244321}">
+                <p14:modId xmlns:p14="http://schemas.microsoft.com/office/powerpoint/2010/main" val="1748075867"/>
+              </p:ext>
+            </p:extLst>
+          </p:nvPr>
+        </p:nvGraphicFramePr>
+        <p:xfrm>
+          <a:off x="6824663" y="65405"/>
+          <a:ext cx="177800" cy="228600"/>
+        </p:xfrm>
+        <a:graphic>
+          <a:graphicData uri="http://schemas.openxmlformats.org/presentationml/2006/ole">
+            <mc:AlternateContent xmlns:mc="http://schemas.openxmlformats.org/markup-compatibility/2006">
+              <mc:Choice xmlns:v="urn:schemas-microsoft-com:vml" Requires="v">
+                <p:oleObj spid="_x0000_s12543" name="Equation" r:id="rId38" imgW="177480" imgH="228600" progId="Equation.DSMT4">
+                  <p:embed/>
+                </p:oleObj>
+              </mc:Choice>
+              <mc:Fallback>
+                <p:oleObj name="Equation" r:id="rId38" imgW="177480" imgH="228600" progId="Equation.DSMT4">
+                  <p:embed/>
+                  <p:pic>
+                    <p:nvPicPr>
+                      <p:cNvPr id="216" name="对象 215">
+                        <a:extLst>
+                          <a:ext uri="{FF2B5EF4-FFF2-40B4-BE49-F238E27FC236}">
+                            <a16:creationId xmlns:a16="http://schemas.microsoft.com/office/drawing/2014/main" id="{CD10F2C6-F78E-40DB-8412-7EEBF14EF0EC}"/>
+                          </a:ext>
+                        </a:extLst>
+                      </p:cNvPr>
+                      <p:cNvPicPr/>
+                      <p:nvPr/>
+                    </p:nvPicPr>
+                    <p:blipFill>
+                      <a:blip r:embed="rId39"/>
+                      <a:stretch>
+                        <a:fillRect/>
+                      </a:stretch>
+                    </p:blipFill>
+                    <p:spPr>
+                      <a:xfrm>
+                        <a:off x="6824663" y="65405"/>
+                        <a:ext cx="177800" cy="228600"/>
+                      </a:xfrm>
+                      <a:prstGeom prst="rect">
+                        <a:avLst/>
+                      </a:prstGeom>
+                    </p:spPr>
+                  </p:pic>
+                </p:oleObj>
+              </mc:Fallback>
+            </mc:AlternateContent>
+          </a:graphicData>
+        </a:graphic>
+      </p:graphicFrame>
+      <p:cxnSp>
+        <p:nvCxnSpPr>
+          <p:cNvPr id="238" name="直接箭头连接符 237">
+            <a:extLst>
+              <a:ext uri="{FF2B5EF4-FFF2-40B4-BE49-F238E27FC236}">
+                <a16:creationId xmlns:a16="http://schemas.microsoft.com/office/drawing/2014/main" id="{59F1C9C6-2705-4AAA-8200-CDC571D2A7AC}"/>
+              </a:ext>
+            </a:extLst>
+          </p:cNvPr>
+          <p:cNvCxnSpPr>
+            <a:cxnSpLocks/>
+          </p:cNvCxnSpPr>
+          <p:nvPr/>
+        </p:nvCxnSpPr>
+        <p:spPr>
+          <a:xfrm flipV="1">
+            <a:off x="7010079" y="1475874"/>
+            <a:ext cx="0" cy="408779"/>
+          </a:xfrm>
+          <a:prstGeom prst="straightConnector1">
+            <a:avLst/>
+          </a:prstGeom>
+          <a:ln>
+            <a:tailEnd type="triangle"/>
+          </a:ln>
+        </p:spPr>
+        <p:style>
+          <a:lnRef idx="3">
+            <a:schemeClr val="dk1"/>
+          </a:lnRef>
+          <a:fillRef idx="0">
+            <a:schemeClr val="dk1"/>
+          </a:fillRef>
+          <a:effectRef idx="2">
+            <a:schemeClr val="dk1"/>
+          </a:effectRef>
+          <a:fontRef idx="minor">
+            <a:schemeClr val="tx1"/>
+          </a:fontRef>
+        </p:style>
+      </p:cxnSp>
+      <p:graphicFrame>
+        <p:nvGraphicFramePr>
+          <p:cNvPr id="239" name="对象 238">
+            <a:extLst>
+              <a:ext uri="{FF2B5EF4-FFF2-40B4-BE49-F238E27FC236}">
+                <a16:creationId xmlns:a16="http://schemas.microsoft.com/office/drawing/2014/main" id="{C8C9A0B0-AE64-4C63-8FD8-CFC05F57ABF9}"/>
+              </a:ext>
+            </a:extLst>
+          </p:cNvPr>
+          <p:cNvGraphicFramePr>
+            <a:graphicFrameLocks noChangeAspect="1"/>
+          </p:cNvGraphicFramePr>
+          <p:nvPr>
+            <p:extLst>
+              <p:ext uri="{D42A27DB-BD31-4B8C-83A1-F6EECF244321}">
+                <p14:modId xmlns:p14="http://schemas.microsoft.com/office/powerpoint/2010/main" val="507397191"/>
+              </p:ext>
+            </p:extLst>
+          </p:nvPr>
+        </p:nvGraphicFramePr>
+        <p:xfrm>
+          <a:off x="6794500" y="1671955"/>
+          <a:ext cx="165100" cy="228600"/>
+        </p:xfrm>
+        <a:graphic>
+          <a:graphicData uri="http://schemas.openxmlformats.org/presentationml/2006/ole">
+            <mc:AlternateContent xmlns:mc="http://schemas.openxmlformats.org/markup-compatibility/2006">
+              <mc:Choice xmlns:v="urn:schemas-microsoft-com:vml" Requires="v">
+                <p:oleObj spid="_x0000_s12544" name="Equation" r:id="rId40" imgW="164880" imgH="228600" progId="Equation.DSMT4">
+                  <p:embed/>
+                </p:oleObj>
+              </mc:Choice>
+              <mc:Fallback>
+                <p:oleObj name="Equation" r:id="rId40" imgW="164880" imgH="228600" progId="Equation.DSMT4">
+                  <p:embed/>
+                  <p:pic>
+                    <p:nvPicPr>
+                      <p:cNvPr id="216" name="对象 215">
+                        <a:extLst>
+                          <a:ext uri="{FF2B5EF4-FFF2-40B4-BE49-F238E27FC236}">
+                            <a16:creationId xmlns:a16="http://schemas.microsoft.com/office/drawing/2014/main" id="{CD10F2C6-F78E-40DB-8412-7EEBF14EF0EC}"/>
+                          </a:ext>
+                        </a:extLst>
+                      </p:cNvPr>
+                      <p:cNvPicPr/>
+                      <p:nvPr/>
+                    </p:nvPicPr>
+                    <p:blipFill>
+                      <a:blip r:embed="rId41"/>
+                      <a:stretch>
+                        <a:fillRect/>
+                      </a:stretch>
+                    </p:blipFill>
+                    <p:spPr>
+                      <a:xfrm>
+                        <a:off x="6794500" y="1671955"/>
+                        <a:ext cx="165100" cy="228600"/>
+                      </a:xfrm>
+                      <a:prstGeom prst="rect">
+                        <a:avLst/>
+                      </a:prstGeom>
+                    </p:spPr>
+                  </p:pic>
+                </p:oleObj>
+              </mc:Fallback>
+            </mc:AlternateContent>
+          </a:graphicData>
+        </a:graphic>
+      </p:graphicFrame>
+      <p:graphicFrame>
+        <p:nvGraphicFramePr>
+          <p:cNvPr id="242" name="对象 241">
+            <a:extLst>
+              <a:ext uri="{FF2B5EF4-FFF2-40B4-BE49-F238E27FC236}">
+                <a16:creationId xmlns:a16="http://schemas.microsoft.com/office/drawing/2014/main" id="{769BCD58-732C-4140-9AFA-525BABC06022}"/>
+              </a:ext>
+            </a:extLst>
+          </p:cNvPr>
+          <p:cNvGraphicFramePr>
+            <a:graphicFrameLocks noChangeAspect="1"/>
+          </p:cNvGraphicFramePr>
+          <p:nvPr>
+            <p:extLst>
+              <p:ext uri="{D42A27DB-BD31-4B8C-83A1-F6EECF244321}">
+                <p14:modId xmlns:p14="http://schemas.microsoft.com/office/powerpoint/2010/main" val="2702338157"/>
+              </p:ext>
+            </p:extLst>
+          </p:nvPr>
+        </p:nvGraphicFramePr>
+        <p:xfrm>
+          <a:off x="8029575" y="1051243"/>
+          <a:ext cx="228600" cy="254000"/>
+        </p:xfrm>
+        <a:graphic>
+          <a:graphicData uri="http://schemas.openxmlformats.org/presentationml/2006/ole">
+            <mc:AlternateContent xmlns:mc="http://schemas.openxmlformats.org/markup-compatibility/2006">
+              <mc:Choice xmlns:v="urn:schemas-microsoft-com:vml" Requires="v">
+                <p:oleObj spid="_x0000_s12545" name="Equation" r:id="rId42" imgW="228600" imgH="253800" progId="Equation.DSMT4">
+                  <p:embed/>
+                </p:oleObj>
+              </mc:Choice>
+              <mc:Fallback>
+                <p:oleObj name="Equation" r:id="rId42" imgW="228600" imgH="253800" progId="Equation.DSMT4">
+                  <p:embed/>
+                  <p:pic>
+                    <p:nvPicPr>
+                      <p:cNvPr id="0" name=""/>
+                      <p:cNvPicPr/>
+                      <p:nvPr/>
+                    </p:nvPicPr>
+                    <p:blipFill>
+                      <a:blip r:embed="rId43"/>
+                      <a:stretch>
+                        <a:fillRect/>
+                      </a:stretch>
+                    </p:blipFill>
+                    <p:spPr>
+                      <a:xfrm>
+                        <a:off x="8029575" y="1051243"/>
+                        <a:ext cx="228600" cy="254000"/>
+                      </a:xfrm>
+                      <a:prstGeom prst="rect">
+                        <a:avLst/>
+                      </a:prstGeom>
+                    </p:spPr>
+                  </p:pic>
+                </p:oleObj>
+              </mc:Fallback>
+            </mc:AlternateContent>
+          </a:graphicData>
+        </a:graphic>
+      </p:graphicFrame>
+      <p:graphicFrame>
+        <p:nvGraphicFramePr>
+          <p:cNvPr id="243" name="对象 242">
+            <a:extLst>
+              <a:ext uri="{FF2B5EF4-FFF2-40B4-BE49-F238E27FC236}">
+                <a16:creationId xmlns:a16="http://schemas.microsoft.com/office/drawing/2014/main" id="{14E22FD6-9BE7-4567-B201-DDCD8C97C477}"/>
+              </a:ext>
+            </a:extLst>
+          </p:cNvPr>
+          <p:cNvGraphicFramePr>
+            <a:graphicFrameLocks noChangeAspect="1"/>
+          </p:cNvGraphicFramePr>
+          <p:nvPr>
+            <p:extLst>
+              <p:ext uri="{D42A27DB-BD31-4B8C-83A1-F6EECF244321}">
+                <p14:modId xmlns:p14="http://schemas.microsoft.com/office/powerpoint/2010/main" val="1736727945"/>
+              </p:ext>
+            </p:extLst>
+          </p:nvPr>
+        </p:nvGraphicFramePr>
+        <p:xfrm>
+          <a:off x="8893175" y="1149668"/>
+          <a:ext cx="127000" cy="139700"/>
+        </p:xfrm>
+        <a:graphic>
+          <a:graphicData uri="http://schemas.openxmlformats.org/presentationml/2006/ole">
+            <mc:AlternateContent xmlns:mc="http://schemas.openxmlformats.org/markup-compatibility/2006">
+              <mc:Choice xmlns:v="urn:schemas-microsoft-com:vml" Requires="v">
+                <p:oleObj spid="_x0000_s12546" name="Equation" r:id="rId44" imgW="126720" imgH="139680" progId="Equation.DSMT4">
+                  <p:embed/>
+                </p:oleObj>
+              </mc:Choice>
+              <mc:Fallback>
+                <p:oleObj name="Equation" r:id="rId44" imgW="126720" imgH="139680" progId="Equation.DSMT4">
+                  <p:embed/>
+                  <p:pic>
+                    <p:nvPicPr>
+                      <p:cNvPr id="0" name=""/>
+                      <p:cNvPicPr/>
+                      <p:nvPr/>
+                    </p:nvPicPr>
+                    <p:blipFill>
+                      <a:blip r:embed="rId45"/>
+                      <a:stretch>
+                        <a:fillRect/>
+                      </a:stretch>
+                    </p:blipFill>
+                    <p:spPr>
+                      <a:xfrm>
+                        <a:off x="8893175" y="1149668"/>
+                        <a:ext cx="127000" cy="139700"/>
+                      </a:xfrm>
+                      <a:prstGeom prst="rect">
+                        <a:avLst/>
+                      </a:prstGeom>
+                    </p:spPr>
+                  </p:pic>
+                </p:oleObj>
+              </mc:Fallback>
+            </mc:AlternateContent>
+          </a:graphicData>
+        </a:graphic>
+      </p:graphicFrame>
+      <p:graphicFrame>
+        <p:nvGraphicFramePr>
+          <p:cNvPr id="244" name="对象 243">
+            <a:extLst>
+              <a:ext uri="{FF2B5EF4-FFF2-40B4-BE49-F238E27FC236}">
+                <a16:creationId xmlns:a16="http://schemas.microsoft.com/office/drawing/2014/main" id="{D040D17D-AA59-4CD8-947C-9739ECCA7F1F}"/>
+              </a:ext>
+            </a:extLst>
+          </p:cNvPr>
+          <p:cNvGraphicFramePr>
+            <a:graphicFrameLocks noChangeAspect="1"/>
+          </p:cNvGraphicFramePr>
+          <p:nvPr>
+            <p:extLst>
+              <p:ext uri="{D42A27DB-BD31-4B8C-83A1-F6EECF244321}">
+                <p14:modId xmlns:p14="http://schemas.microsoft.com/office/powerpoint/2010/main" val="53132768"/>
+              </p:ext>
+            </p:extLst>
+          </p:nvPr>
+        </p:nvGraphicFramePr>
+        <p:xfrm>
+          <a:off x="9901238" y="1136968"/>
+          <a:ext cx="139700" cy="177800"/>
+        </p:xfrm>
+        <a:graphic>
+          <a:graphicData uri="http://schemas.openxmlformats.org/presentationml/2006/ole">
+            <mc:AlternateContent xmlns:mc="http://schemas.openxmlformats.org/markup-compatibility/2006">
+              <mc:Choice xmlns:v="urn:schemas-microsoft-com:vml" Requires="v">
+                <p:oleObj spid="_x0000_s12547" name="Equation" r:id="rId46" imgW="139680" imgH="177480" progId="Equation.DSMT4">
+                  <p:embed/>
+                </p:oleObj>
+              </mc:Choice>
+              <mc:Fallback>
+                <p:oleObj name="Equation" r:id="rId46" imgW="139680" imgH="177480" progId="Equation.DSMT4">
+                  <p:embed/>
+                  <p:pic>
+                    <p:nvPicPr>
+                      <p:cNvPr id="0" name=""/>
+                      <p:cNvPicPr/>
+                      <p:nvPr/>
+                    </p:nvPicPr>
+                    <p:blipFill>
+                      <a:blip r:embed="rId47"/>
+                      <a:stretch>
+                        <a:fillRect/>
+                      </a:stretch>
+                    </p:blipFill>
+                    <p:spPr>
+                      <a:xfrm>
+                        <a:off x="9901238" y="1136968"/>
+                        <a:ext cx="139700" cy="177800"/>
+                      </a:xfrm>
+                      <a:prstGeom prst="rect">
+                        <a:avLst/>
+                      </a:prstGeom>
+                    </p:spPr>
+                  </p:pic>
+                </p:oleObj>
+              </mc:Fallback>
+            </mc:AlternateContent>
+          </a:graphicData>
+        </a:graphic>
+      </p:graphicFrame>
+      <p:cxnSp>
+        <p:nvCxnSpPr>
+          <p:cNvPr id="246" name="直接箭头连接符 245">
+            <a:extLst>
+              <a:ext uri="{FF2B5EF4-FFF2-40B4-BE49-F238E27FC236}">
+                <a16:creationId xmlns:a16="http://schemas.microsoft.com/office/drawing/2014/main" id="{E3F3CA7C-29FD-4DDB-BD17-92F659B835C6}"/>
+              </a:ext>
+            </a:extLst>
+          </p:cNvPr>
+          <p:cNvCxnSpPr>
+            <a:cxnSpLocks/>
+            <a:stCxn id="230" idx="3"/>
+          </p:cNvCxnSpPr>
+          <p:nvPr/>
+        </p:nvCxnSpPr>
+        <p:spPr>
+          <a:xfrm>
+            <a:off x="9741188" y="1320227"/>
+            <a:ext cx="381743" cy="3197"/>
+          </a:xfrm>
+          <a:prstGeom prst="straightConnector1">
+            <a:avLst/>
+          </a:prstGeom>
+          <a:ln>
+            <a:tailEnd type="triangle"/>
+          </a:ln>
+        </p:spPr>
+        <p:style>
+          <a:lnRef idx="3">
+            <a:schemeClr val="dk1"/>
+          </a:lnRef>
+          <a:fillRef idx="0">
+            <a:schemeClr val="dk1"/>
+          </a:fillRef>
+          <a:effectRef idx="2">
+            <a:schemeClr val="dk1"/>
+          </a:effectRef>
+          <a:fontRef idx="minor">
+            <a:schemeClr val="tx1"/>
+          </a:fontRef>
+        </p:style>
+      </p:cxnSp>
+    </p:spTree>
+    <p:extLst>
+      <p:ext uri="{BB962C8B-B14F-4D97-AF65-F5344CB8AC3E}">
+        <p14:creationId xmlns:p14="http://schemas.microsoft.com/office/powerpoint/2010/main" val="2386337876"/>
+      </p:ext>
+    </p:extLst>
+  </p:cSld>
+  <p:clrMapOvr>
+    <a:masterClrMapping/>
+  </p:clrMapOvr>
+</p:sld>
+</file>
+
 <file path=ppt/slides/slide2.xml><?xml version="1.0" encoding="utf-8"?>
 <p:sld xmlns:a="http://schemas.openxmlformats.org/drawingml/2006/main" xmlns:r="http://schemas.openxmlformats.org/officeDocument/2006/relationships" xmlns:p="http://schemas.openxmlformats.org/presentationml/2006/main">
   <p:cSld>
@@ -7250,7 +10926,7 @@
           <a:graphicData uri="http://schemas.openxmlformats.org/presentationml/2006/ole">
             <mc:AlternateContent xmlns:mc="http://schemas.openxmlformats.org/markup-compatibility/2006">
               <mc:Choice xmlns:v="urn:schemas-microsoft-com:vml" Requires="v">
-                <p:oleObj spid="_x0000_s5897" name="Equation" r:id="rId5" imgW="5791200" imgH="4876800" progId="Equation.DSMT4">
+                <p:oleObj spid="_x0000_s6121" name="Equation" r:id="rId5" imgW="5791200" imgH="4876800" progId="Equation.DSMT4">
                   <p:embed/>
                 </p:oleObj>
               </mc:Choice>
@@ -7301,7 +10977,7 @@
           <a:graphicData uri="http://schemas.openxmlformats.org/presentationml/2006/ole">
             <mc:AlternateContent xmlns:mc="http://schemas.openxmlformats.org/markup-compatibility/2006">
               <mc:Choice xmlns:v="urn:schemas-microsoft-com:vml" Requires="v">
-                <p:oleObj spid="_x0000_s5898" name="Equation" r:id="rId7" imgW="5486400" imgH="4572000" progId="Equation.DSMT4">
+                <p:oleObj spid="_x0000_s6122" name="Equation" r:id="rId7" imgW="5486400" imgH="4572000" progId="Equation.DSMT4">
                   <p:embed/>
                 </p:oleObj>
               </mc:Choice>
@@ -7458,7 +11134,7 @@
           <a:graphicData uri="http://schemas.openxmlformats.org/presentationml/2006/ole">
             <mc:AlternateContent xmlns:mc="http://schemas.openxmlformats.org/markup-compatibility/2006">
               <mc:Choice xmlns:v="urn:schemas-microsoft-com:vml" Requires="v">
-                <p:oleObj spid="_x0000_s5899" name="Equation" r:id="rId9" imgW="10668000" imgH="4267200" progId="Equation.DSMT4">
+                <p:oleObj spid="_x0000_s6123" name="Equation" r:id="rId9" imgW="10668000" imgH="4267200" progId="Equation.DSMT4">
                   <p:embed/>
                 </p:oleObj>
               </mc:Choice>
@@ -7509,7 +11185,7 @@
           <a:graphicData uri="http://schemas.openxmlformats.org/presentationml/2006/ole">
             <mc:AlternateContent xmlns:mc="http://schemas.openxmlformats.org/markup-compatibility/2006">
               <mc:Choice xmlns:v="urn:schemas-microsoft-com:vml" Requires="v">
-                <p:oleObj spid="_x0000_s5900" name="Equation" r:id="rId11" imgW="14325600" imgH="4876800" progId="Equation.DSMT4">
+                <p:oleObj spid="_x0000_s6124" name="Equation" r:id="rId11" imgW="14325600" imgH="4876800" progId="Equation.DSMT4">
                   <p:embed/>
                 </p:oleObj>
               </mc:Choice>
@@ -7773,7 +11449,7 @@
           <a:graphicData uri="http://schemas.openxmlformats.org/presentationml/2006/ole">
             <mc:AlternateContent xmlns:mc="http://schemas.openxmlformats.org/markup-compatibility/2006">
               <mc:Choice xmlns:v="urn:schemas-microsoft-com:vml" Requires="v">
-                <p:oleObj spid="_x0000_s5901" name="Equation" r:id="rId13" imgW="27736800" imgH="4876800" progId="Equation.DSMT4">
+                <p:oleObj spid="_x0000_s6125" name="Equation" r:id="rId13" imgW="27736800" imgH="4876800" progId="Equation.DSMT4">
                   <p:embed/>
                 </p:oleObj>
               </mc:Choice>
@@ -7824,7 +11500,7 @@
           <a:graphicData uri="http://schemas.openxmlformats.org/presentationml/2006/ole">
             <mc:AlternateContent xmlns:mc="http://schemas.openxmlformats.org/markup-compatibility/2006">
               <mc:Choice xmlns:v="urn:schemas-microsoft-com:vml" Requires="v">
-                <p:oleObj spid="_x0000_s5902" name="Equation" r:id="rId15" imgW="4876800" imgH="4876800" progId="Equation.DSMT4">
+                <p:oleObj spid="_x0000_s6126" name="Equation" r:id="rId15" imgW="4876800" imgH="4876800" progId="Equation.DSMT4">
                   <p:embed/>
                 </p:oleObj>
               </mc:Choice>
@@ -7875,7 +11551,7 @@
           <a:graphicData uri="http://schemas.openxmlformats.org/presentationml/2006/ole">
             <mc:AlternateContent xmlns:mc="http://schemas.openxmlformats.org/markup-compatibility/2006">
               <mc:Choice xmlns:v="urn:schemas-microsoft-com:vml" Requires="v">
-                <p:oleObj spid="_x0000_s5903" name="Equation" r:id="rId17" imgW="4572000" imgH="4572000" progId="Equation.DSMT4">
+                <p:oleObj spid="_x0000_s6127" name="Equation" r:id="rId17" imgW="4572000" imgH="4572000" progId="Equation.DSMT4">
                   <p:embed/>
                 </p:oleObj>
               </mc:Choice>
@@ -7926,7 +11602,7 @@
           <a:graphicData uri="http://schemas.openxmlformats.org/presentationml/2006/ole">
             <mc:AlternateContent xmlns:mc="http://schemas.openxmlformats.org/markup-compatibility/2006">
               <mc:Choice xmlns:v="urn:schemas-microsoft-com:vml" Requires="v">
-                <p:oleObj spid="_x0000_s5904" name="Equation" r:id="rId19" imgW="7010400" imgH="5791200" progId="Equation.DSMT4">
+                <p:oleObj spid="_x0000_s6128" name="Equation" r:id="rId19" imgW="7010400" imgH="5791200" progId="Equation.DSMT4">
                   <p:embed/>
                 </p:oleObj>
               </mc:Choice>
@@ -7977,7 +11653,7 @@
           <a:graphicData uri="http://schemas.openxmlformats.org/presentationml/2006/ole">
             <mc:AlternateContent xmlns:mc="http://schemas.openxmlformats.org/markup-compatibility/2006">
               <mc:Choice xmlns:v="urn:schemas-microsoft-com:vml" Requires="v">
-                <p:oleObj spid="_x0000_s5905" name="Equation" r:id="rId21" imgW="7010400" imgH="5791200" progId="Equation.DSMT4">
+                <p:oleObj spid="_x0000_s6129" name="Equation" r:id="rId21" imgW="7010400" imgH="5791200" progId="Equation.DSMT4">
                   <p:embed/>
                 </p:oleObj>
               </mc:Choice>
@@ -8028,7 +11704,7 @@
           <a:graphicData uri="http://schemas.openxmlformats.org/presentationml/2006/ole">
             <mc:AlternateContent xmlns:mc="http://schemas.openxmlformats.org/markup-compatibility/2006">
               <mc:Choice xmlns:v="urn:schemas-microsoft-com:vml" Requires="v">
-                <p:oleObj spid="_x0000_s5906" name="Equation" r:id="rId23" imgW="6400800" imgH="5791200" progId="Equation.DSMT4">
+                <p:oleObj spid="_x0000_s6130" name="Equation" r:id="rId23" imgW="6400800" imgH="5791200" progId="Equation.DSMT4">
                   <p:embed/>
                 </p:oleObj>
               </mc:Choice>
@@ -8079,7 +11755,7 @@
           <a:graphicData uri="http://schemas.openxmlformats.org/presentationml/2006/ole">
             <mc:AlternateContent xmlns:mc="http://schemas.openxmlformats.org/markup-compatibility/2006">
               <mc:Choice xmlns:v="urn:schemas-microsoft-com:vml" Requires="v">
-                <p:oleObj spid="_x0000_s5907" name="Equation" r:id="rId25" imgW="6400800" imgH="5791200" progId="Equation.DSMT4">
+                <p:oleObj spid="_x0000_s6131" name="Equation" r:id="rId25" imgW="6400800" imgH="5791200" progId="Equation.DSMT4">
                   <p:embed/>
                 </p:oleObj>
               </mc:Choice>
@@ -8130,7 +11806,7 @@
           <a:graphicData uri="http://schemas.openxmlformats.org/presentationml/2006/ole">
             <mc:AlternateContent xmlns:mc="http://schemas.openxmlformats.org/markup-compatibility/2006">
               <mc:Choice xmlns:v="urn:schemas-microsoft-com:vml" Requires="v">
-                <p:oleObj spid="_x0000_s5908" name="Equation" r:id="rId27" imgW="5181600" imgH="5791200" progId="Equation.DSMT4">
+                <p:oleObj spid="_x0000_s6132" name="Equation" r:id="rId27" imgW="5181600" imgH="5791200" progId="Equation.DSMT4">
                   <p:embed/>
                 </p:oleObj>
               </mc:Choice>
@@ -8181,7 +11857,7 @@
           <a:graphicData uri="http://schemas.openxmlformats.org/presentationml/2006/ole">
             <mc:AlternateContent xmlns:mc="http://schemas.openxmlformats.org/markup-compatibility/2006">
               <mc:Choice xmlns:v="urn:schemas-microsoft-com:vml" Requires="v">
-                <p:oleObj spid="_x0000_s5909" name="Equation" r:id="rId29" imgW="5181600" imgH="5791200" progId="Equation.DSMT4">
+                <p:oleObj spid="_x0000_s6133" name="Equation" r:id="rId29" imgW="5181600" imgH="5791200" progId="Equation.DSMT4">
                   <p:embed/>
                 </p:oleObj>
               </mc:Choice>
@@ -8304,7 +11980,7 @@
           <a:graphicData uri="http://schemas.openxmlformats.org/presentationml/2006/ole">
             <mc:AlternateContent xmlns:mc="http://schemas.openxmlformats.org/markup-compatibility/2006">
               <mc:Choice xmlns:v="urn:schemas-microsoft-com:vml" Requires="v">
-                <p:oleObj spid="_x0000_s5910" name="Equation" r:id="rId31" imgW="5181600" imgH="6096000" progId="Equation.DSMT4">
+                <p:oleObj spid="_x0000_s6134" name="Equation" r:id="rId31" imgW="5181600" imgH="6096000" progId="Equation.DSMT4">
                   <p:embed/>
                 </p:oleObj>
               </mc:Choice>
@@ -8392,7 +12068,7 @@
           <a:graphicData uri="http://schemas.openxmlformats.org/presentationml/2006/ole">
             <mc:AlternateContent xmlns:mc="http://schemas.openxmlformats.org/markup-compatibility/2006">
               <mc:Choice xmlns:v="urn:schemas-microsoft-com:vml" Requires="v">
-                <p:oleObj spid="_x0000_s5911" name="Equation" r:id="rId33" imgW="7315200" imgH="5791200" progId="Equation.DSMT4">
+                <p:oleObj spid="_x0000_s6135" name="Equation" r:id="rId33" imgW="7315200" imgH="5791200" progId="Equation.DSMT4">
                   <p:embed/>
                 </p:oleObj>
               </mc:Choice>
@@ -8664,7 +12340,7 @@
           <a:graphicData uri="http://schemas.openxmlformats.org/presentationml/2006/ole">
             <mc:AlternateContent xmlns:mc="http://schemas.openxmlformats.org/markup-compatibility/2006">
               <mc:Choice xmlns:v="urn:schemas-microsoft-com:vml" Requires="v">
-                <p:oleObj spid="_x0000_s5912" name="Equation" r:id="rId35" imgW="4267200" imgH="5791200" progId="Equation.DSMT4">
+                <p:oleObj spid="_x0000_s6136" name="Equation" r:id="rId35" imgW="4267200" imgH="5791200" progId="Equation.DSMT4">
                   <p:embed/>
                 </p:oleObj>
               </mc:Choice>
@@ -9147,7 +12823,7 @@
           <a:graphicData uri="http://schemas.openxmlformats.org/presentationml/2006/ole">
             <mc:AlternateContent xmlns:mc="http://schemas.openxmlformats.org/markup-compatibility/2006">
               <mc:Choice xmlns:v="urn:schemas-microsoft-com:vml" Requires="v">
-                <p:oleObj spid="_x0000_s5913" name="Equation" r:id="rId37" imgW="24384000" imgH="4572000" progId="Equation.DSMT4">
+                <p:oleObj spid="_x0000_s6137" name="Equation" r:id="rId37" imgW="24384000" imgH="4572000" progId="Equation.DSMT4">
                   <p:embed/>
                 </p:oleObj>
               </mc:Choice>
@@ -9198,7 +12874,7 @@
           <a:graphicData uri="http://schemas.openxmlformats.org/presentationml/2006/ole">
             <mc:AlternateContent xmlns:mc="http://schemas.openxmlformats.org/markup-compatibility/2006">
               <mc:Choice xmlns:v="urn:schemas-microsoft-com:vml" Requires="v">
-                <p:oleObj spid="_x0000_s5914" name="Equation" r:id="rId39" imgW="12801600" imgH="6096000" progId="Equation.DSMT4">
+                <p:oleObj spid="_x0000_s6138" name="Equation" r:id="rId39" imgW="12801600" imgH="6096000" progId="Equation.DSMT4">
                   <p:embed/>
                 </p:oleObj>
               </mc:Choice>
@@ -9249,7 +12925,7 @@
           <a:graphicData uri="http://schemas.openxmlformats.org/presentationml/2006/ole">
             <mc:AlternateContent xmlns:mc="http://schemas.openxmlformats.org/markup-compatibility/2006">
               <mc:Choice xmlns:v="urn:schemas-microsoft-com:vml" Requires="v">
-                <p:oleObj spid="_x0000_s5915" name="Equation" r:id="rId41" imgW="15849600" imgH="6096000" progId="Equation.DSMT4">
+                <p:oleObj spid="_x0000_s6139" name="Equation" r:id="rId41" imgW="15849600" imgH="6096000" progId="Equation.DSMT4">
                   <p:embed/>
                 </p:oleObj>
               </mc:Choice>
@@ -9300,7 +12976,7 @@
           <a:graphicData uri="http://schemas.openxmlformats.org/presentationml/2006/ole">
             <mc:AlternateContent xmlns:mc="http://schemas.openxmlformats.org/markup-compatibility/2006">
               <mc:Choice xmlns:v="urn:schemas-microsoft-com:vml" Requires="v">
-                <p:oleObj spid="_x0000_s5916" name="Equation" r:id="rId43" imgW="12192000" imgH="6096000" progId="Equation.DSMT4">
+                <p:oleObj spid="_x0000_s6140" name="Equation" r:id="rId43" imgW="12192000" imgH="6096000" progId="Equation.DSMT4">
                   <p:embed/>
                 </p:oleObj>
               </mc:Choice>
@@ -9402,7 +13078,7 @@
           <a:graphicData uri="http://schemas.openxmlformats.org/presentationml/2006/ole">
             <mc:AlternateContent xmlns:mc="http://schemas.openxmlformats.org/markup-compatibility/2006">
               <mc:Choice xmlns:v="urn:schemas-microsoft-com:vml" Requires="v">
-                <p:oleObj spid="_x0000_s5917" name="Equation" r:id="rId45" imgW="5791200" imgH="4572000" progId="Equation.DSMT4">
+                <p:oleObj spid="_x0000_s6141" name="Equation" r:id="rId45" imgW="5791200" imgH="4572000" progId="Equation.DSMT4">
                   <p:embed/>
                 </p:oleObj>
               </mc:Choice>
@@ -9489,7 +13165,7 @@
           <a:graphicData uri="http://schemas.openxmlformats.org/presentationml/2006/ole">
             <mc:AlternateContent xmlns:mc="http://schemas.openxmlformats.org/markup-compatibility/2006">
               <mc:Choice xmlns:v="urn:schemas-microsoft-com:vml" Requires="v">
-                <p:oleObj spid="_x0000_s5918" name="Equation" r:id="rId47" imgW="6096000" imgH="5791200" progId="Equation.DSMT4">
+                <p:oleObj spid="_x0000_s6142" name="Equation" r:id="rId47" imgW="6096000" imgH="5791200" progId="Equation.DSMT4">
                   <p:embed/>
                 </p:oleObj>
               </mc:Choice>
@@ -9591,7 +13267,7 @@
           <a:graphicData uri="http://schemas.openxmlformats.org/presentationml/2006/ole">
             <mc:AlternateContent xmlns:mc="http://schemas.openxmlformats.org/markup-compatibility/2006">
               <mc:Choice xmlns:v="urn:schemas-microsoft-com:vml" Requires="v">
-                <p:oleObj spid="_x0000_s5919" name="Equation" r:id="rId49" imgW="5181600" imgH="4572000" progId="Equation.DSMT4">
+                <p:oleObj spid="_x0000_s6143" name="Equation" r:id="rId49" imgW="5181600" imgH="4572000" progId="Equation.DSMT4">
                   <p:embed/>
                 </p:oleObj>
               </mc:Choice>
@@ -9760,7 +13436,7 @@
           <a:graphicData uri="http://schemas.openxmlformats.org/presentationml/2006/ole">
             <mc:AlternateContent xmlns:mc="http://schemas.openxmlformats.org/markup-compatibility/2006">
               <mc:Choice xmlns:v="urn:schemas-microsoft-com:vml" Requires="v">
-                <p:oleObj spid="_x0000_s5920" name="Equation" r:id="rId51" imgW="13411200" imgH="4572000" progId="Equation.DSMT4">
+                <p:oleObj spid="_x0000_s13312" name="Equation" r:id="rId51" imgW="13411200" imgH="4572000" progId="Equation.DSMT4">
                   <p:embed/>
                 </p:oleObj>
               </mc:Choice>
@@ -9883,7 +13559,7 @@
           <a:graphicData uri="http://schemas.openxmlformats.org/presentationml/2006/ole">
             <mc:AlternateContent xmlns:mc="http://schemas.openxmlformats.org/markup-compatibility/2006">
               <mc:Choice xmlns:v="urn:schemas-microsoft-com:vml" Requires="v">
-                <p:oleObj spid="_x0000_s5921" name="Equation" r:id="rId53" imgW="4876800" imgH="5791200" progId="Equation.DSMT4">
+                <p:oleObj spid="_x0000_s13313" name="Equation" r:id="rId53" imgW="4876800" imgH="5791200" progId="Equation.DSMT4">
                   <p:embed/>
                 </p:oleObj>
               </mc:Choice>
@@ -9934,7 +13610,7 @@
           <a:graphicData uri="http://schemas.openxmlformats.org/presentationml/2006/ole">
             <mc:AlternateContent xmlns:mc="http://schemas.openxmlformats.org/markup-compatibility/2006">
               <mc:Choice xmlns:v="urn:schemas-microsoft-com:vml" Requires="v">
-                <p:oleObj spid="_x0000_s5922" name="Equation" r:id="rId55" imgW="6705600" imgH="5791200" progId="Equation.DSMT4">
+                <p:oleObj spid="_x0000_s13314" name="Equation" r:id="rId55" imgW="6705600" imgH="5791200" progId="Equation.DSMT4">
                   <p:embed/>
                 </p:oleObj>
               </mc:Choice>
@@ -9985,7 +13661,7 @@
           <a:graphicData uri="http://schemas.openxmlformats.org/presentationml/2006/ole">
             <mc:AlternateContent xmlns:mc="http://schemas.openxmlformats.org/markup-compatibility/2006">
               <mc:Choice xmlns:v="urn:schemas-microsoft-com:vml" Requires="v">
-                <p:oleObj spid="_x0000_s5923" name="Equation" r:id="rId57" imgW="6705600" imgH="5791200" progId="Equation.DSMT4">
+                <p:oleObj spid="_x0000_s13315" name="Equation" r:id="rId57" imgW="6705600" imgH="5791200" progId="Equation.DSMT4">
                   <p:embed/>
                 </p:oleObj>
               </mc:Choice>
@@ -10159,7 +13835,7 @@
           <a:graphicData uri="http://schemas.openxmlformats.org/presentationml/2006/ole">
             <mc:AlternateContent xmlns:mc="http://schemas.openxmlformats.org/markup-compatibility/2006">
               <mc:Choice xmlns:v="urn:schemas-microsoft-com:vml" Requires="v">
-                <p:oleObj spid="_x0000_s5924" name="Equation" r:id="rId59" imgW="5181600" imgH="5486400" progId="Equation.DSMT4">
+                <p:oleObj spid="_x0000_s13316" name="Equation" r:id="rId59" imgW="5181600" imgH="5486400" progId="Equation.DSMT4">
                   <p:embed/>
                 </p:oleObj>
               </mc:Choice>
@@ -10483,7 +14159,7 @@
           <a:graphicData uri="http://schemas.openxmlformats.org/presentationml/2006/ole">
             <mc:AlternateContent xmlns:mc="http://schemas.openxmlformats.org/markup-compatibility/2006">
               <mc:Choice xmlns:v="urn:schemas-microsoft-com:vml" Requires="v">
-                <p:oleObj spid="_x0000_s4887" name="Equation" r:id="rId4" imgW="5791200" imgH="4876800" progId="Equation.DSMT4">
+                <p:oleObj spid="_x0000_s5031" name="Equation" r:id="rId4" imgW="5791200" imgH="4876800" progId="Equation.DSMT4">
                   <p:embed/>
                 </p:oleObj>
               </mc:Choice>
@@ -10534,7 +14210,7 @@
           <a:graphicData uri="http://schemas.openxmlformats.org/presentationml/2006/ole">
             <mc:AlternateContent xmlns:mc="http://schemas.openxmlformats.org/markup-compatibility/2006">
               <mc:Choice xmlns:v="urn:schemas-microsoft-com:vml" Requires="v">
-                <p:oleObj spid="_x0000_s4888" name="Equation" r:id="rId6" imgW="5486400" imgH="4572000" progId="Equation.DSMT4">
+                <p:oleObj spid="_x0000_s5032" name="Equation" r:id="rId6" imgW="5486400" imgH="4572000" progId="Equation.DSMT4">
                   <p:embed/>
                 </p:oleObj>
               </mc:Choice>
@@ -10659,7 +14335,7 @@
           <a:graphicData uri="http://schemas.openxmlformats.org/presentationml/2006/ole">
             <mc:AlternateContent xmlns:mc="http://schemas.openxmlformats.org/markup-compatibility/2006">
               <mc:Choice xmlns:v="urn:schemas-microsoft-com:vml" Requires="v">
-                <p:oleObj spid="_x0000_s4889" name="Equation" r:id="rId8" imgW="7010400" imgH="5791200" progId="Equation.DSMT4">
+                <p:oleObj spid="_x0000_s5033" name="Equation" r:id="rId8" imgW="7010400" imgH="5791200" progId="Equation.DSMT4">
                   <p:embed/>
                 </p:oleObj>
               </mc:Choice>
@@ -10784,7 +14460,7 @@
           <a:graphicData uri="http://schemas.openxmlformats.org/presentationml/2006/ole">
             <mc:AlternateContent xmlns:mc="http://schemas.openxmlformats.org/markup-compatibility/2006">
               <mc:Choice xmlns:v="urn:schemas-microsoft-com:vml" Requires="v">
-                <p:oleObj spid="_x0000_s4890" name="Equation" r:id="rId10" imgW="10058400" imgH="5791200" progId="Equation.DSMT4">
+                <p:oleObj spid="_x0000_s5034" name="Equation" r:id="rId10" imgW="10058400" imgH="5791200" progId="Equation.DSMT4">
                   <p:embed/>
                 </p:oleObj>
               </mc:Choice>
@@ -10835,7 +14511,7 @@
           <a:graphicData uri="http://schemas.openxmlformats.org/presentationml/2006/ole">
             <mc:AlternateContent xmlns:mc="http://schemas.openxmlformats.org/markup-compatibility/2006">
               <mc:Choice xmlns:v="urn:schemas-microsoft-com:vml" Requires="v">
-                <p:oleObj spid="_x0000_s4891" name="Equation" r:id="rId12" imgW="7010400" imgH="5791200" progId="Equation.DSMT4">
+                <p:oleObj spid="_x0000_s5035" name="Equation" r:id="rId12" imgW="7010400" imgH="5791200" progId="Equation.DSMT4">
                   <p:embed/>
                 </p:oleObj>
               </mc:Choice>
@@ -10886,7 +14562,7 @@
           <a:graphicData uri="http://schemas.openxmlformats.org/presentationml/2006/ole">
             <mc:AlternateContent xmlns:mc="http://schemas.openxmlformats.org/markup-compatibility/2006">
               <mc:Choice xmlns:v="urn:schemas-microsoft-com:vml" Requires="v">
-                <p:oleObj spid="_x0000_s4892" name="Equation" r:id="rId14" imgW="9144000" imgH="5791200" progId="Equation.DSMT4">
+                <p:oleObj spid="_x0000_s5036" name="Equation" r:id="rId14" imgW="9144000" imgH="5791200" progId="Equation.DSMT4">
                   <p:embed/>
                 </p:oleObj>
               </mc:Choice>
@@ -11113,7 +14789,7 @@
           <a:graphicData uri="http://schemas.openxmlformats.org/presentationml/2006/ole">
             <mc:AlternateContent xmlns:mc="http://schemas.openxmlformats.org/markup-compatibility/2006">
               <mc:Choice xmlns:v="urn:schemas-microsoft-com:vml" Requires="v">
-                <p:oleObj spid="_x0000_s4893" name="Equation" r:id="rId16" imgW="16764000" imgH="5791200" progId="Equation.DSMT4">
+                <p:oleObj spid="_x0000_s5037" name="Equation" r:id="rId16" imgW="16764000" imgH="5791200" progId="Equation.DSMT4">
                   <p:embed/>
                 </p:oleObj>
               </mc:Choice>
@@ -11164,7 +14840,7 @@
           <a:graphicData uri="http://schemas.openxmlformats.org/presentationml/2006/ole">
             <mc:AlternateContent xmlns:mc="http://schemas.openxmlformats.org/markup-compatibility/2006">
               <mc:Choice xmlns:v="urn:schemas-microsoft-com:vml" Requires="v">
-                <p:oleObj spid="_x0000_s4894" name="Equation" r:id="rId18" imgW="238125" imgH="199390" progId="Equation.DSMT4">
+                <p:oleObj spid="_x0000_s5038" name="Equation" r:id="rId18" imgW="238125" imgH="199390" progId="Equation.DSMT4">
                   <p:embed/>
                 </p:oleObj>
               </mc:Choice>
@@ -11215,7 +14891,7 @@
           <a:graphicData uri="http://schemas.openxmlformats.org/presentationml/2006/ole">
             <mc:AlternateContent xmlns:mc="http://schemas.openxmlformats.org/markup-compatibility/2006">
               <mc:Choice xmlns:v="urn:schemas-microsoft-com:vml" Requires="v">
-                <p:oleObj spid="_x0000_s4895" name="Equation" r:id="rId20" imgW="16154400" imgH="5791200" progId="Equation.DSMT4">
+                <p:oleObj spid="_x0000_s5039" name="Equation" r:id="rId20" imgW="16154400" imgH="5791200" progId="Equation.DSMT4">
                   <p:embed/>
                 </p:oleObj>
               </mc:Choice>
@@ -11338,7 +15014,7 @@
           <a:graphicData uri="http://schemas.openxmlformats.org/presentationml/2006/ole">
             <mc:AlternateContent xmlns:mc="http://schemas.openxmlformats.org/markup-compatibility/2006">
               <mc:Choice xmlns:v="urn:schemas-microsoft-com:vml" Requires="v">
-                <p:oleObj spid="_x0000_s4896" name="Equation" r:id="rId22" imgW="5791200" imgH="4876800" progId="Equation.DSMT4">
+                <p:oleObj spid="_x0000_s5040" name="Equation" r:id="rId22" imgW="5791200" imgH="4876800" progId="Equation.DSMT4">
                   <p:embed/>
                 </p:oleObj>
               </mc:Choice>
@@ -11389,7 +15065,7 @@
           <a:graphicData uri="http://schemas.openxmlformats.org/presentationml/2006/ole">
             <mc:AlternateContent xmlns:mc="http://schemas.openxmlformats.org/markup-compatibility/2006">
               <mc:Choice xmlns:v="urn:schemas-microsoft-com:vml" Requires="v">
-                <p:oleObj spid="_x0000_s4897" name="Equation" r:id="rId24" imgW="5486400" imgH="4572000" progId="Equation.DSMT4">
+                <p:oleObj spid="_x0000_s5041" name="Equation" r:id="rId24" imgW="5486400" imgH="4572000" progId="Equation.DSMT4">
                   <p:embed/>
                 </p:oleObj>
               </mc:Choice>
@@ -11491,7 +15167,7 @@
           <a:graphicData uri="http://schemas.openxmlformats.org/presentationml/2006/ole">
             <mc:AlternateContent xmlns:mc="http://schemas.openxmlformats.org/markup-compatibility/2006">
               <mc:Choice xmlns:v="urn:schemas-microsoft-com:vml" Requires="v">
-                <p:oleObj spid="_x0000_s4898" name="Equation" r:id="rId26" imgW="10058400" imgH="5486400" progId="Equation.DSMT4">
+                <p:oleObj spid="_x0000_s5042" name="Equation" r:id="rId26" imgW="10058400" imgH="5486400" progId="Equation.DSMT4">
                   <p:embed/>
                 </p:oleObj>
               </mc:Choice>
@@ -11579,7 +15255,7 @@
           <a:graphicData uri="http://schemas.openxmlformats.org/presentationml/2006/ole">
             <mc:AlternateContent xmlns:mc="http://schemas.openxmlformats.org/markup-compatibility/2006">
               <mc:Choice xmlns:v="urn:schemas-microsoft-com:vml" Requires="v">
-                <p:oleObj spid="_x0000_s4899" name="Equation" r:id="rId28" imgW="16764000" imgH="5486400" progId="Equation.DSMT4">
+                <p:oleObj spid="_x0000_s5043" name="Equation" r:id="rId28" imgW="16764000" imgH="5486400" progId="Equation.DSMT4">
                   <p:embed/>
                 </p:oleObj>
               </mc:Choice>
@@ -11665,7 +15341,7 @@
           <a:graphicData uri="http://schemas.openxmlformats.org/presentationml/2006/ole">
             <mc:AlternateContent xmlns:mc="http://schemas.openxmlformats.org/markup-compatibility/2006">
               <mc:Choice xmlns:v="urn:schemas-microsoft-com:vml" Requires="v">
-                <p:oleObj spid="_x0000_s4900" name="Equation" r:id="rId30" imgW="270510" imgH="219075" progId="Equation.DSMT4">
+                <p:oleObj spid="_x0000_s5044" name="Equation" r:id="rId30" imgW="270510" imgH="219075" progId="Equation.DSMT4">
                   <p:embed/>
                 </p:oleObj>
               </mc:Choice>
@@ -11822,7 +15498,7 @@
           <a:graphicData uri="http://schemas.openxmlformats.org/presentationml/2006/ole">
             <mc:AlternateContent xmlns:mc="http://schemas.openxmlformats.org/markup-compatibility/2006">
               <mc:Choice xmlns:v="urn:schemas-microsoft-com:vml" Requires="v">
-                <p:oleObj spid="_x0000_s4901" name="Equation" r:id="rId32" imgW="560070" imgH="199390" progId="Equation.DSMT4">
+                <p:oleObj spid="_x0000_s5045" name="Equation" r:id="rId32" imgW="560070" imgH="199390" progId="Equation.DSMT4">
                   <p:embed/>
                 </p:oleObj>
               </mc:Choice>
@@ -11931,7 +15607,7 @@
           <a:graphicData uri="http://schemas.openxmlformats.org/presentationml/2006/ole">
             <mc:AlternateContent xmlns:mc="http://schemas.openxmlformats.org/markup-compatibility/2006">
               <mc:Choice xmlns:v="urn:schemas-microsoft-com:vml" Requires="v">
-                <p:oleObj spid="_x0000_s4902" name="Equation" r:id="rId34" imgW="7010400" imgH="4876800" progId="Equation.DSMT4">
+                <p:oleObj spid="_x0000_s5046" name="Equation" r:id="rId34" imgW="7010400" imgH="4876800" progId="Equation.DSMT4">
                   <p:embed/>
                 </p:oleObj>
               </mc:Choice>
@@ -12113,7 +15789,7 @@
           <a:graphicData uri="http://schemas.openxmlformats.org/presentationml/2006/ole">
             <mc:AlternateContent xmlns:mc="http://schemas.openxmlformats.org/markup-compatibility/2006">
               <mc:Choice xmlns:v="urn:schemas-microsoft-com:vml" Requires="v">
-                <p:oleObj spid="_x0000_s4903" name="Equation" r:id="rId36" imgW="7010400" imgH="4876800" progId="Equation.DSMT4">
+                <p:oleObj spid="_x0000_s5047" name="Equation" r:id="rId36" imgW="7010400" imgH="4876800" progId="Equation.DSMT4">
                   <p:embed/>
                 </p:oleObj>
               </mc:Choice>
@@ -12329,7 +16005,7 @@
           <a:graphicData uri="http://schemas.openxmlformats.org/presentationml/2006/ole">
             <mc:AlternateContent xmlns:mc="http://schemas.openxmlformats.org/markup-compatibility/2006">
               <mc:Choice xmlns:v="urn:schemas-microsoft-com:vml" Requires="v">
-                <p:oleObj spid="_x0000_s4904" name="Equation" r:id="rId37" imgW="7010400" imgH="4876800" progId="Equation.DSMT4">
+                <p:oleObj spid="_x0000_s5048" name="Equation" r:id="rId37" imgW="7010400" imgH="4876800" progId="Equation.DSMT4">
                   <p:embed/>
                 </p:oleObj>
               </mc:Choice>
@@ -13226,7 +16902,7 @@
           <a:graphicData uri="http://schemas.openxmlformats.org/presentationml/2006/ole">
             <mc:AlternateContent xmlns:mc="http://schemas.openxmlformats.org/markup-compatibility/2006">
               <mc:Choice xmlns:v="urn:schemas-microsoft-com:vml" Requires="v">
-                <p:oleObj spid="_x0000_s7511" name="Equation" r:id="rId4" imgW="5791200" imgH="4876800" progId="Equation.DSMT4">
+                <p:oleObj spid="_x0000_s7663" name="Equation" r:id="rId4" imgW="5791200" imgH="4876800" progId="Equation.DSMT4">
                   <p:embed/>
                 </p:oleObj>
               </mc:Choice>
@@ -13277,7 +16953,7 @@
           <a:graphicData uri="http://schemas.openxmlformats.org/presentationml/2006/ole">
             <mc:AlternateContent xmlns:mc="http://schemas.openxmlformats.org/markup-compatibility/2006">
               <mc:Choice xmlns:v="urn:schemas-microsoft-com:vml" Requires="v">
-                <p:oleObj spid="_x0000_s7512" name="Equation" r:id="rId6" imgW="5486400" imgH="4572000" progId="Equation.DSMT4">
+                <p:oleObj spid="_x0000_s7664" name="Equation" r:id="rId6" imgW="5486400" imgH="4572000" progId="Equation.DSMT4">
                   <p:embed/>
                 </p:oleObj>
               </mc:Choice>
@@ -13400,7 +17076,7 @@
           <a:graphicData uri="http://schemas.openxmlformats.org/presentationml/2006/ole">
             <mc:AlternateContent xmlns:mc="http://schemas.openxmlformats.org/markup-compatibility/2006">
               <mc:Choice xmlns:v="urn:schemas-microsoft-com:vml" Requires="v">
-                <p:oleObj spid="_x0000_s7513" name="Equation" r:id="rId8" imgW="7010400" imgH="5791200" progId="Equation.DSMT4">
+                <p:oleObj spid="_x0000_s7665" name="Equation" r:id="rId8" imgW="7010400" imgH="5791200" progId="Equation.DSMT4">
                   <p:embed/>
                 </p:oleObj>
               </mc:Choice>
@@ -13487,7 +17163,7 @@
           <a:graphicData uri="http://schemas.openxmlformats.org/presentationml/2006/ole">
             <mc:AlternateContent xmlns:mc="http://schemas.openxmlformats.org/markup-compatibility/2006">
               <mc:Choice xmlns:v="urn:schemas-microsoft-com:vml" Requires="v">
-                <p:oleObj spid="_x0000_s7514" name="Equation" r:id="rId10" imgW="10058400" imgH="5791200" progId="Equation.DSMT4">
+                <p:oleObj spid="_x0000_s7666" name="Equation" r:id="rId10" imgW="10058400" imgH="5791200" progId="Equation.DSMT4">
                   <p:embed/>
                 </p:oleObj>
               </mc:Choice>
@@ -13538,7 +17214,7 @@
           <a:graphicData uri="http://schemas.openxmlformats.org/presentationml/2006/ole">
             <mc:AlternateContent xmlns:mc="http://schemas.openxmlformats.org/markup-compatibility/2006">
               <mc:Choice xmlns:v="urn:schemas-microsoft-com:vml" Requires="v">
-                <p:oleObj spid="_x0000_s7515" name="Equation" r:id="rId12" imgW="7010400" imgH="5791200" progId="Equation.DSMT4">
+                <p:oleObj spid="_x0000_s7667" name="Equation" r:id="rId12" imgW="7010400" imgH="5791200" progId="Equation.DSMT4">
                   <p:embed/>
                 </p:oleObj>
               </mc:Choice>
@@ -13589,7 +17265,7 @@
           <a:graphicData uri="http://schemas.openxmlformats.org/presentationml/2006/ole">
             <mc:AlternateContent xmlns:mc="http://schemas.openxmlformats.org/markup-compatibility/2006">
               <mc:Choice xmlns:v="urn:schemas-microsoft-com:vml" Requires="v">
-                <p:oleObj spid="_x0000_s7516" name="Equation" r:id="rId14" imgW="9144000" imgH="5791200" progId="Equation.DSMT4">
+                <p:oleObj spid="_x0000_s7668" name="Equation" r:id="rId14" imgW="9144000" imgH="5791200" progId="Equation.DSMT4">
                   <p:embed/>
                 </p:oleObj>
               </mc:Choice>
@@ -13814,7 +17490,7 @@
           <a:graphicData uri="http://schemas.openxmlformats.org/presentationml/2006/ole">
             <mc:AlternateContent xmlns:mc="http://schemas.openxmlformats.org/markup-compatibility/2006">
               <mc:Choice xmlns:v="urn:schemas-microsoft-com:vml" Requires="v">
-                <p:oleObj spid="_x0000_s7517" name="Equation" r:id="rId17" imgW="16764000" imgH="5791200" progId="Equation.DSMT4">
+                <p:oleObj spid="_x0000_s7669" name="Equation" r:id="rId17" imgW="16764000" imgH="5791200" progId="Equation.DSMT4">
                   <p:embed/>
                 </p:oleObj>
               </mc:Choice>
@@ -13865,7 +17541,7 @@
           <a:graphicData uri="http://schemas.openxmlformats.org/presentationml/2006/ole">
             <mc:AlternateContent xmlns:mc="http://schemas.openxmlformats.org/markup-compatibility/2006">
               <mc:Choice xmlns:v="urn:schemas-microsoft-com:vml" Requires="v">
-                <p:oleObj spid="_x0000_s7518" name="Equation" r:id="rId19" imgW="238125" imgH="199390" progId="Equation.DSMT4">
+                <p:oleObj spid="_x0000_s7670" name="Equation" r:id="rId19" imgW="238125" imgH="199390" progId="Equation.DSMT4">
                   <p:embed/>
                 </p:oleObj>
               </mc:Choice>
@@ -13916,7 +17592,7 @@
           <a:graphicData uri="http://schemas.openxmlformats.org/presentationml/2006/ole">
             <mc:AlternateContent xmlns:mc="http://schemas.openxmlformats.org/markup-compatibility/2006">
               <mc:Choice xmlns:v="urn:schemas-microsoft-com:vml" Requires="v">
-                <p:oleObj spid="_x0000_s7519" name="Equation" r:id="rId21" imgW="16154400" imgH="5791200" progId="Equation.DSMT4">
+                <p:oleObj spid="_x0000_s7671" name="Equation" r:id="rId21" imgW="16154400" imgH="5791200" progId="Equation.DSMT4">
                   <p:embed/>
                 </p:oleObj>
               </mc:Choice>
@@ -14039,7 +17715,7 @@
           <a:graphicData uri="http://schemas.openxmlformats.org/presentationml/2006/ole">
             <mc:AlternateContent xmlns:mc="http://schemas.openxmlformats.org/markup-compatibility/2006">
               <mc:Choice xmlns:v="urn:schemas-microsoft-com:vml" Requires="v">
-                <p:oleObj spid="_x0000_s7520" name="Equation" r:id="rId23" imgW="5791200" imgH="4876800" progId="Equation.DSMT4">
+                <p:oleObj spid="_x0000_s7672" name="Equation" r:id="rId23" imgW="5791200" imgH="4876800" progId="Equation.DSMT4">
                   <p:embed/>
                 </p:oleObj>
               </mc:Choice>
@@ -14090,7 +17766,7 @@
           <a:graphicData uri="http://schemas.openxmlformats.org/presentationml/2006/ole">
             <mc:AlternateContent xmlns:mc="http://schemas.openxmlformats.org/markup-compatibility/2006">
               <mc:Choice xmlns:v="urn:schemas-microsoft-com:vml" Requires="v">
-                <p:oleObj spid="_x0000_s7521" name="Equation" r:id="rId25" imgW="5486400" imgH="4572000" progId="Equation.DSMT4">
+                <p:oleObj spid="_x0000_s7673" name="Equation" r:id="rId25" imgW="5486400" imgH="4572000" progId="Equation.DSMT4">
                   <p:embed/>
                 </p:oleObj>
               </mc:Choice>
@@ -14192,7 +17868,7 @@
           <a:graphicData uri="http://schemas.openxmlformats.org/presentationml/2006/ole">
             <mc:AlternateContent xmlns:mc="http://schemas.openxmlformats.org/markup-compatibility/2006">
               <mc:Choice xmlns:v="urn:schemas-microsoft-com:vml" Requires="v">
-                <p:oleObj spid="_x0000_s7522" name="Equation" r:id="rId27" imgW="10058400" imgH="5486400" progId="Equation.DSMT4">
+                <p:oleObj spid="_x0000_s7674" name="Equation" r:id="rId27" imgW="10058400" imgH="5486400" progId="Equation.DSMT4">
                   <p:embed/>
                 </p:oleObj>
               </mc:Choice>
@@ -14280,7 +17956,7 @@
           <a:graphicData uri="http://schemas.openxmlformats.org/presentationml/2006/ole">
             <mc:AlternateContent xmlns:mc="http://schemas.openxmlformats.org/markup-compatibility/2006">
               <mc:Choice xmlns:v="urn:schemas-microsoft-com:vml" Requires="v">
-                <p:oleObj spid="_x0000_s7523" name="Equation" r:id="rId29" imgW="16764000" imgH="5486400" progId="Equation.DSMT4">
+                <p:oleObj spid="_x0000_s7675" name="Equation" r:id="rId29" imgW="16764000" imgH="5486400" progId="Equation.DSMT4">
                   <p:embed/>
                 </p:oleObj>
               </mc:Choice>
@@ -14366,7 +18042,7 @@
           <a:graphicData uri="http://schemas.openxmlformats.org/presentationml/2006/ole">
             <mc:AlternateContent xmlns:mc="http://schemas.openxmlformats.org/markup-compatibility/2006">
               <mc:Choice xmlns:v="urn:schemas-microsoft-com:vml" Requires="v">
-                <p:oleObj spid="_x0000_s7524" name="Equation" r:id="rId31" imgW="270510" imgH="219075" progId="Equation.DSMT4">
+                <p:oleObj spid="_x0000_s7676" name="Equation" r:id="rId31" imgW="270510" imgH="219075" progId="Equation.DSMT4">
                   <p:embed/>
                 </p:oleObj>
               </mc:Choice>
@@ -14523,7 +18199,7 @@
           <a:graphicData uri="http://schemas.openxmlformats.org/presentationml/2006/ole">
             <mc:AlternateContent xmlns:mc="http://schemas.openxmlformats.org/markup-compatibility/2006">
               <mc:Choice xmlns:v="urn:schemas-microsoft-com:vml" Requires="v">
-                <p:oleObj spid="_x0000_s7525" name="Equation" r:id="rId33" imgW="560070" imgH="199390" progId="Equation.DSMT4">
+                <p:oleObj spid="_x0000_s7677" name="Equation" r:id="rId33" imgW="560070" imgH="199390" progId="Equation.DSMT4">
                   <p:embed/>
                 </p:oleObj>
               </mc:Choice>
@@ -14632,7 +18308,7 @@
           <a:graphicData uri="http://schemas.openxmlformats.org/presentationml/2006/ole">
             <mc:AlternateContent xmlns:mc="http://schemas.openxmlformats.org/markup-compatibility/2006">
               <mc:Choice xmlns:v="urn:schemas-microsoft-com:vml" Requires="v">
-                <p:oleObj spid="_x0000_s7526" name="Equation" r:id="rId35" imgW="7010400" imgH="4876800" progId="Equation.DSMT4">
+                <p:oleObj spid="_x0000_s7678" name="Equation" r:id="rId35" imgW="7010400" imgH="4876800" progId="Equation.DSMT4">
                   <p:embed/>
                 </p:oleObj>
               </mc:Choice>
@@ -14814,7 +18490,7 @@
           <a:graphicData uri="http://schemas.openxmlformats.org/presentationml/2006/ole">
             <mc:AlternateContent xmlns:mc="http://schemas.openxmlformats.org/markup-compatibility/2006">
               <mc:Choice xmlns:v="urn:schemas-microsoft-com:vml" Requires="v">
-                <p:oleObj spid="_x0000_s7527" name="Equation" r:id="rId37" imgW="7010400" imgH="4876800" progId="Equation.DSMT4">
+                <p:oleObj spid="_x0000_s7679" name="Equation" r:id="rId37" imgW="7010400" imgH="4876800" progId="Equation.DSMT4">
                   <p:embed/>
                 </p:oleObj>
               </mc:Choice>
@@ -15030,7 +18706,7 @@
           <a:graphicData uri="http://schemas.openxmlformats.org/presentationml/2006/ole">
             <mc:AlternateContent xmlns:mc="http://schemas.openxmlformats.org/markup-compatibility/2006">
               <mc:Choice xmlns:v="urn:schemas-microsoft-com:vml" Requires="v">
-                <p:oleObj spid="_x0000_s7528" name="Equation" r:id="rId38" imgW="7010400" imgH="4876800" progId="Equation.DSMT4">
+                <p:oleObj spid="_x0000_s7680" name="Equation" r:id="rId38" imgW="7010400" imgH="4876800" progId="Equation.DSMT4">
                   <p:embed/>
                 </p:oleObj>
               </mc:Choice>
@@ -15334,7 +19010,7 @@
           <a:graphicData uri="http://schemas.openxmlformats.org/presentationml/2006/ole">
             <mc:AlternateContent xmlns:mc="http://schemas.openxmlformats.org/markup-compatibility/2006">
               <mc:Choice xmlns:v="urn:schemas-microsoft-com:vml" Requires="v">
-                <p:oleObj spid="_x0000_s7529" name="Equation" r:id="rId39" imgW="7010400" imgH="4876800" progId="Equation.DSMT4">
+                <p:oleObj spid="_x0000_s7681" name="Equation" r:id="rId39" imgW="7010400" imgH="4876800" progId="Equation.DSMT4">
                   <p:embed/>
                 </p:oleObj>
               </mc:Choice>
@@ -15907,7 +19583,7 @@
           <a:graphicData uri="http://schemas.openxmlformats.org/presentationml/2006/ole">
             <mc:AlternateContent xmlns:mc="http://schemas.openxmlformats.org/markup-compatibility/2006">
               <mc:Choice xmlns:v="urn:schemas-microsoft-com:vml" Requires="v">
-                <p:oleObj spid="_x0000_s8488" name="Equation" r:id="rId3" imgW="5791200" imgH="4876800" progId="Equation.DSMT4">
+                <p:oleObj spid="_x0000_s8624" name="Equation" r:id="rId3" imgW="5791200" imgH="4876800" progId="Equation.DSMT4">
                   <p:embed/>
                 </p:oleObj>
               </mc:Choice>
@@ -15964,7 +19640,7 @@
           <a:graphicData uri="http://schemas.openxmlformats.org/presentationml/2006/ole">
             <mc:AlternateContent xmlns:mc="http://schemas.openxmlformats.org/markup-compatibility/2006">
               <mc:Choice xmlns:v="urn:schemas-microsoft-com:vml" Requires="v">
-                <p:oleObj spid="_x0000_s8489" name="Equation" r:id="rId5" imgW="5486400" imgH="4572000" progId="Equation.DSMT4">
+                <p:oleObj spid="_x0000_s8625" name="Equation" r:id="rId5" imgW="5486400" imgH="4572000" progId="Equation.DSMT4">
                   <p:embed/>
                 </p:oleObj>
               </mc:Choice>
@@ -16071,7 +19747,7 @@
           <a:graphicData uri="http://schemas.openxmlformats.org/presentationml/2006/ole">
             <mc:AlternateContent xmlns:mc="http://schemas.openxmlformats.org/markup-compatibility/2006">
               <mc:Choice xmlns:v="urn:schemas-microsoft-com:vml" Requires="v">
-                <p:oleObj spid="_x0000_s8490" name="Equation" r:id="rId7" imgW="14325600" imgH="4876800" progId="Equation.DSMT4">
+                <p:oleObj spid="_x0000_s8626" name="Equation" r:id="rId7" imgW="14325600" imgH="4876800" progId="Equation.DSMT4">
                   <p:embed/>
                 </p:oleObj>
               </mc:Choice>
@@ -16134,7 +19810,7 @@
           <a:graphicData uri="http://schemas.openxmlformats.org/presentationml/2006/ole">
             <mc:AlternateContent xmlns:mc="http://schemas.openxmlformats.org/markup-compatibility/2006">
               <mc:Choice xmlns:v="urn:schemas-microsoft-com:vml" Requires="v">
-                <p:oleObj spid="_x0000_s8491" name="Equation" r:id="rId9" imgW="7010400" imgH="5791200" progId="Equation.DSMT4">
+                <p:oleObj spid="_x0000_s8627" name="Equation" r:id="rId9" imgW="7010400" imgH="5791200" progId="Equation.DSMT4">
                   <p:embed/>
                 </p:oleObj>
               </mc:Choice>
@@ -16191,7 +19867,7 @@
           <a:graphicData uri="http://schemas.openxmlformats.org/presentationml/2006/ole">
             <mc:AlternateContent xmlns:mc="http://schemas.openxmlformats.org/markup-compatibility/2006">
               <mc:Choice xmlns:v="urn:schemas-microsoft-com:vml" Requires="v">
-                <p:oleObj spid="_x0000_s8492" name="Equation" r:id="rId11" imgW="7010400" imgH="5791200" progId="Equation.DSMT4">
+                <p:oleObj spid="_x0000_s8628" name="Equation" r:id="rId11" imgW="7010400" imgH="5791200" progId="Equation.DSMT4">
                   <p:embed/>
                 </p:oleObj>
               </mc:Choice>
@@ -16299,7 +19975,7 @@
           <a:graphicData uri="http://schemas.openxmlformats.org/presentationml/2006/ole">
             <mc:AlternateContent xmlns:mc="http://schemas.openxmlformats.org/markup-compatibility/2006">
               <mc:Choice xmlns:v="urn:schemas-microsoft-com:vml" Requires="v">
-                <p:oleObj spid="_x0000_s8493" name="Equation" r:id="rId13" imgW="5181600" imgH="6096000" progId="Equation.DSMT4">
+                <p:oleObj spid="_x0000_s8629" name="Equation" r:id="rId13" imgW="5181600" imgH="6096000" progId="Equation.DSMT4">
                   <p:embed/>
                 </p:oleObj>
               </mc:Choice>
@@ -16407,7 +20083,7 @@
           <a:graphicData uri="http://schemas.openxmlformats.org/presentationml/2006/ole">
             <mc:AlternateContent xmlns:mc="http://schemas.openxmlformats.org/markup-compatibility/2006">
               <mc:Choice xmlns:v="urn:schemas-microsoft-com:vml" Requires="v">
-                <p:oleObj spid="_x0000_s8494" name="Equation" r:id="rId15" imgW="7315200" imgH="5791200" progId="Equation.DSMT4">
+                <p:oleObj spid="_x0000_s8630" name="Equation" r:id="rId15" imgW="7315200" imgH="5791200" progId="Equation.DSMT4">
                   <p:embed/>
                 </p:oleObj>
               </mc:Choice>
@@ -16641,7 +20317,7 @@
           <a:graphicData uri="http://schemas.openxmlformats.org/presentationml/2006/ole">
             <mc:AlternateContent xmlns:mc="http://schemas.openxmlformats.org/markup-compatibility/2006">
               <mc:Choice xmlns:v="urn:schemas-microsoft-com:vml" Requires="v">
-                <p:oleObj spid="_x0000_s8495" name="Equation" r:id="rId17" imgW="152280" imgH="139680" progId="Equation.DSMT4">
+                <p:oleObj spid="_x0000_s8631" name="Equation" r:id="rId17" imgW="152280" imgH="139680" progId="Equation.DSMT4">
                   <p:embed/>
                 </p:oleObj>
               </mc:Choice>
@@ -16704,7 +20380,7 @@
           <a:graphicData uri="http://schemas.openxmlformats.org/presentationml/2006/ole">
             <mc:AlternateContent xmlns:mc="http://schemas.openxmlformats.org/markup-compatibility/2006">
               <mc:Choice xmlns:v="urn:schemas-microsoft-com:vml" Requires="v">
-                <p:oleObj spid="_x0000_s8496" name="Equation" r:id="rId19" imgW="12801600" imgH="6096000" progId="Equation.DSMT4">
+                <p:oleObj spid="_x0000_s8632" name="Equation" r:id="rId19" imgW="12801600" imgH="6096000" progId="Equation.DSMT4">
                   <p:embed/>
                 </p:oleObj>
               </mc:Choice>
@@ -16824,7 +20500,7 @@
           <a:graphicData uri="http://schemas.openxmlformats.org/presentationml/2006/ole">
             <mc:AlternateContent xmlns:mc="http://schemas.openxmlformats.org/markup-compatibility/2006">
               <mc:Choice xmlns:v="urn:schemas-microsoft-com:vml" Requires="v">
-                <p:oleObj spid="_x0000_s8497" name="Equation" r:id="rId21" imgW="5791200" imgH="4572000" progId="Equation.DSMT4">
+                <p:oleObj spid="_x0000_s8633" name="Equation" r:id="rId21" imgW="5791200" imgH="4572000" progId="Equation.DSMT4">
                   <p:embed/>
                 </p:oleObj>
               </mc:Choice>
@@ -17082,7 +20758,7 @@
           <a:graphicData uri="http://schemas.openxmlformats.org/presentationml/2006/ole">
             <mc:AlternateContent xmlns:mc="http://schemas.openxmlformats.org/markup-compatibility/2006">
               <mc:Choice xmlns:v="urn:schemas-microsoft-com:vml" Requires="v">
-                <p:oleObj spid="_x0000_s8498" name="Equation" r:id="rId23" imgW="5181600" imgH="5486400" progId="Equation.DSMT4">
+                <p:oleObj spid="_x0000_s8634" name="Equation" r:id="rId23" imgW="5181600" imgH="5486400" progId="Equation.DSMT4">
                   <p:embed/>
                 </p:oleObj>
               </mc:Choice>
@@ -17145,7 +20821,7 @@
           <a:graphicData uri="http://schemas.openxmlformats.org/presentationml/2006/ole">
             <mc:AlternateContent xmlns:mc="http://schemas.openxmlformats.org/markup-compatibility/2006">
               <mc:Choice xmlns:v="urn:schemas-microsoft-com:vml" Requires="v">
-                <p:oleObj spid="_x0000_s8499" name="Equation" r:id="rId25" imgW="152280" imgH="139680" progId="Equation.DSMT4">
+                <p:oleObj spid="_x0000_s8635" name="Equation" r:id="rId25" imgW="152280" imgH="139680" progId="Equation.DSMT4">
                   <p:embed/>
                 </p:oleObj>
               </mc:Choice>
@@ -17250,7 +20926,7 @@
           <a:graphicData uri="http://schemas.openxmlformats.org/presentationml/2006/ole">
             <mc:AlternateContent xmlns:mc="http://schemas.openxmlformats.org/markup-compatibility/2006">
               <mc:Choice xmlns:v="urn:schemas-microsoft-com:vml" Requires="v">
-                <p:oleObj spid="_x0000_s8500" name="Equation" r:id="rId27" imgW="558720" imgH="279360" progId="Equation.DSMT4">
+                <p:oleObj spid="_x0000_s8636" name="Equation" r:id="rId27" imgW="558720" imgH="279360" progId="Equation.DSMT4">
                   <p:embed/>
                 </p:oleObj>
               </mc:Choice>
@@ -17313,7 +20989,7 @@
           <a:graphicData uri="http://schemas.openxmlformats.org/presentationml/2006/ole">
             <mc:AlternateContent xmlns:mc="http://schemas.openxmlformats.org/markup-compatibility/2006">
               <mc:Choice xmlns:v="urn:schemas-microsoft-com:vml" Requires="v">
-                <p:oleObj spid="_x0000_s8501" name="Equation" r:id="rId29" imgW="558720" imgH="279360" progId="Equation.DSMT4">
+                <p:oleObj spid="_x0000_s8637" name="Equation" r:id="rId29" imgW="558720" imgH="279360" progId="Equation.DSMT4">
                   <p:embed/>
                 </p:oleObj>
               </mc:Choice>
@@ -17419,7 +21095,7 @@
           <a:graphicData uri="http://schemas.openxmlformats.org/presentationml/2006/ole">
             <mc:AlternateContent xmlns:mc="http://schemas.openxmlformats.org/markup-compatibility/2006">
               <mc:Choice xmlns:v="urn:schemas-microsoft-com:vml" Requires="v">
-                <p:oleObj spid="_x0000_s8502" name="Equation" r:id="rId31" imgW="253800" imgH="253800" progId="Equation.DSMT4">
+                <p:oleObj spid="_x0000_s8638" name="Equation" r:id="rId31" imgW="253800" imgH="253800" progId="Equation.DSMT4">
                   <p:embed/>
                 </p:oleObj>
               </mc:Choice>
@@ -17482,7 +21158,7 @@
           <a:graphicData uri="http://schemas.openxmlformats.org/presentationml/2006/ole">
             <mc:AlternateContent xmlns:mc="http://schemas.openxmlformats.org/markup-compatibility/2006">
               <mc:Choice xmlns:v="urn:schemas-microsoft-com:vml" Requires="v">
-                <p:oleObj spid="_x0000_s8503" name="Equation" r:id="rId33" imgW="253800" imgH="253800" progId="Equation.DSMT4">
+                <p:oleObj spid="_x0000_s8639" name="Equation" r:id="rId33" imgW="253800" imgH="253800" progId="Equation.DSMT4">
                   <p:embed/>
                 </p:oleObj>
               </mc:Choice>
@@ -18090,7 +21766,7 @@
           <a:graphicData uri="http://schemas.openxmlformats.org/presentationml/2006/ole">
             <mc:AlternateContent xmlns:mc="http://schemas.openxmlformats.org/markup-compatibility/2006">
               <mc:Choice xmlns:v="urn:schemas-microsoft-com:vml" Requires="v">
-                <p:oleObj spid="_x0000_s8504" name="Equation" r:id="rId36" imgW="215640" imgH="241200" progId="Equation.DSMT4">
+                <p:oleObj spid="_x0000_s8640" name="Equation" r:id="rId36" imgW="215640" imgH="241200" progId="Equation.DSMT4">
                   <p:embed/>
                 </p:oleObj>
               </mc:Choice>
@@ -18535,7 +22211,7 @@
           <a:graphicData uri="http://schemas.openxmlformats.org/presentationml/2006/ole">
             <mc:AlternateContent xmlns:mc="http://schemas.openxmlformats.org/markup-compatibility/2006">
               <mc:Choice xmlns:v="urn:schemas-microsoft-com:vml" Requires="v">
-                <p:oleObj spid="_x0000_s9327" name="Equation" r:id="rId3" imgW="279360" imgH="190440" progId="Equation.DSMT4">
+                <p:oleObj spid="_x0000_s9463" name="Equation" r:id="rId3" imgW="279360" imgH="190440" progId="Equation.DSMT4">
                   <p:embed/>
                 </p:oleObj>
               </mc:Choice>
@@ -18653,7 +22329,7 @@
           <a:graphicData uri="http://schemas.openxmlformats.org/presentationml/2006/ole">
             <mc:AlternateContent xmlns:mc="http://schemas.openxmlformats.org/markup-compatibility/2006">
               <mc:Choice xmlns:v="urn:schemas-microsoft-com:vml" Requires="v">
-                <p:oleObj spid="_x0000_s9328" name="Equation" r:id="rId5" imgW="152280" imgH="164880" progId="Equation.DSMT4">
+                <p:oleObj spid="_x0000_s9464" name="Equation" r:id="rId5" imgW="152280" imgH="164880" progId="Equation.DSMT4">
                   <p:embed/>
                 </p:oleObj>
               </mc:Choice>
@@ -18832,7 +22508,7 @@
           <a:graphicData uri="http://schemas.openxmlformats.org/presentationml/2006/ole">
             <mc:AlternateContent xmlns:mc="http://schemas.openxmlformats.org/markup-compatibility/2006">
               <mc:Choice xmlns:v="urn:schemas-microsoft-com:vml" Requires="v">
-                <p:oleObj spid="_x0000_s9329" name="Equation" r:id="rId7" imgW="152280" imgH="190440" progId="Equation.DSMT4">
+                <p:oleObj spid="_x0000_s9465" name="Equation" r:id="rId7" imgW="152280" imgH="190440" progId="Equation.DSMT4">
                   <p:embed/>
                 </p:oleObj>
               </mc:Choice>
@@ -18901,7 +22577,7 @@
           <a:graphicData uri="http://schemas.openxmlformats.org/presentationml/2006/ole">
             <mc:AlternateContent xmlns:mc="http://schemas.openxmlformats.org/markup-compatibility/2006">
               <mc:Choice xmlns:v="urn:schemas-microsoft-com:vml" Requires="v">
-                <p:oleObj spid="_x0000_s9330" name="Equation" r:id="rId9" imgW="266400" imgH="241200" progId="Equation.DSMT4">
+                <p:oleObj spid="_x0000_s9466" name="Equation" r:id="rId9" imgW="266400" imgH="241200" progId="Equation.DSMT4">
                   <p:embed/>
                 </p:oleObj>
               </mc:Choice>
@@ -18964,7 +22640,7 @@
           <a:graphicData uri="http://schemas.openxmlformats.org/presentationml/2006/ole">
             <mc:AlternateContent xmlns:mc="http://schemas.openxmlformats.org/markup-compatibility/2006">
               <mc:Choice xmlns:v="urn:schemas-microsoft-com:vml" Requires="v">
-                <p:oleObj spid="_x0000_s9331" name="Equation" r:id="rId11" imgW="330120" imgH="279360" progId="Equation.DSMT4">
+                <p:oleObj spid="_x0000_s9467" name="Equation" r:id="rId11" imgW="330120" imgH="279360" progId="Equation.DSMT4">
                   <p:embed/>
                 </p:oleObj>
               </mc:Choice>
@@ -20973,7 +24649,7 @@
           <a:graphicData uri="http://schemas.openxmlformats.org/presentationml/2006/ole">
             <mc:AlternateContent xmlns:mc="http://schemas.openxmlformats.org/markup-compatibility/2006">
               <mc:Choice xmlns:v="urn:schemas-microsoft-com:vml" Requires="v">
-                <p:oleObj spid="_x0000_s9332" name="Equation" r:id="rId13" imgW="203040" imgH="177480" progId="Equation.DSMT4">
+                <p:oleObj spid="_x0000_s9468" name="Equation" r:id="rId13" imgW="203040" imgH="177480" progId="Equation.DSMT4">
                   <p:embed/>
                 </p:oleObj>
               </mc:Choice>
@@ -21036,7 +24712,7 @@
           <a:graphicData uri="http://schemas.openxmlformats.org/presentationml/2006/ole">
             <mc:AlternateContent xmlns:mc="http://schemas.openxmlformats.org/markup-compatibility/2006">
               <mc:Choice xmlns:v="urn:schemas-microsoft-com:vml" Requires="v">
-                <p:oleObj spid="_x0000_s9333" name="Equation" r:id="rId15" imgW="139680" imgH="393480" progId="Equation.DSMT4">
+                <p:oleObj spid="_x0000_s9469" name="Equation" r:id="rId15" imgW="139680" imgH="393480" progId="Equation.DSMT4">
                   <p:embed/>
                 </p:oleObj>
               </mc:Choice>
@@ -21099,7 +24775,7 @@
           <a:graphicData uri="http://schemas.openxmlformats.org/presentationml/2006/ole">
             <mc:AlternateContent xmlns:mc="http://schemas.openxmlformats.org/markup-compatibility/2006">
               <mc:Choice xmlns:v="urn:schemas-microsoft-com:vml" Requires="v">
-                <p:oleObj spid="_x0000_s9334" name="Equation" r:id="rId17" imgW="126720" imgH="101520" progId="Equation.DSMT4">
+                <p:oleObj spid="_x0000_s9470" name="Equation" r:id="rId17" imgW="126720" imgH="101520" progId="Equation.DSMT4">
                   <p:embed/>
                 </p:oleObj>
               </mc:Choice>
@@ -21162,7 +24838,7 @@
           <a:graphicData uri="http://schemas.openxmlformats.org/presentationml/2006/ole">
             <mc:AlternateContent xmlns:mc="http://schemas.openxmlformats.org/markup-compatibility/2006">
               <mc:Choice xmlns:v="urn:schemas-microsoft-com:vml" Requires="v">
-                <p:oleObj spid="_x0000_s9335" name="Equation" r:id="rId19" imgW="279360" imgH="190440" progId="Equation.DSMT4">
+                <p:oleObj spid="_x0000_s9471" name="Equation" r:id="rId19" imgW="279360" imgH="190440" progId="Equation.DSMT4">
                   <p:embed/>
                 </p:oleObj>
               </mc:Choice>
@@ -21231,7 +24907,7 @@
           <a:graphicData uri="http://schemas.openxmlformats.org/presentationml/2006/ole">
             <mc:AlternateContent xmlns:mc="http://schemas.openxmlformats.org/markup-compatibility/2006">
               <mc:Choice xmlns:v="urn:schemas-microsoft-com:vml" Requires="v">
-                <p:oleObj spid="_x0000_s9336" name="Equation" r:id="rId21" imgW="114406" imgH="99264" progId="Equation.DSMT4">
+                <p:oleObj spid="_x0000_s9472" name="Equation" r:id="rId21" imgW="114406" imgH="99264" progId="Equation.DSMT4">
                   <p:embed/>
                 </p:oleObj>
               </mc:Choice>
@@ -21294,7 +24970,7 @@
           <a:graphicData uri="http://schemas.openxmlformats.org/presentationml/2006/ole">
             <mc:AlternateContent xmlns:mc="http://schemas.openxmlformats.org/markup-compatibility/2006">
               <mc:Choice xmlns:v="urn:schemas-microsoft-com:vml" Requires="v">
-                <p:oleObj spid="_x0000_s9337" name="Equation" r:id="rId23" imgW="241200" imgH="177480" progId="Equation.DSMT4">
+                <p:oleObj spid="_x0000_s9473" name="Equation" r:id="rId23" imgW="241200" imgH="177480" progId="Equation.DSMT4">
                   <p:embed/>
                 </p:oleObj>
               </mc:Choice>
@@ -21357,7 +25033,7 @@
           <a:graphicData uri="http://schemas.openxmlformats.org/presentationml/2006/ole">
             <mc:AlternateContent xmlns:mc="http://schemas.openxmlformats.org/markup-compatibility/2006">
               <mc:Choice xmlns:v="urn:schemas-microsoft-com:vml" Requires="v">
-                <p:oleObj spid="_x0000_s9338" name="Equation" r:id="rId25" imgW="253800" imgH="431640" progId="Equation.DSMT4">
+                <p:oleObj spid="_x0000_s9474" name="Equation" r:id="rId25" imgW="253800" imgH="431640" progId="Equation.DSMT4">
                   <p:embed/>
                 </p:oleObj>
               </mc:Choice>
@@ -21420,7 +25096,7 @@
           <a:graphicData uri="http://schemas.openxmlformats.org/presentationml/2006/ole">
             <mc:AlternateContent xmlns:mc="http://schemas.openxmlformats.org/markup-compatibility/2006">
               <mc:Choice xmlns:v="urn:schemas-microsoft-com:vml" Requires="v">
-                <p:oleObj spid="_x0000_s9339" name="Equation" r:id="rId27" imgW="431640" imgH="241200" progId="Equation.DSMT4">
+                <p:oleObj spid="_x0000_s9475" name="Equation" r:id="rId27" imgW="431640" imgH="241200" progId="Equation.DSMT4">
                   <p:embed/>
                 </p:oleObj>
               </mc:Choice>
@@ -21483,7 +25159,7 @@
           <a:graphicData uri="http://schemas.openxmlformats.org/presentationml/2006/ole">
             <mc:AlternateContent xmlns:mc="http://schemas.openxmlformats.org/markup-compatibility/2006">
               <mc:Choice xmlns:v="urn:schemas-microsoft-com:vml" Requires="v">
-                <p:oleObj spid="_x0000_s9340" name="Equation" r:id="rId29" imgW="698400" imgH="241200" progId="Equation.DSMT4">
+                <p:oleObj spid="_x0000_s9476" name="Equation" r:id="rId29" imgW="698400" imgH="241200" progId="Equation.DSMT4">
                   <p:embed/>
                 </p:oleObj>
               </mc:Choice>
@@ -21546,7 +25222,7 @@
           <a:graphicData uri="http://schemas.openxmlformats.org/presentationml/2006/ole">
             <mc:AlternateContent xmlns:mc="http://schemas.openxmlformats.org/markup-compatibility/2006">
               <mc:Choice xmlns:v="urn:schemas-microsoft-com:vml" Requires="v">
-                <p:oleObj spid="_x0000_s9341" name="Equation" r:id="rId31" imgW="330120" imgH="228600" progId="Equation.DSMT4">
+                <p:oleObj spid="_x0000_s9477" name="Equation" r:id="rId31" imgW="330120" imgH="228600" progId="Equation.DSMT4">
                   <p:embed/>
                 </p:oleObj>
               </mc:Choice>
@@ -21609,7 +25285,7 @@
           <a:graphicData uri="http://schemas.openxmlformats.org/presentationml/2006/ole">
             <mc:AlternateContent xmlns:mc="http://schemas.openxmlformats.org/markup-compatibility/2006">
               <mc:Choice xmlns:v="urn:schemas-microsoft-com:vml" Requires="v">
-                <p:oleObj spid="_x0000_s9342" name="Equation" r:id="rId33" imgW="241200" imgH="228600" progId="Equation.DSMT4">
+                <p:oleObj spid="_x0000_s9478" name="Equation" r:id="rId33" imgW="241200" imgH="228600" progId="Equation.DSMT4">
                   <p:embed/>
                 </p:oleObj>
               </mc:Choice>
@@ -21672,7 +25348,7 @@
           <a:graphicData uri="http://schemas.openxmlformats.org/presentationml/2006/ole">
             <mc:AlternateContent xmlns:mc="http://schemas.openxmlformats.org/markup-compatibility/2006">
               <mc:Choice xmlns:v="urn:schemas-microsoft-com:vml" Requires="v">
-                <p:oleObj spid="_x0000_s9343" name="Equation" r:id="rId35" imgW="266400" imgH="190440" progId="Equation.DSMT4">
+                <p:oleObj spid="_x0000_s9479" name="Equation" r:id="rId35" imgW="266400" imgH="190440" progId="Equation.DSMT4">
                   <p:embed/>
                 </p:oleObj>
               </mc:Choice>
@@ -22074,7 +25750,7 @@
           <a:graphicData uri="http://schemas.openxmlformats.org/presentationml/2006/ole">
             <mc:AlternateContent xmlns:mc="http://schemas.openxmlformats.org/markup-compatibility/2006">
               <mc:Choice xmlns:v="urn:schemas-microsoft-com:vml" Requires="v">
-                <p:oleObj spid="_x0000_s10302" name="Equation" r:id="rId3" imgW="279360" imgH="190440" progId="Equation.DSMT4">
+                <p:oleObj spid="_x0000_s10422" name="Equation" r:id="rId3" imgW="279360" imgH="190440" progId="Equation.DSMT4">
                   <p:embed/>
                 </p:oleObj>
               </mc:Choice>
@@ -22198,7 +25874,7 @@
           <a:graphicData uri="http://schemas.openxmlformats.org/presentationml/2006/ole">
             <mc:AlternateContent xmlns:mc="http://schemas.openxmlformats.org/markup-compatibility/2006">
               <mc:Choice xmlns:v="urn:schemas-microsoft-com:vml" Requires="v">
-                <p:oleObj spid="_x0000_s10303" name="Equation" r:id="rId5" imgW="152280" imgH="164880" progId="Equation.DSMT4">
+                <p:oleObj spid="_x0000_s10423" name="Equation" r:id="rId5" imgW="152280" imgH="164880" progId="Equation.DSMT4">
                   <p:embed/>
                 </p:oleObj>
               </mc:Choice>
@@ -22377,7 +26053,7 @@
           <a:graphicData uri="http://schemas.openxmlformats.org/presentationml/2006/ole">
             <mc:AlternateContent xmlns:mc="http://schemas.openxmlformats.org/markup-compatibility/2006">
               <mc:Choice xmlns:v="urn:schemas-microsoft-com:vml" Requires="v">
-                <p:oleObj spid="_x0000_s10304" name="Equation" r:id="rId7" imgW="152280" imgH="190440" progId="Equation.DSMT4">
+                <p:oleObj spid="_x0000_s10424" name="Equation" r:id="rId7" imgW="152280" imgH="190440" progId="Equation.DSMT4">
                   <p:embed/>
                 </p:oleObj>
               </mc:Choice>
@@ -22440,7 +26116,7 @@
           <a:graphicData uri="http://schemas.openxmlformats.org/presentationml/2006/ole">
             <mc:AlternateContent xmlns:mc="http://schemas.openxmlformats.org/markup-compatibility/2006">
               <mc:Choice xmlns:v="urn:schemas-microsoft-com:vml" Requires="v">
-                <p:oleObj spid="_x0000_s10305" name="Equation" r:id="rId9" imgW="266400" imgH="241200" progId="Equation.DSMT4">
+                <p:oleObj spid="_x0000_s10425" name="Equation" r:id="rId9" imgW="266400" imgH="241200" progId="Equation.DSMT4">
                   <p:embed/>
                 </p:oleObj>
               </mc:Choice>
@@ -22503,7 +26179,7 @@
           <a:graphicData uri="http://schemas.openxmlformats.org/presentationml/2006/ole">
             <mc:AlternateContent xmlns:mc="http://schemas.openxmlformats.org/markup-compatibility/2006">
               <mc:Choice xmlns:v="urn:schemas-microsoft-com:vml" Requires="v">
-                <p:oleObj spid="_x0000_s10306" name="Equation" r:id="rId11" imgW="330120" imgH="279360" progId="Equation.DSMT4">
+                <p:oleObj spid="_x0000_s10426" name="Equation" r:id="rId11" imgW="330120" imgH="279360" progId="Equation.DSMT4">
                   <p:embed/>
                 </p:oleObj>
               </mc:Choice>
@@ -24230,7 +27906,7 @@
           <a:graphicData uri="http://schemas.openxmlformats.org/presentationml/2006/ole">
             <mc:AlternateContent xmlns:mc="http://schemas.openxmlformats.org/markup-compatibility/2006">
               <mc:Choice xmlns:v="urn:schemas-microsoft-com:vml" Requires="v">
-                <p:oleObj spid="_x0000_s10307" name="Equation" r:id="rId13" imgW="203040" imgH="177480" progId="Equation.DSMT4">
+                <p:oleObj spid="_x0000_s10427" name="Equation" r:id="rId13" imgW="203040" imgH="177480" progId="Equation.DSMT4">
                   <p:embed/>
                 </p:oleObj>
               </mc:Choice>
@@ -24293,7 +27969,7 @@
           <a:graphicData uri="http://schemas.openxmlformats.org/presentationml/2006/ole">
             <mc:AlternateContent xmlns:mc="http://schemas.openxmlformats.org/markup-compatibility/2006">
               <mc:Choice xmlns:v="urn:schemas-microsoft-com:vml" Requires="v">
-                <p:oleObj spid="_x0000_s10308" name="Equation" r:id="rId15" imgW="139680" imgH="393480" progId="Equation.DSMT4">
+                <p:oleObj spid="_x0000_s10428" name="Equation" r:id="rId15" imgW="139680" imgH="393480" progId="Equation.DSMT4">
                   <p:embed/>
                 </p:oleObj>
               </mc:Choice>
@@ -24356,7 +28032,7 @@
           <a:graphicData uri="http://schemas.openxmlformats.org/presentationml/2006/ole">
             <mc:AlternateContent xmlns:mc="http://schemas.openxmlformats.org/markup-compatibility/2006">
               <mc:Choice xmlns:v="urn:schemas-microsoft-com:vml" Requires="v">
-                <p:oleObj spid="_x0000_s10309" name="Equation" r:id="rId17" imgW="126720" imgH="101520" progId="Equation.DSMT4">
+                <p:oleObj spid="_x0000_s10429" name="Equation" r:id="rId17" imgW="126720" imgH="101520" progId="Equation.DSMT4">
                   <p:embed/>
                 </p:oleObj>
               </mc:Choice>
@@ -24425,7 +28101,7 @@
           <a:graphicData uri="http://schemas.openxmlformats.org/presentationml/2006/ole">
             <mc:AlternateContent xmlns:mc="http://schemas.openxmlformats.org/markup-compatibility/2006">
               <mc:Choice xmlns:v="urn:schemas-microsoft-com:vml" Requires="v">
-                <p:oleObj spid="_x0000_s10310" name="Equation" r:id="rId19" imgW="279360" imgH="190440" progId="Equation.DSMT4">
+                <p:oleObj spid="_x0000_s10430" name="Equation" r:id="rId19" imgW="279360" imgH="190440" progId="Equation.DSMT4">
                   <p:embed/>
                 </p:oleObj>
               </mc:Choice>
@@ -24488,7 +28164,7 @@
           <a:graphicData uri="http://schemas.openxmlformats.org/presentationml/2006/ole">
             <mc:AlternateContent xmlns:mc="http://schemas.openxmlformats.org/markup-compatibility/2006">
               <mc:Choice xmlns:v="urn:schemas-microsoft-com:vml" Requires="v">
-                <p:oleObj spid="_x0000_s10311" name="Equation" r:id="rId21" imgW="114406" imgH="99264" progId="Equation.DSMT4">
+                <p:oleObj spid="_x0000_s10431" name="Equation" r:id="rId21" imgW="114406" imgH="99264" progId="Equation.DSMT4">
                   <p:embed/>
                 </p:oleObj>
               </mc:Choice>
@@ -24551,7 +28227,7 @@
           <a:graphicData uri="http://schemas.openxmlformats.org/presentationml/2006/ole">
             <mc:AlternateContent xmlns:mc="http://schemas.openxmlformats.org/markup-compatibility/2006">
               <mc:Choice xmlns:v="urn:schemas-microsoft-com:vml" Requires="v">
-                <p:oleObj spid="_x0000_s10312" name="Equation" r:id="rId23" imgW="241200" imgH="177480" progId="Equation.DSMT4">
+                <p:oleObj spid="_x0000_s10432" name="Equation" r:id="rId23" imgW="241200" imgH="177480" progId="Equation.DSMT4">
                   <p:embed/>
                 </p:oleObj>
               </mc:Choice>
@@ -24620,7 +28296,7 @@
           <a:graphicData uri="http://schemas.openxmlformats.org/presentationml/2006/ole">
             <mc:AlternateContent xmlns:mc="http://schemas.openxmlformats.org/markup-compatibility/2006">
               <mc:Choice xmlns:v="urn:schemas-microsoft-com:vml" Requires="v">
-                <p:oleObj spid="_x0000_s10313" name="Equation" r:id="rId25" imgW="203040" imgH="431640" progId="Equation.DSMT4">
+                <p:oleObj spid="_x0000_s10433" name="Equation" r:id="rId25" imgW="203040" imgH="431640" progId="Equation.DSMT4">
                   <p:embed/>
                 </p:oleObj>
               </mc:Choice>
@@ -24689,7 +28365,7 @@
           <a:graphicData uri="http://schemas.openxmlformats.org/presentationml/2006/ole">
             <mc:AlternateContent xmlns:mc="http://schemas.openxmlformats.org/markup-compatibility/2006">
               <mc:Choice xmlns:v="urn:schemas-microsoft-com:vml" Requires="v">
-                <p:oleObj spid="_x0000_s10314" name="Equation" r:id="rId27" imgW="368280" imgH="241200" progId="Equation.DSMT4">
+                <p:oleObj spid="_x0000_s10434" name="Equation" r:id="rId27" imgW="368280" imgH="241200" progId="Equation.DSMT4">
                   <p:embed/>
                 </p:oleObj>
               </mc:Choice>
@@ -24758,7 +28434,7 @@
           <a:graphicData uri="http://schemas.openxmlformats.org/presentationml/2006/ole">
             <mc:AlternateContent xmlns:mc="http://schemas.openxmlformats.org/markup-compatibility/2006">
               <mc:Choice xmlns:v="urn:schemas-microsoft-com:vml" Requires="v">
-                <p:oleObj spid="_x0000_s10315" name="Equation" r:id="rId29" imgW="203040" imgH="431640" progId="Equation.DSMT4">
+                <p:oleObj spid="_x0000_s10435" name="Equation" r:id="rId29" imgW="203040" imgH="431640" progId="Equation.DSMT4">
                   <p:embed/>
                 </p:oleObj>
               </mc:Choice>
@@ -24827,7 +28503,7 @@
           <a:graphicData uri="http://schemas.openxmlformats.org/presentationml/2006/ole">
             <mc:AlternateContent xmlns:mc="http://schemas.openxmlformats.org/markup-compatibility/2006">
               <mc:Choice xmlns:v="urn:schemas-microsoft-com:vml" Requires="v">
-                <p:oleObj spid="_x0000_s10316" name="Equation" r:id="rId31" imgW="253800" imgH="203040" progId="Equation.DSMT4">
+                <p:oleObj spid="_x0000_s10436" name="Equation" r:id="rId31" imgW="253800" imgH="203040" progId="Equation.DSMT4">
                   <p:embed/>
                 </p:oleObj>
               </mc:Choice>
@@ -25091,7 +28767,7 @@
         </p:nvSpPr>
         <p:spPr>
           <a:xfrm>
-            <a:off x="6120992" y="3847617"/>
+            <a:off x="7614512" y="3847617"/>
             <a:ext cx="797169" cy="398585"/>
           </a:xfrm>
           <a:prstGeom prst="rect">
@@ -25143,7 +28819,7 @@
         </p:nvSpPr>
         <p:spPr>
           <a:xfrm>
-            <a:off x="6120993" y="3143782"/>
+            <a:off x="7614513" y="3143782"/>
             <a:ext cx="797169" cy="398585"/>
           </a:xfrm>
           <a:prstGeom prst="rect">
@@ -25195,7 +28871,7 @@
         </p:nvSpPr>
         <p:spPr>
           <a:xfrm>
-            <a:off x="4477629" y="3143782"/>
+            <a:off x="5971149" y="3143782"/>
             <a:ext cx="797169" cy="398585"/>
           </a:xfrm>
           <a:prstGeom prst="rect">
@@ -25247,7 +28923,7 @@
         </p:nvSpPr>
         <p:spPr>
           <a:xfrm>
-            <a:off x="2839512" y="1941730"/>
+            <a:off x="4333032" y="1941730"/>
             <a:ext cx="797169" cy="398585"/>
           </a:xfrm>
           <a:prstGeom prst="rect">
@@ -25299,7 +28975,7 @@
         </p:nvSpPr>
         <p:spPr>
           <a:xfrm>
-            <a:off x="1178170" y="1672489"/>
+            <a:off x="2671690" y="1672489"/>
             <a:ext cx="797169" cy="398585"/>
           </a:xfrm>
           <a:prstGeom prst="rect">
@@ -25351,7 +29027,7 @@
         </p:nvSpPr>
         <p:spPr>
           <a:xfrm>
-            <a:off x="4477628" y="3847617"/>
+            <a:off x="5971148" y="3847617"/>
             <a:ext cx="797169" cy="398585"/>
           </a:xfrm>
           <a:prstGeom prst="rect">
@@ -25406,7 +29082,7 @@
         </p:nvCxnSpPr>
         <p:spPr>
           <a:xfrm>
-            <a:off x="5274798" y="3343075"/>
+            <a:off x="6768318" y="3343075"/>
             <a:ext cx="846195" cy="0"/>
           </a:xfrm>
           <a:prstGeom prst="straightConnector1">
@@ -25442,7 +29118,7 @@
         </p:nvCxnSpPr>
         <p:spPr>
           <a:xfrm rot="10800000">
-            <a:off x="1178170" y="1871782"/>
+            <a:off x="2671690" y="1871782"/>
             <a:ext cx="3299458" cy="2175128"/>
           </a:xfrm>
           <a:prstGeom prst="bentConnector3">
@@ -25477,7 +29153,7 @@
         </p:nvSpPr>
         <p:spPr>
           <a:xfrm>
-            <a:off x="4335780" y="3008433"/>
+            <a:off x="5829300" y="3008433"/>
             <a:ext cx="3520439" cy="1376481"/>
           </a:xfrm>
           <a:prstGeom prst="rect">
@@ -25522,20 +29198,20 @@
           <p:nvPr>
             <p:extLst>
               <p:ext uri="{D42A27DB-BD31-4B8C-83A1-F6EECF244321}">
-                <p14:modId xmlns:p14="http://schemas.microsoft.com/office/powerpoint/2010/main" val="848568806"/>
+                <p14:modId xmlns:p14="http://schemas.microsoft.com/office/powerpoint/2010/main" val="505680818"/>
               </p:ext>
             </p:extLst>
           </p:nvPr>
         </p:nvGraphicFramePr>
         <p:xfrm>
-          <a:off x="5901773" y="1654527"/>
+          <a:off x="7395293" y="1654527"/>
           <a:ext cx="732503" cy="206790"/>
         </p:xfrm>
         <a:graphic>
           <a:graphicData uri="http://schemas.openxmlformats.org/presentationml/2006/ole">
             <mc:AlternateContent xmlns:mc="http://schemas.openxmlformats.org/markup-compatibility/2006">
               <mc:Choice xmlns:v="urn:schemas-microsoft-com:vml" Requires="v">
-                <p:oleObj spid="_x0000_s11286" name="Equation" r:id="rId3" imgW="23774400" imgH="6705600" progId="Equation.DSMT4">
+                <p:oleObj spid="_x0000_s11334" name="Equation" r:id="rId3" imgW="23774400" imgH="6705600" progId="Equation.DSMT4">
                   <p:embed/>
                 </p:oleObj>
               </mc:Choice>
@@ -25556,7 +29232,7 @@
                     </p:blipFill>
                     <p:spPr>
                       <a:xfrm>
-                        <a:off x="5901773" y="1654527"/>
+                        <a:off x="7395293" y="1654527"/>
                         <a:ext cx="732503" cy="206790"/>
                       </a:xfrm>
                       <a:prstGeom prst="rect">
@@ -25582,7 +29258,7 @@
         </p:nvCxnSpPr>
         <p:spPr>
           <a:xfrm flipH="1">
-            <a:off x="4876214" y="1876087"/>
+            <a:off x="6369734" y="1876087"/>
             <a:ext cx="2729184" cy="1267695"/>
           </a:xfrm>
           <a:prstGeom prst="bentConnector4">
@@ -25621,7 +29297,7 @@
         </p:nvCxnSpPr>
         <p:spPr>
           <a:xfrm flipH="1">
-            <a:off x="6918161" y="3343075"/>
+            <a:off x="8411681" y="3343075"/>
             <a:ext cx="1" cy="703835"/>
           </a:xfrm>
           <a:prstGeom prst="bentConnector3">
@@ -25659,7 +29335,7 @@
         </p:nvCxnSpPr>
         <p:spPr>
           <a:xfrm flipH="1">
-            <a:off x="5274797" y="4046910"/>
+            <a:off x="6768317" y="4046910"/>
             <a:ext cx="846195" cy="0"/>
           </a:xfrm>
           <a:prstGeom prst="straightConnector1">
@@ -25693,20 +29369,20 @@
           <p:nvPr>
             <p:extLst>
               <p:ext uri="{D42A27DB-BD31-4B8C-83A1-F6EECF244321}">
-                <p14:modId xmlns:p14="http://schemas.microsoft.com/office/powerpoint/2010/main" val="3756521003"/>
+                <p14:modId xmlns:p14="http://schemas.microsoft.com/office/powerpoint/2010/main" val="3012880949"/>
               </p:ext>
             </p:extLst>
           </p:nvPr>
         </p:nvGraphicFramePr>
         <p:xfrm>
-          <a:off x="5435004" y="3121411"/>
+          <a:off x="6928524" y="3121411"/>
           <a:ext cx="525780" cy="214207"/>
         </p:xfrm>
         <a:graphic>
           <a:graphicData uri="http://schemas.openxmlformats.org/presentationml/2006/ole">
             <mc:AlternateContent xmlns:mc="http://schemas.openxmlformats.org/markup-compatibility/2006">
               <mc:Choice xmlns:v="urn:schemas-microsoft-com:vml" Requires="v">
-                <p:oleObj spid="_x0000_s11287" name="Equation" r:id="rId5" imgW="16459200" imgH="6705600" progId="Equation.DSMT4">
+                <p:oleObj spid="_x0000_s11335" name="Equation" r:id="rId5" imgW="16459200" imgH="6705600" progId="Equation.DSMT4">
                   <p:embed/>
                 </p:oleObj>
               </mc:Choice>
@@ -25727,7 +29403,7 @@
                     </p:blipFill>
                     <p:spPr>
                       <a:xfrm>
-                        <a:off x="5435004" y="3121411"/>
+                        <a:off x="6928524" y="3121411"/>
                         <a:ext cx="525780" cy="214207"/>
                       </a:xfrm>
                       <a:prstGeom prst="rect">
@@ -25750,20 +29426,20 @@
           <p:nvPr>
             <p:extLst>
               <p:ext uri="{D42A27DB-BD31-4B8C-83A1-F6EECF244321}">
-                <p14:modId xmlns:p14="http://schemas.microsoft.com/office/powerpoint/2010/main" val="400489663"/>
+                <p14:modId xmlns:p14="http://schemas.microsoft.com/office/powerpoint/2010/main" val="1128394407"/>
               </p:ext>
             </p:extLst>
           </p:nvPr>
         </p:nvGraphicFramePr>
         <p:xfrm>
-          <a:off x="6918161" y="3576116"/>
+          <a:off x="8411681" y="3576116"/>
           <a:ext cx="203200" cy="203200"/>
         </p:xfrm>
         <a:graphic>
           <a:graphicData uri="http://schemas.openxmlformats.org/presentationml/2006/ole">
             <mc:AlternateContent xmlns:mc="http://schemas.openxmlformats.org/markup-compatibility/2006">
               <mc:Choice xmlns:v="urn:schemas-microsoft-com:vml" Requires="v">
-                <p:oleObj spid="_x0000_s11288" name="Equation" r:id="rId7" imgW="4876800" imgH="4876800" progId="Equation.DSMT4">
+                <p:oleObj spid="_x0000_s11336" name="Equation" r:id="rId7" imgW="4876800" imgH="4876800" progId="Equation.DSMT4">
                   <p:embed/>
                 </p:oleObj>
               </mc:Choice>
@@ -25784,7 +29460,7 @@
                     </p:blipFill>
                     <p:spPr>
                       <a:xfrm>
-                        <a:off x="6918161" y="3576116"/>
+                        <a:off x="8411681" y="3576116"/>
                         <a:ext cx="203200" cy="203200"/>
                       </a:xfrm>
                       <a:prstGeom prst="rect">
@@ -25807,20 +29483,20 @@
           <p:nvPr>
             <p:extLst>
               <p:ext uri="{D42A27DB-BD31-4B8C-83A1-F6EECF244321}">
-                <p14:modId xmlns:p14="http://schemas.microsoft.com/office/powerpoint/2010/main" val="1001349669"/>
+                <p14:modId xmlns:p14="http://schemas.microsoft.com/office/powerpoint/2010/main" val="2762919116"/>
               </p:ext>
             </p:extLst>
           </p:nvPr>
         </p:nvGraphicFramePr>
         <p:xfrm>
-          <a:off x="7175704" y="3576116"/>
+          <a:off x="8669224" y="3576116"/>
           <a:ext cx="165100" cy="203200"/>
         </p:xfrm>
         <a:graphic>
           <a:graphicData uri="http://schemas.openxmlformats.org/presentationml/2006/ole">
             <mc:AlternateContent xmlns:mc="http://schemas.openxmlformats.org/markup-compatibility/2006">
               <mc:Choice xmlns:v="urn:schemas-microsoft-com:vml" Requires="v">
-                <p:oleObj spid="_x0000_s11289" name="Equation" r:id="rId9" imgW="3962400" imgH="4876800" progId="Equation.DSMT4">
+                <p:oleObj spid="_x0000_s11337" name="Equation" r:id="rId9" imgW="3962400" imgH="4876800" progId="Equation.DSMT4">
                   <p:embed/>
                 </p:oleObj>
               </mc:Choice>
@@ -25841,7 +29517,7 @@
                     </p:blipFill>
                     <p:spPr>
                       <a:xfrm>
-                        <a:off x="7175704" y="3576116"/>
+                        <a:off x="8669224" y="3576116"/>
                         <a:ext cx="165100" cy="203200"/>
                       </a:xfrm>
                       <a:prstGeom prst="rect">
@@ -25864,20 +29540,20 @@
           <p:nvPr>
             <p:extLst>
               <p:ext uri="{D42A27DB-BD31-4B8C-83A1-F6EECF244321}">
-                <p14:modId xmlns:p14="http://schemas.microsoft.com/office/powerpoint/2010/main" val="3540840409"/>
+                <p14:modId xmlns:p14="http://schemas.microsoft.com/office/powerpoint/2010/main" val="3337919470"/>
               </p:ext>
             </p:extLst>
           </p:nvPr>
         </p:nvGraphicFramePr>
         <p:xfrm>
-          <a:off x="5493068" y="3840283"/>
+          <a:off x="6986588" y="3840283"/>
           <a:ext cx="460375" cy="198438"/>
         </p:xfrm>
         <a:graphic>
           <a:graphicData uri="http://schemas.openxmlformats.org/presentationml/2006/ole">
             <mc:AlternateContent xmlns:mc="http://schemas.openxmlformats.org/markup-compatibility/2006">
               <mc:Choice xmlns:v="urn:schemas-microsoft-com:vml" Requires="v">
-                <p:oleObj spid="_x0000_s11290" name="Equation" r:id="rId11" imgW="14020800" imgH="6096000" progId="Equation.DSMT4">
+                <p:oleObj spid="_x0000_s11338" name="Equation" r:id="rId11" imgW="14020800" imgH="6096000" progId="Equation.DSMT4">
                   <p:embed/>
                 </p:oleObj>
               </mc:Choice>
@@ -25898,7 +29574,7 @@
                     </p:blipFill>
                     <p:spPr>
                       <a:xfrm>
-                        <a:off x="5493068" y="3840283"/>
+                        <a:off x="6986588" y="3840283"/>
                         <a:ext cx="460375" cy="198438"/>
                       </a:xfrm>
                       <a:prstGeom prst="rect">
@@ -25921,20 +29597,20 @@
           <p:nvPr>
             <p:extLst>
               <p:ext uri="{D42A27DB-BD31-4B8C-83A1-F6EECF244321}">
-                <p14:modId xmlns:p14="http://schemas.microsoft.com/office/powerpoint/2010/main" val="3058048713"/>
+                <p14:modId xmlns:p14="http://schemas.microsoft.com/office/powerpoint/2010/main" val="2253877198"/>
               </p:ext>
             </p:extLst>
           </p:nvPr>
         </p:nvGraphicFramePr>
         <p:xfrm>
-          <a:off x="1472418" y="3696674"/>
+          <a:off x="2965938" y="3696674"/>
           <a:ext cx="1587500" cy="203200"/>
         </p:xfrm>
         <a:graphic>
           <a:graphicData uri="http://schemas.openxmlformats.org/presentationml/2006/ole">
             <mc:AlternateContent xmlns:mc="http://schemas.openxmlformats.org/markup-compatibility/2006">
               <mc:Choice xmlns:v="urn:schemas-microsoft-com:vml" Requires="v">
-                <p:oleObj spid="_x0000_s11291" name="Equation" r:id="rId13" imgW="38100000" imgH="4876800" progId="Equation.DSMT4">
+                <p:oleObj spid="_x0000_s11339" name="Equation" r:id="rId13" imgW="38100000" imgH="4876800" progId="Equation.DSMT4">
                   <p:embed/>
                 </p:oleObj>
               </mc:Choice>
@@ -25955,7 +29631,7 @@
                     </p:blipFill>
                     <p:spPr>
                       <a:xfrm>
-                        <a:off x="1472418" y="3696674"/>
+                        <a:off x="2965938" y="3696674"/>
                         <a:ext cx="1587500" cy="203200"/>
                       </a:xfrm>
                       <a:prstGeom prst="rect">
@@ -25983,7 +29659,7 @@
         </p:nvSpPr>
         <p:spPr>
           <a:xfrm>
-            <a:off x="7411729" y="3218611"/>
+            <a:off x="8905249" y="3218611"/>
             <a:ext cx="346249" cy="918210"/>
           </a:xfrm>
           <a:prstGeom prst="rect">
@@ -26031,7 +29707,7 @@
         </p:nvSpPr>
         <p:spPr>
           <a:xfrm>
-            <a:off x="2839512" y="1404435"/>
+            <a:off x="4333032" y="1404435"/>
             <a:ext cx="797169" cy="398585"/>
           </a:xfrm>
           <a:prstGeom prst="rect">
@@ -26093,7 +29769,7 @@
         </p:nvCxnSpPr>
         <p:spPr>
           <a:xfrm flipV="1">
-            <a:off x="1975339" y="1603728"/>
+            <a:off x="3468859" y="1603728"/>
             <a:ext cx="864173" cy="268054"/>
           </a:xfrm>
           <a:prstGeom prst="bentConnector3">
@@ -26138,7 +29814,7 @@
         </p:nvCxnSpPr>
         <p:spPr>
           <a:xfrm>
-            <a:off x="1975339" y="1871782"/>
+            <a:off x="3468859" y="1871782"/>
             <a:ext cx="864173" cy="269241"/>
           </a:xfrm>
           <a:prstGeom prst="bentConnector3">
@@ -26179,7 +29855,7 @@
         </p:nvSpPr>
         <p:spPr>
           <a:xfrm>
-            <a:off x="4471277" y="1402569"/>
+            <a:off x="5964797" y="1402569"/>
             <a:ext cx="797169" cy="398585"/>
           </a:xfrm>
           <a:prstGeom prst="rect">
@@ -26244,7 +29920,7 @@
         </p:nvSpPr>
         <p:spPr>
           <a:xfrm>
-            <a:off x="4472380" y="1937857"/>
+            <a:off x="5965900" y="1937857"/>
             <a:ext cx="797169" cy="398585"/>
           </a:xfrm>
           <a:prstGeom prst="rect">
@@ -26313,7 +29989,7 @@
         </p:nvCxnSpPr>
         <p:spPr>
           <a:xfrm flipV="1">
-            <a:off x="1975339" y="1402569"/>
+            <a:off x="3468859" y="1402569"/>
             <a:ext cx="2894523" cy="469213"/>
           </a:xfrm>
           <a:prstGeom prst="bentConnector4">
@@ -26355,7 +30031,7 @@
         </p:nvCxnSpPr>
         <p:spPr>
           <a:xfrm>
-            <a:off x="3631433" y="2141022"/>
+            <a:off x="5124953" y="2141022"/>
             <a:ext cx="846195" cy="0"/>
           </a:xfrm>
           <a:prstGeom prst="straightConnector1">
@@ -26398,7 +30074,7 @@
         </p:nvCxnSpPr>
         <p:spPr>
           <a:xfrm flipV="1">
-            <a:off x="3636681" y="1601862"/>
+            <a:off x="5130201" y="1601862"/>
             <a:ext cx="834596" cy="1866"/>
           </a:xfrm>
           <a:prstGeom prst="straightConnector1">
@@ -26437,7 +30113,7 @@
         </p:nvSpPr>
         <p:spPr>
           <a:xfrm>
-            <a:off x="5595743" y="1402569"/>
+            <a:off x="7089263" y="1402569"/>
             <a:ext cx="132079" cy="933873"/>
           </a:xfrm>
           <a:prstGeom prst="rightBrace">
@@ -26483,7 +30159,7 @@
         </p:nvCxnSpPr>
         <p:spPr>
           <a:xfrm>
-            <a:off x="5261403" y="1508020"/>
+            <a:off x="6754923" y="1508020"/>
             <a:ext cx="400379" cy="0"/>
           </a:xfrm>
           <a:prstGeom prst="straightConnector1">
@@ -26524,7 +30200,7 @@
         </p:nvCxnSpPr>
         <p:spPr>
           <a:xfrm>
-            <a:off x="5268446" y="1686215"/>
+            <a:off x="6761966" y="1686215"/>
             <a:ext cx="400379" cy="0"/>
           </a:xfrm>
           <a:prstGeom prst="straightConnector1">
@@ -26565,7 +30241,7 @@
         </p:nvCxnSpPr>
         <p:spPr>
           <a:xfrm>
-            <a:off x="5267754" y="2046500"/>
+            <a:off x="6761274" y="2046500"/>
             <a:ext cx="400379" cy="0"/>
           </a:xfrm>
           <a:prstGeom prst="straightConnector1">
@@ -26606,7 +30282,7 @@
         </p:nvCxnSpPr>
         <p:spPr>
           <a:xfrm>
-            <a:off x="5274797" y="2224695"/>
+            <a:off x="6768317" y="2224695"/>
             <a:ext cx="400379" cy="0"/>
           </a:xfrm>
           <a:prstGeom prst="straightConnector1">
@@ -26645,7 +30321,7 @@
         </p:nvSpPr>
         <p:spPr>
           <a:xfrm>
-            <a:off x="6808229" y="1676794"/>
+            <a:off x="8301749" y="1676794"/>
             <a:ext cx="797169" cy="398585"/>
           </a:xfrm>
           <a:prstGeom prst="rect">
@@ -26717,7 +30393,7 @@
         </p:nvCxnSpPr>
         <p:spPr>
           <a:xfrm>
-            <a:off x="5727822" y="1869506"/>
+            <a:off x="7221342" y="1869506"/>
             <a:ext cx="1080407" cy="6581"/>
           </a:xfrm>
           <a:prstGeom prst="straightConnector1">
@@ -26756,7 +30432,7 @@
         </p:nvSpPr>
         <p:spPr>
           <a:xfrm>
-            <a:off x="401320" y="1117601"/>
+            <a:off x="1894840" y="1117601"/>
             <a:ext cx="5351933" cy="1336958"/>
           </a:xfrm>
           <a:prstGeom prst="rect">
@@ -26806,7 +30482,7 @@
         </p:nvSpPr>
         <p:spPr>
           <a:xfrm>
-            <a:off x="522433" y="1342049"/>
+            <a:off x="2015953" y="1342049"/>
             <a:ext cx="346249" cy="918210"/>
           </a:xfrm>
           <a:prstGeom prst="rect">
